--- a/Companion.스토리보드.VER.0.1.pptx
+++ b/Companion.스토리보드.VER.0.1.pptx
@@ -5,16 +5,18 @@
     <p:sldMasterId id="2147483685" r:id="rId1"/>
   </p:sldMasterIdLst>
   <p:notesMasterIdLst>
-    <p:notesMasterId r:id="rId6"/>
+    <p:notesMasterId r:id="rId8"/>
   </p:notesMasterIdLst>
   <p:handoutMasterIdLst>
-    <p:handoutMasterId r:id="rId7"/>
+    <p:handoutMasterId r:id="rId9"/>
   </p:handoutMasterIdLst>
   <p:sldIdLst>
     <p:sldId id="479" r:id="rId2"/>
-    <p:sldId id="798" r:id="rId3"/>
-    <p:sldId id="785" r:id="rId4"/>
-    <p:sldId id="1858" r:id="rId5"/>
+    <p:sldId id="1859" r:id="rId3"/>
+    <p:sldId id="1860" r:id="rId4"/>
+    <p:sldId id="798" r:id="rId5"/>
+    <p:sldId id="785" r:id="rId6"/>
+    <p:sldId id="1858" r:id="rId7"/>
   </p:sldIdLst>
   <p:sldSz cx="9906000" cy="6858000" type="A4"/>
   <p:notesSz cx="9928225" cy="6797675"/>
@@ -146,13 +148,22 @@
   <p:extLst>
     <p:ext uri="{521415D9-36F7-43E2-AB2F-B90AF26B5E84}">
       <p14:sectionLst xmlns:p14="http://schemas.microsoft.com/office/powerpoint/2010/main">
+        <p14:section name="표지&amp;공통" id="{09D4CF16-BA79-48DD-A279-DF07835F8862}">
+          <p14:sldIdLst>
+            <p14:sldId id="479"/>
+            <p14:sldId id="1859"/>
+            <p14:sldId id="1860"/>
+          </p14:sldIdLst>
+        </p14:section>
         <p14:section name="로그인" id="{60722A03-F6CF-44F2-8E25-A83D2C72132D}">
           <p14:sldIdLst>
-            <p14:sldId id="479"/>
             <p14:sldId id="798"/>
             <p14:sldId id="785"/>
             <p14:sldId id="1858"/>
           </p14:sldIdLst>
+        </p14:section>
+        <p14:section name="기본 구역" id="{360D3EA9-BA4F-442C-81B4-2F6B5B1F4570}">
+          <p14:sldIdLst/>
         </p14:section>
       </p14:sectionLst>
     </p:ext>
@@ -3043,7 +3054,7 @@
               <a:pPr>
                 <a:defRPr/>
               </a:pPr>
-              <a:t>2020-02-29</a:t>
+              <a:t>2020-03-01</a:t>
             </a:fld>
             <a:endParaRPr lang="en-US" altLang="ko-KR"/>
           </a:p>
@@ -3296,7 +3307,7 @@
               <a:pPr>
                 <a:defRPr/>
               </a:pPr>
-              <a:t>2020-02-29</a:t>
+              <a:t>2020-03-01</a:t>
             </a:fld>
             <a:endParaRPr lang="en-US" altLang="ko-KR"/>
           </a:p>
@@ -5943,7 +5954,7 @@
     </p:spTree>
     <p:extLst>
       <p:ext uri="{BB962C8B-B14F-4D97-AF65-F5344CB8AC3E}">
-        <p14:creationId xmlns:p14="http://schemas.microsoft.com/office/powerpoint/2010/main" val="1183290690"/>
+        <p14:creationId xmlns:p14="http://schemas.microsoft.com/office/powerpoint/2010/main" val="900249830"/>
       </p:ext>
     </p:extLst>
   </p:cSld>
@@ -5978,6 +5989,855 @@
           <a:chExt cx="0" cy="0"/>
         </a:xfrm>
       </p:grpSpPr>
+      <p:sp>
+        <p:nvSpPr>
+          <p:cNvPr id="2" name="직사각형 1">
+            <a:extLst>
+              <a:ext uri="{FF2B5EF4-FFF2-40B4-BE49-F238E27FC236}">
+                <a16:creationId xmlns:a16="http://schemas.microsoft.com/office/drawing/2014/main" id="{6EEA5FEB-1836-4242-AE0C-3CB0A63A1975}"/>
+              </a:ext>
+            </a:extLst>
+          </p:cNvPr>
+          <p:cNvSpPr/>
+          <p:nvPr userDrawn="1"/>
+        </p:nvSpPr>
+        <p:spPr>
+          <a:xfrm>
+            <a:off x="-2552700" y="381000"/>
+            <a:ext cx="469900" cy="465667"/>
+          </a:xfrm>
+          <a:prstGeom prst="rect">
+            <a:avLst/>
+          </a:prstGeom>
+          <a:solidFill>
+            <a:srgbClr val="0F4C81"/>
+          </a:solidFill>
+          <a:ln>
+            <a:noFill/>
+          </a:ln>
+        </p:spPr>
+        <p:style>
+          <a:lnRef idx="2">
+            <a:schemeClr val="accent1">
+              <a:shade val="50000"/>
+            </a:schemeClr>
+          </a:lnRef>
+          <a:fillRef idx="1">
+            <a:schemeClr val="accent1"/>
+          </a:fillRef>
+          <a:effectRef idx="0">
+            <a:schemeClr val="accent1"/>
+          </a:effectRef>
+          <a:fontRef idx="minor">
+            <a:schemeClr val="lt1"/>
+          </a:fontRef>
+        </p:style>
+        <p:txBody>
+          <a:bodyPr rtlCol="0" anchor="ctr"/>
+          <a:lstStyle/>
+          <a:p>
+            <a:pPr algn="ctr"/>
+            <a:endParaRPr lang="ko-KR" altLang="en-US">
+              <a:latin typeface="+mn-ea"/>
+            </a:endParaRPr>
+          </a:p>
+        </p:txBody>
+      </p:sp>
+      <p:sp>
+        <p:nvSpPr>
+          <p:cNvPr id="3" name="직사각형 2">
+            <a:extLst>
+              <a:ext uri="{FF2B5EF4-FFF2-40B4-BE49-F238E27FC236}">
+                <a16:creationId xmlns:a16="http://schemas.microsoft.com/office/drawing/2014/main" id="{ACEA498B-324C-402A-AAC1-379DB5BE888C}"/>
+              </a:ext>
+            </a:extLst>
+          </p:cNvPr>
+          <p:cNvSpPr/>
+          <p:nvPr userDrawn="1"/>
+        </p:nvSpPr>
+        <p:spPr>
+          <a:xfrm>
+            <a:off x="-2552700" y="1308100"/>
+            <a:ext cx="469900" cy="465667"/>
+          </a:xfrm>
+          <a:prstGeom prst="rect">
+            <a:avLst/>
+          </a:prstGeom>
+          <a:solidFill>
+            <a:srgbClr val="658DC6"/>
+          </a:solidFill>
+          <a:ln>
+            <a:noFill/>
+          </a:ln>
+        </p:spPr>
+        <p:style>
+          <a:lnRef idx="2">
+            <a:schemeClr val="accent1">
+              <a:shade val="50000"/>
+            </a:schemeClr>
+          </a:lnRef>
+          <a:fillRef idx="1">
+            <a:schemeClr val="accent1"/>
+          </a:fillRef>
+          <a:effectRef idx="0">
+            <a:schemeClr val="accent1"/>
+          </a:effectRef>
+          <a:fontRef idx="minor">
+            <a:schemeClr val="lt1"/>
+          </a:fontRef>
+        </p:style>
+        <p:txBody>
+          <a:bodyPr rtlCol="0" anchor="ctr"/>
+          <a:lstStyle/>
+          <a:p>
+            <a:pPr algn="ctr"/>
+            <a:endParaRPr lang="ko-KR" altLang="en-US">
+              <a:latin typeface="+mn-ea"/>
+            </a:endParaRPr>
+          </a:p>
+        </p:txBody>
+      </p:sp>
+      <p:sp>
+        <p:nvSpPr>
+          <p:cNvPr id="4" name="직사각형 3">
+            <a:extLst>
+              <a:ext uri="{FF2B5EF4-FFF2-40B4-BE49-F238E27FC236}">
+                <a16:creationId xmlns:a16="http://schemas.microsoft.com/office/drawing/2014/main" id="{7B9F00F9-9BC2-40C5-A5C0-77658DC7EEAA}"/>
+              </a:ext>
+            </a:extLst>
+          </p:cNvPr>
+          <p:cNvSpPr/>
+          <p:nvPr userDrawn="1"/>
+        </p:nvSpPr>
+        <p:spPr>
+          <a:xfrm>
+            <a:off x="-2082800" y="381000"/>
+            <a:ext cx="1511300" cy="465667"/>
+          </a:xfrm>
+          <a:prstGeom prst="rect">
+            <a:avLst/>
+          </a:prstGeom>
+          <a:noFill/>
+          <a:ln>
+            <a:solidFill>
+              <a:schemeClr val="tx1"/>
+            </a:solidFill>
+          </a:ln>
+        </p:spPr>
+        <p:style>
+          <a:lnRef idx="2">
+            <a:schemeClr val="accent1">
+              <a:shade val="50000"/>
+            </a:schemeClr>
+          </a:lnRef>
+          <a:fillRef idx="1">
+            <a:schemeClr val="accent1"/>
+          </a:fillRef>
+          <a:effectRef idx="0">
+            <a:schemeClr val="accent1"/>
+          </a:effectRef>
+          <a:fontRef idx="minor">
+            <a:schemeClr val="lt1"/>
+          </a:fontRef>
+        </p:style>
+        <p:txBody>
+          <a:bodyPr rtlCol="0" anchor="ctr"/>
+          <a:lstStyle/>
+          <a:p>
+            <a:pPr algn="ctr"/>
+            <a:r>
+              <a:rPr lang="en-US" altLang="ko-KR" sz="1400" dirty="0">
+                <a:latin typeface="+mn-ea"/>
+              </a:rPr>
+              <a:t>R15G76B129</a:t>
+            </a:r>
+          </a:p>
+          <a:p>
+            <a:pPr algn="ctr"/>
+            <a:r>
+              <a:rPr lang="en-US" altLang="ko-KR" sz="1400" dirty="0">
+                <a:latin typeface="+mn-ea"/>
+              </a:rPr>
+              <a:t>#0F4C81</a:t>
+            </a:r>
+            <a:endParaRPr lang="ko-KR" altLang="en-US" sz="1400" dirty="0">
+              <a:latin typeface="+mn-ea"/>
+            </a:endParaRPr>
+          </a:p>
+        </p:txBody>
+      </p:sp>
+      <p:sp>
+        <p:nvSpPr>
+          <p:cNvPr id="5" name="직사각형 4">
+            <a:extLst>
+              <a:ext uri="{FF2B5EF4-FFF2-40B4-BE49-F238E27FC236}">
+                <a16:creationId xmlns:a16="http://schemas.microsoft.com/office/drawing/2014/main" id="{48FCCD62-C424-4AEB-B317-51FFE89597B7}"/>
+              </a:ext>
+            </a:extLst>
+          </p:cNvPr>
+          <p:cNvSpPr/>
+          <p:nvPr userDrawn="1"/>
+        </p:nvSpPr>
+        <p:spPr>
+          <a:xfrm>
+            <a:off x="-2082800" y="1308099"/>
+            <a:ext cx="1511300" cy="465667"/>
+          </a:xfrm>
+          <a:prstGeom prst="rect">
+            <a:avLst/>
+          </a:prstGeom>
+          <a:noFill/>
+          <a:ln>
+            <a:solidFill>
+              <a:schemeClr val="tx1"/>
+            </a:solidFill>
+          </a:ln>
+        </p:spPr>
+        <p:style>
+          <a:lnRef idx="2">
+            <a:schemeClr val="accent1">
+              <a:shade val="50000"/>
+            </a:schemeClr>
+          </a:lnRef>
+          <a:fillRef idx="1">
+            <a:schemeClr val="accent1"/>
+          </a:fillRef>
+          <a:effectRef idx="0">
+            <a:schemeClr val="accent1"/>
+          </a:effectRef>
+          <a:fontRef idx="minor">
+            <a:schemeClr val="lt1"/>
+          </a:fontRef>
+        </p:style>
+        <p:txBody>
+          <a:bodyPr rtlCol="0" anchor="ctr"/>
+          <a:lstStyle/>
+          <a:p>
+            <a:pPr algn="ctr"/>
+            <a:r>
+              <a:rPr lang="en-US" altLang="ko-KR" sz="1400" dirty="0">
+                <a:latin typeface="+mn-ea"/>
+              </a:rPr>
+              <a:t>R101G141B198</a:t>
+            </a:r>
+          </a:p>
+          <a:p>
+            <a:pPr algn="ctr"/>
+            <a:r>
+              <a:rPr lang="en-US" altLang="ko-KR" sz="1400" dirty="0">
+                <a:latin typeface="+mn-ea"/>
+              </a:rPr>
+              <a:t>#658DC6</a:t>
+            </a:r>
+            <a:endParaRPr lang="ko-KR" altLang="en-US" sz="1400" dirty="0">
+              <a:latin typeface="+mn-ea"/>
+            </a:endParaRPr>
+          </a:p>
+        </p:txBody>
+      </p:sp>
+      <p:sp>
+        <p:nvSpPr>
+          <p:cNvPr id="6" name="직사각형 5">
+            <a:extLst>
+              <a:ext uri="{FF2B5EF4-FFF2-40B4-BE49-F238E27FC236}">
+                <a16:creationId xmlns:a16="http://schemas.microsoft.com/office/drawing/2014/main" id="{67F9632B-1119-402F-B20D-7DBF2F431BD2}"/>
+              </a:ext>
+            </a:extLst>
+          </p:cNvPr>
+          <p:cNvSpPr/>
+          <p:nvPr userDrawn="1"/>
+        </p:nvSpPr>
+        <p:spPr>
+          <a:xfrm>
+            <a:off x="-2552700" y="3162297"/>
+            <a:ext cx="469900" cy="465667"/>
+          </a:xfrm>
+          <a:prstGeom prst="rect">
+            <a:avLst/>
+          </a:prstGeom>
+          <a:solidFill>
+            <a:srgbClr val="84898C"/>
+          </a:solidFill>
+          <a:ln>
+            <a:noFill/>
+          </a:ln>
+        </p:spPr>
+        <p:style>
+          <a:lnRef idx="2">
+            <a:schemeClr val="accent1">
+              <a:shade val="50000"/>
+            </a:schemeClr>
+          </a:lnRef>
+          <a:fillRef idx="1">
+            <a:schemeClr val="accent1"/>
+          </a:fillRef>
+          <a:effectRef idx="0">
+            <a:schemeClr val="accent1"/>
+          </a:effectRef>
+          <a:fontRef idx="minor">
+            <a:schemeClr val="lt1"/>
+          </a:fontRef>
+        </p:style>
+        <p:txBody>
+          <a:bodyPr rtlCol="0" anchor="ctr"/>
+          <a:lstStyle/>
+          <a:p>
+            <a:pPr algn="ctr"/>
+            <a:endParaRPr lang="ko-KR" altLang="en-US">
+              <a:latin typeface="+mn-ea"/>
+            </a:endParaRPr>
+          </a:p>
+        </p:txBody>
+      </p:sp>
+      <p:sp>
+        <p:nvSpPr>
+          <p:cNvPr id="7" name="직사각형 6">
+            <a:extLst>
+              <a:ext uri="{FF2B5EF4-FFF2-40B4-BE49-F238E27FC236}">
+                <a16:creationId xmlns:a16="http://schemas.microsoft.com/office/drawing/2014/main" id="{573F172D-564A-40C3-94B2-D2C9CA769426}"/>
+              </a:ext>
+            </a:extLst>
+          </p:cNvPr>
+          <p:cNvSpPr/>
+          <p:nvPr userDrawn="1"/>
+        </p:nvSpPr>
+        <p:spPr>
+          <a:xfrm>
+            <a:off x="-2082800" y="3162296"/>
+            <a:ext cx="1511300" cy="465667"/>
+          </a:xfrm>
+          <a:prstGeom prst="rect">
+            <a:avLst/>
+          </a:prstGeom>
+          <a:noFill/>
+          <a:ln>
+            <a:solidFill>
+              <a:schemeClr val="tx1"/>
+            </a:solidFill>
+          </a:ln>
+        </p:spPr>
+        <p:style>
+          <a:lnRef idx="2">
+            <a:schemeClr val="accent1">
+              <a:shade val="50000"/>
+            </a:schemeClr>
+          </a:lnRef>
+          <a:fillRef idx="1">
+            <a:schemeClr val="accent1"/>
+          </a:fillRef>
+          <a:effectRef idx="0">
+            <a:schemeClr val="accent1"/>
+          </a:effectRef>
+          <a:fontRef idx="minor">
+            <a:schemeClr val="lt1"/>
+          </a:fontRef>
+        </p:style>
+        <p:txBody>
+          <a:bodyPr rtlCol="0" anchor="ctr"/>
+          <a:lstStyle/>
+          <a:p>
+            <a:pPr algn="ctr"/>
+            <a:r>
+              <a:rPr lang="en-US" altLang="ko-KR" sz="1400" dirty="0">
+                <a:latin typeface="+mn-ea"/>
+              </a:rPr>
+              <a:t>R132G137B140</a:t>
+            </a:r>
+          </a:p>
+          <a:p>
+            <a:pPr algn="ctr"/>
+            <a:r>
+              <a:rPr lang="en-US" altLang="ko-KR" sz="1400" dirty="0">
+                <a:latin typeface="+mn-ea"/>
+              </a:rPr>
+              <a:t>#84898C</a:t>
+            </a:r>
+          </a:p>
+        </p:txBody>
+      </p:sp>
+      <p:sp>
+        <p:nvSpPr>
+          <p:cNvPr id="8" name="직사각형 7">
+            <a:extLst>
+              <a:ext uri="{FF2B5EF4-FFF2-40B4-BE49-F238E27FC236}">
+                <a16:creationId xmlns:a16="http://schemas.microsoft.com/office/drawing/2014/main" id="{3E1CF2FB-FBD6-42EC-A257-15674C616C47}"/>
+              </a:ext>
+            </a:extLst>
+          </p:cNvPr>
+          <p:cNvSpPr/>
+          <p:nvPr userDrawn="1"/>
+        </p:nvSpPr>
+        <p:spPr>
+          <a:xfrm>
+            <a:off x="-2552700" y="2235197"/>
+            <a:ext cx="469900" cy="465667"/>
+          </a:xfrm>
+          <a:prstGeom prst="rect">
+            <a:avLst/>
+          </a:prstGeom>
+          <a:solidFill>
+            <a:srgbClr val="B5C7D3"/>
+          </a:solidFill>
+          <a:ln>
+            <a:noFill/>
+          </a:ln>
+        </p:spPr>
+        <p:style>
+          <a:lnRef idx="2">
+            <a:schemeClr val="accent1">
+              <a:shade val="50000"/>
+            </a:schemeClr>
+          </a:lnRef>
+          <a:fillRef idx="1">
+            <a:schemeClr val="accent1"/>
+          </a:fillRef>
+          <a:effectRef idx="0">
+            <a:schemeClr val="accent1"/>
+          </a:effectRef>
+          <a:fontRef idx="minor">
+            <a:schemeClr val="lt1"/>
+          </a:fontRef>
+        </p:style>
+        <p:txBody>
+          <a:bodyPr rtlCol="0" anchor="ctr"/>
+          <a:lstStyle/>
+          <a:p>
+            <a:pPr algn="ctr"/>
+            <a:endParaRPr lang="ko-KR" altLang="en-US">
+              <a:latin typeface="+mn-ea"/>
+            </a:endParaRPr>
+          </a:p>
+        </p:txBody>
+      </p:sp>
+      <p:sp>
+        <p:nvSpPr>
+          <p:cNvPr id="9" name="직사각형 8">
+            <a:extLst>
+              <a:ext uri="{FF2B5EF4-FFF2-40B4-BE49-F238E27FC236}">
+                <a16:creationId xmlns:a16="http://schemas.microsoft.com/office/drawing/2014/main" id="{AF9C9E6D-4D81-4161-BA61-E27FFB919BCE}"/>
+              </a:ext>
+            </a:extLst>
+          </p:cNvPr>
+          <p:cNvSpPr/>
+          <p:nvPr userDrawn="1"/>
+        </p:nvSpPr>
+        <p:spPr>
+          <a:xfrm>
+            <a:off x="-2082800" y="2235196"/>
+            <a:ext cx="1511300" cy="465667"/>
+          </a:xfrm>
+          <a:prstGeom prst="rect">
+            <a:avLst/>
+          </a:prstGeom>
+          <a:noFill/>
+          <a:ln>
+            <a:solidFill>
+              <a:schemeClr val="tx1"/>
+            </a:solidFill>
+          </a:ln>
+        </p:spPr>
+        <p:style>
+          <a:lnRef idx="2">
+            <a:schemeClr val="accent1">
+              <a:shade val="50000"/>
+            </a:schemeClr>
+          </a:lnRef>
+          <a:fillRef idx="1">
+            <a:schemeClr val="accent1"/>
+          </a:fillRef>
+          <a:effectRef idx="0">
+            <a:schemeClr val="accent1"/>
+          </a:effectRef>
+          <a:fontRef idx="minor">
+            <a:schemeClr val="lt1"/>
+          </a:fontRef>
+        </p:style>
+        <p:txBody>
+          <a:bodyPr rtlCol="0" anchor="ctr"/>
+          <a:lstStyle/>
+          <a:p>
+            <a:pPr algn="ctr"/>
+            <a:r>
+              <a:rPr lang="en-US" altLang="ko-KR" sz="1400" dirty="0">
+                <a:latin typeface="+mn-ea"/>
+              </a:rPr>
+              <a:t>R181G199B211</a:t>
+            </a:r>
+          </a:p>
+          <a:p>
+            <a:pPr algn="ctr"/>
+            <a:r>
+              <a:rPr lang="en-US" altLang="ko-KR" sz="1400" dirty="0">
+                <a:latin typeface="+mn-ea"/>
+              </a:rPr>
+              <a:t>#B5C7D3</a:t>
+            </a:r>
+            <a:endParaRPr lang="ko-KR" altLang="en-US" sz="1400" dirty="0">
+              <a:latin typeface="+mn-ea"/>
+            </a:endParaRPr>
+          </a:p>
+        </p:txBody>
+      </p:sp>
+      <p:sp>
+        <p:nvSpPr>
+          <p:cNvPr id="10" name="직사각형 9">
+            <a:extLst>
+              <a:ext uri="{FF2B5EF4-FFF2-40B4-BE49-F238E27FC236}">
+                <a16:creationId xmlns:a16="http://schemas.microsoft.com/office/drawing/2014/main" id="{969140B4-2BAE-4909-93CB-58289212FF54}"/>
+              </a:ext>
+            </a:extLst>
+          </p:cNvPr>
+          <p:cNvSpPr/>
+          <p:nvPr userDrawn="1"/>
+        </p:nvSpPr>
+        <p:spPr>
+          <a:xfrm>
+            <a:off x="-2552700" y="4085159"/>
+            <a:ext cx="469900" cy="465667"/>
+          </a:xfrm>
+          <a:prstGeom prst="rect">
+            <a:avLst/>
+          </a:prstGeom>
+          <a:solidFill>
+            <a:srgbClr val="A58D7F"/>
+          </a:solidFill>
+          <a:ln>
+            <a:noFill/>
+          </a:ln>
+        </p:spPr>
+        <p:style>
+          <a:lnRef idx="2">
+            <a:schemeClr val="accent1">
+              <a:shade val="50000"/>
+            </a:schemeClr>
+          </a:lnRef>
+          <a:fillRef idx="1">
+            <a:schemeClr val="accent1"/>
+          </a:fillRef>
+          <a:effectRef idx="0">
+            <a:schemeClr val="accent1"/>
+          </a:effectRef>
+          <a:fontRef idx="minor">
+            <a:schemeClr val="lt1"/>
+          </a:fontRef>
+        </p:style>
+        <p:txBody>
+          <a:bodyPr rtlCol="0" anchor="ctr"/>
+          <a:lstStyle/>
+          <a:p>
+            <a:pPr algn="ctr"/>
+            <a:endParaRPr lang="ko-KR" altLang="en-US">
+              <a:latin typeface="+mn-ea"/>
+            </a:endParaRPr>
+          </a:p>
+        </p:txBody>
+      </p:sp>
+      <p:sp>
+        <p:nvSpPr>
+          <p:cNvPr id="11" name="직사각형 10">
+            <a:extLst>
+              <a:ext uri="{FF2B5EF4-FFF2-40B4-BE49-F238E27FC236}">
+                <a16:creationId xmlns:a16="http://schemas.microsoft.com/office/drawing/2014/main" id="{1466CFCD-CC03-4F8F-AC03-197E1ECA1C7C}"/>
+              </a:ext>
+            </a:extLst>
+          </p:cNvPr>
+          <p:cNvSpPr/>
+          <p:nvPr userDrawn="1"/>
+        </p:nvSpPr>
+        <p:spPr>
+          <a:xfrm>
+            <a:off x="-2082800" y="4085158"/>
+            <a:ext cx="1511300" cy="465667"/>
+          </a:xfrm>
+          <a:prstGeom prst="rect">
+            <a:avLst/>
+          </a:prstGeom>
+          <a:noFill/>
+          <a:ln>
+            <a:solidFill>
+              <a:schemeClr val="tx1"/>
+            </a:solidFill>
+          </a:ln>
+        </p:spPr>
+        <p:style>
+          <a:lnRef idx="2">
+            <a:schemeClr val="accent1">
+              <a:shade val="50000"/>
+            </a:schemeClr>
+          </a:lnRef>
+          <a:fillRef idx="1">
+            <a:schemeClr val="accent1"/>
+          </a:fillRef>
+          <a:effectRef idx="0">
+            <a:schemeClr val="accent1"/>
+          </a:effectRef>
+          <a:fontRef idx="minor">
+            <a:schemeClr val="lt1"/>
+          </a:fontRef>
+        </p:style>
+        <p:txBody>
+          <a:bodyPr rtlCol="0" anchor="ctr"/>
+          <a:lstStyle/>
+          <a:p>
+            <a:pPr algn="ctr"/>
+            <a:r>
+              <a:rPr lang="en-US" altLang="ko-KR" sz="1400" dirty="0">
+                <a:latin typeface="+mn-ea"/>
+              </a:rPr>
+              <a:t>R165G141B127</a:t>
+            </a:r>
+          </a:p>
+          <a:p>
+            <a:pPr algn="ctr"/>
+            <a:r>
+              <a:rPr lang="en-US" altLang="ko-KR" sz="1400" dirty="0">
+                <a:latin typeface="+mn-ea"/>
+              </a:rPr>
+              <a:t>#A58D7F</a:t>
+            </a:r>
+          </a:p>
+        </p:txBody>
+      </p:sp>
+      <p:sp>
+        <p:nvSpPr>
+          <p:cNvPr id="12" name="직사각형 11">
+            <a:extLst>
+              <a:ext uri="{FF2B5EF4-FFF2-40B4-BE49-F238E27FC236}">
+                <a16:creationId xmlns:a16="http://schemas.microsoft.com/office/drawing/2014/main" id="{6EC86032-A4CB-4647-A6CC-644440E480B1}"/>
+              </a:ext>
+            </a:extLst>
+          </p:cNvPr>
+          <p:cNvSpPr/>
+          <p:nvPr userDrawn="1"/>
+        </p:nvSpPr>
+        <p:spPr>
+          <a:xfrm>
+            <a:off x="-2552700" y="5008020"/>
+            <a:ext cx="469900" cy="465667"/>
+          </a:xfrm>
+          <a:prstGeom prst="rect">
+            <a:avLst/>
+          </a:prstGeom>
+          <a:solidFill>
+            <a:srgbClr val="F5B895"/>
+          </a:solidFill>
+          <a:ln>
+            <a:noFill/>
+          </a:ln>
+        </p:spPr>
+        <p:style>
+          <a:lnRef idx="2">
+            <a:schemeClr val="accent1">
+              <a:shade val="50000"/>
+            </a:schemeClr>
+          </a:lnRef>
+          <a:fillRef idx="1">
+            <a:schemeClr val="accent1"/>
+          </a:fillRef>
+          <a:effectRef idx="0">
+            <a:schemeClr val="accent1"/>
+          </a:effectRef>
+          <a:fontRef idx="minor">
+            <a:schemeClr val="lt1"/>
+          </a:fontRef>
+        </p:style>
+        <p:txBody>
+          <a:bodyPr rtlCol="0" anchor="ctr"/>
+          <a:lstStyle/>
+          <a:p>
+            <a:pPr algn="ctr"/>
+            <a:endParaRPr lang="ko-KR" altLang="en-US">
+              <a:latin typeface="+mn-ea"/>
+            </a:endParaRPr>
+          </a:p>
+        </p:txBody>
+      </p:sp>
+      <p:sp>
+        <p:nvSpPr>
+          <p:cNvPr id="13" name="직사각형 12">
+            <a:extLst>
+              <a:ext uri="{FF2B5EF4-FFF2-40B4-BE49-F238E27FC236}">
+                <a16:creationId xmlns:a16="http://schemas.microsoft.com/office/drawing/2014/main" id="{7F2F13CF-2E79-4AA4-9E7C-D4AB5CD443B9}"/>
+              </a:ext>
+            </a:extLst>
+          </p:cNvPr>
+          <p:cNvSpPr/>
+          <p:nvPr userDrawn="1"/>
+        </p:nvSpPr>
+        <p:spPr>
+          <a:xfrm>
+            <a:off x="-2082800" y="5008019"/>
+            <a:ext cx="1511300" cy="465667"/>
+          </a:xfrm>
+          <a:prstGeom prst="rect">
+            <a:avLst/>
+          </a:prstGeom>
+          <a:noFill/>
+          <a:ln>
+            <a:solidFill>
+              <a:schemeClr val="tx1"/>
+            </a:solidFill>
+          </a:ln>
+        </p:spPr>
+        <p:style>
+          <a:lnRef idx="2">
+            <a:schemeClr val="accent1">
+              <a:shade val="50000"/>
+            </a:schemeClr>
+          </a:lnRef>
+          <a:fillRef idx="1">
+            <a:schemeClr val="accent1"/>
+          </a:fillRef>
+          <a:effectRef idx="0">
+            <a:schemeClr val="accent1"/>
+          </a:effectRef>
+          <a:fontRef idx="minor">
+            <a:schemeClr val="lt1"/>
+          </a:fontRef>
+        </p:style>
+        <p:txBody>
+          <a:bodyPr rtlCol="0" anchor="ctr"/>
+          <a:lstStyle/>
+          <a:p>
+            <a:pPr algn="ctr"/>
+            <a:r>
+              <a:rPr lang="en-US" altLang="ko-KR" sz="1400" dirty="0">
+                <a:latin typeface="+mn-ea"/>
+              </a:rPr>
+              <a:t>R245G184B149</a:t>
+            </a:r>
+          </a:p>
+          <a:p>
+            <a:pPr algn="ctr"/>
+            <a:r>
+              <a:rPr lang="en-US" altLang="ko-KR" sz="1400" dirty="0">
+                <a:latin typeface="+mn-ea"/>
+              </a:rPr>
+              <a:t>#F5B895</a:t>
+            </a:r>
+          </a:p>
+        </p:txBody>
+      </p:sp>
+      <p:sp>
+        <p:nvSpPr>
+          <p:cNvPr id="14" name="직사각형 13">
+            <a:extLst>
+              <a:ext uri="{FF2B5EF4-FFF2-40B4-BE49-F238E27FC236}">
+                <a16:creationId xmlns:a16="http://schemas.microsoft.com/office/drawing/2014/main" id="{A2512F5D-7813-4401-8C5A-19FD6AF8B627}"/>
+              </a:ext>
+            </a:extLst>
+          </p:cNvPr>
+          <p:cNvSpPr/>
+          <p:nvPr userDrawn="1"/>
+        </p:nvSpPr>
+        <p:spPr>
+          <a:xfrm>
+            <a:off x="-2552700" y="5930880"/>
+            <a:ext cx="469900" cy="465667"/>
+          </a:xfrm>
+          <a:prstGeom prst="rect">
+            <a:avLst/>
+          </a:prstGeom>
+          <a:solidFill>
+            <a:srgbClr val="F2D6AE"/>
+          </a:solidFill>
+          <a:ln>
+            <a:noFill/>
+          </a:ln>
+        </p:spPr>
+        <p:style>
+          <a:lnRef idx="2">
+            <a:schemeClr val="accent1">
+              <a:shade val="50000"/>
+            </a:schemeClr>
+          </a:lnRef>
+          <a:fillRef idx="1">
+            <a:schemeClr val="accent1"/>
+          </a:fillRef>
+          <a:effectRef idx="0">
+            <a:schemeClr val="accent1"/>
+          </a:effectRef>
+          <a:fontRef idx="minor">
+            <a:schemeClr val="lt1"/>
+          </a:fontRef>
+        </p:style>
+        <p:txBody>
+          <a:bodyPr rtlCol="0" anchor="ctr"/>
+          <a:lstStyle/>
+          <a:p>
+            <a:pPr algn="ctr"/>
+            <a:endParaRPr lang="ko-KR" altLang="en-US">
+              <a:latin typeface="+mn-ea"/>
+            </a:endParaRPr>
+          </a:p>
+        </p:txBody>
+      </p:sp>
+      <p:sp>
+        <p:nvSpPr>
+          <p:cNvPr id="15" name="직사각형 14">
+            <a:extLst>
+              <a:ext uri="{FF2B5EF4-FFF2-40B4-BE49-F238E27FC236}">
+                <a16:creationId xmlns:a16="http://schemas.microsoft.com/office/drawing/2014/main" id="{EB49215B-8ECA-4B36-9E6C-DCAC4E4E4066}"/>
+              </a:ext>
+            </a:extLst>
+          </p:cNvPr>
+          <p:cNvSpPr/>
+          <p:nvPr userDrawn="1"/>
+        </p:nvSpPr>
+        <p:spPr>
+          <a:xfrm>
+            <a:off x="-2082800" y="5930879"/>
+            <a:ext cx="1511300" cy="465667"/>
+          </a:xfrm>
+          <a:prstGeom prst="rect">
+            <a:avLst/>
+          </a:prstGeom>
+          <a:noFill/>
+          <a:ln>
+            <a:solidFill>
+              <a:schemeClr val="tx1"/>
+            </a:solidFill>
+          </a:ln>
+        </p:spPr>
+        <p:style>
+          <a:lnRef idx="2">
+            <a:schemeClr val="accent1">
+              <a:shade val="50000"/>
+            </a:schemeClr>
+          </a:lnRef>
+          <a:fillRef idx="1">
+            <a:schemeClr val="accent1"/>
+          </a:fillRef>
+          <a:effectRef idx="0">
+            <a:schemeClr val="accent1"/>
+          </a:effectRef>
+          <a:fontRef idx="minor">
+            <a:schemeClr val="lt1"/>
+          </a:fontRef>
+        </p:style>
+        <p:txBody>
+          <a:bodyPr rtlCol="0" anchor="ctr"/>
+          <a:lstStyle/>
+          <a:p>
+            <a:pPr algn="ctr"/>
+            <a:r>
+              <a:rPr lang="en-US" altLang="ko-KR" sz="1400" dirty="0">
+                <a:latin typeface="+mn-ea"/>
+              </a:rPr>
+              <a:t>R242G214B174</a:t>
+            </a:r>
+          </a:p>
+          <a:p>
+            <a:pPr algn="ctr"/>
+            <a:r>
+              <a:rPr lang="en-US" altLang="ko-KR" sz="1400" dirty="0">
+                <a:latin typeface="+mn-ea"/>
+              </a:rPr>
+              <a:t>#F2D6AE</a:t>
+            </a:r>
+          </a:p>
+        </p:txBody>
+      </p:sp>
     </p:spTree>
   </p:cSld>
   <p:clrMap bg1="lt1" tx1="dk1" bg2="lt2" tx2="dk2" accent1="accent1" accent2="accent2" accent3="accent3" accent4="accent4" accent5="accent5" accent6="accent6" hlink="hlink" folHlink="folHlink"/>
@@ -5985,7 +6845,7 @@
     <p:sldLayoutId id="2147483731" r:id="rId1"/>
     <p:sldLayoutId id="2147483730" r:id="rId2"/>
     <p:sldLayoutId id="2147483733" r:id="rId3"/>
-    <p:sldLayoutId id="2147483732" r:id="rId4"/>
+    <p:sldLayoutId id="2147483734" r:id="rId4"/>
   </p:sldLayoutIdLst>
   <p:txStyles>
     <p:titleStyle>
@@ -6430,13 +7290,7 @@
           <p:cNvGraphicFramePr>
             <a:graphicFrameLocks noGrp="1"/>
           </p:cNvGraphicFramePr>
-          <p:nvPr>
-            <p:extLst>
-              <p:ext uri="{D42A27DB-BD31-4B8C-83A1-F6EECF244321}">
-                <p14:modId xmlns:p14="http://schemas.microsoft.com/office/powerpoint/2010/main" val="2114193397"/>
-              </p:ext>
-            </p:extLst>
-          </p:nvPr>
+          <p:nvPr/>
         </p:nvGraphicFramePr>
         <p:xfrm>
           <a:off x="2261008" y="4341855"/>
@@ -7677,13 +8531,7 @@
           <p:cNvGraphicFramePr>
             <a:graphicFrameLocks noGrp="1"/>
           </p:cNvGraphicFramePr>
-          <p:nvPr>
-            <p:extLst>
-              <p:ext uri="{D42A27DB-BD31-4B8C-83A1-F6EECF244321}">
-                <p14:modId xmlns:p14="http://schemas.microsoft.com/office/powerpoint/2010/main" val="506942911"/>
-              </p:ext>
-            </p:extLst>
-          </p:nvPr>
+          <p:nvPr/>
         </p:nvGraphicFramePr>
         <p:xfrm>
           <a:off x="1363678" y="2166092"/>
@@ -8133,7 +8981,7 @@
     </p:spTree>
     <p:extLst>
       <p:ext uri="{BB962C8B-B14F-4D97-AF65-F5344CB8AC3E}">
-        <p14:creationId xmlns:p14="http://schemas.microsoft.com/office/powerpoint/2010/main" val="2721678883"/>
+        <p14:creationId xmlns:p14="http://schemas.microsoft.com/office/powerpoint/2010/main" val="4027515573"/>
       </p:ext>
     </p:extLst>
   </p:cSld>
@@ -8144,6 +8992,4177 @@
 </file>
 
 <file path=ppt/slides/slide2.xml><?xml version="1.0" encoding="utf-8"?>
+<p:sld xmlns:a="http://schemas.openxmlformats.org/drawingml/2006/main" xmlns:r="http://schemas.openxmlformats.org/officeDocument/2006/relationships" xmlns:p="http://schemas.openxmlformats.org/presentationml/2006/main">
+  <p:cSld>
+    <p:spTree>
+      <p:nvGrpSpPr>
+        <p:cNvPr id="1" name=""/>
+        <p:cNvGrpSpPr/>
+        <p:nvPr/>
+      </p:nvGrpSpPr>
+      <p:grpSpPr>
+        <a:xfrm>
+          <a:off x="0" y="0"/>
+          <a:ext cx="0" cy="0"/>
+          <a:chOff x="0" y="0"/>
+          <a:chExt cx="0" cy="0"/>
+        </a:xfrm>
+      </p:grpSpPr>
+      <p:sp>
+        <p:nvSpPr>
+          <p:cNvPr id="2" name="직사각형 1">
+            <a:extLst>
+              <a:ext uri="{FF2B5EF4-FFF2-40B4-BE49-F238E27FC236}">
+                <a16:creationId xmlns:a16="http://schemas.microsoft.com/office/drawing/2014/main" id="{1F8E5BB3-A604-40EC-974F-78159C737564}"/>
+              </a:ext>
+            </a:extLst>
+          </p:cNvPr>
+          <p:cNvSpPr/>
+          <p:nvPr/>
+        </p:nvSpPr>
+        <p:spPr>
+          <a:xfrm>
+            <a:off x="2108684" y="2348880"/>
+            <a:ext cx="5688632" cy="2160240"/>
+          </a:xfrm>
+          <a:prstGeom prst="rect">
+            <a:avLst/>
+          </a:prstGeom>
+          <a:noFill/>
+          <a:ln>
+            <a:noFill/>
+          </a:ln>
+        </p:spPr>
+        <p:style>
+          <a:lnRef idx="2">
+            <a:schemeClr val="accent1">
+              <a:shade val="50000"/>
+            </a:schemeClr>
+          </a:lnRef>
+          <a:fillRef idx="1">
+            <a:schemeClr val="accent1"/>
+          </a:fillRef>
+          <a:effectRef idx="0">
+            <a:schemeClr val="accent1"/>
+          </a:effectRef>
+          <a:fontRef idx="minor">
+            <a:schemeClr val="lt1"/>
+          </a:fontRef>
+        </p:style>
+        <p:txBody>
+          <a:bodyPr rtlCol="0" anchor="ctr"/>
+          <a:lstStyle/>
+          <a:p>
+            <a:pPr lvl="0" eaLnBrk="0" hangingPunct="0">
+              <a:spcBef>
+                <a:spcPct val="20000"/>
+              </a:spcBef>
+            </a:pPr>
+            <a:r>
+              <a:rPr lang="ko-KR" altLang="en-US" sz="4000" b="1" dirty="0">
+                <a:solidFill>
+                  <a:srgbClr val="00B0F0"/>
+                </a:solidFill>
+                <a:effectLst>
+                  <a:outerShdw blurRad="38100" dist="38100" dir="2700000" algn="tl">
+                    <a:srgbClr val="000000">
+                      <a:alpha val="43137"/>
+                    </a:srgbClr>
+                  </a:outerShdw>
+                </a:effectLst>
+                <a:latin typeface="맑은 고딕" panose="020B0503020000020004" pitchFamily="50" charset="-127"/>
+                <a:ea typeface="맑은 고딕" panose="020B0503020000020004" pitchFamily="50" charset="-127"/>
+              </a:rPr>
+              <a:t>공통사항</a:t>
+            </a:r>
+          </a:p>
+        </p:txBody>
+      </p:sp>
+    </p:spTree>
+    <p:extLst>
+      <p:ext uri="{BB962C8B-B14F-4D97-AF65-F5344CB8AC3E}">
+        <p14:creationId xmlns:p14="http://schemas.microsoft.com/office/powerpoint/2010/main" val="314302327"/>
+      </p:ext>
+    </p:extLst>
+  </p:cSld>
+  <p:clrMapOvr>
+    <a:masterClrMapping/>
+  </p:clrMapOvr>
+</p:sld>
+</file>
+
+<file path=ppt/slides/slide3.xml><?xml version="1.0" encoding="utf-8"?>
+<p:sld xmlns:a="http://schemas.openxmlformats.org/drawingml/2006/main" xmlns:r="http://schemas.openxmlformats.org/officeDocument/2006/relationships" xmlns:p="http://schemas.openxmlformats.org/presentationml/2006/main">
+  <p:cSld>
+    <p:spTree>
+      <p:nvGrpSpPr>
+        <p:cNvPr id="1" name=""/>
+        <p:cNvGrpSpPr/>
+        <p:nvPr/>
+      </p:nvGrpSpPr>
+      <p:grpSpPr>
+        <a:xfrm>
+          <a:off x="0" y="0"/>
+          <a:ext cx="0" cy="0"/>
+          <a:chOff x="0" y="0"/>
+          <a:chExt cx="0" cy="0"/>
+        </a:xfrm>
+      </p:grpSpPr>
+      <p:sp>
+        <p:nvSpPr>
+          <p:cNvPr id="10" name="직사각형 9">
+            <a:extLst>
+              <a:ext uri="{FF2B5EF4-FFF2-40B4-BE49-F238E27FC236}">
+                <a16:creationId xmlns:a16="http://schemas.microsoft.com/office/drawing/2014/main" id="{89CF7BDD-8DD3-476F-81B0-63659ABB90D6}"/>
+              </a:ext>
+            </a:extLst>
+          </p:cNvPr>
+          <p:cNvSpPr/>
+          <p:nvPr/>
+        </p:nvSpPr>
+        <p:spPr>
+          <a:xfrm>
+            <a:off x="-2314240" y="2420888"/>
+            <a:ext cx="1074551" cy="426954"/>
+          </a:xfrm>
+          <a:prstGeom prst="rect">
+            <a:avLst/>
+          </a:prstGeom>
+          <a:noFill/>
+          <a:ln>
+            <a:solidFill>
+              <a:srgbClr val="FF0000"/>
+            </a:solidFill>
+            <a:prstDash val="dash"/>
+          </a:ln>
+        </p:spPr>
+        <p:style>
+          <a:lnRef idx="2">
+            <a:schemeClr val="accent1">
+              <a:shade val="50000"/>
+            </a:schemeClr>
+          </a:lnRef>
+          <a:fillRef idx="1">
+            <a:schemeClr val="accent1"/>
+          </a:fillRef>
+          <a:effectRef idx="0">
+            <a:schemeClr val="accent1"/>
+          </a:effectRef>
+          <a:fontRef idx="minor">
+            <a:schemeClr val="lt1"/>
+          </a:fontRef>
+        </p:style>
+        <p:txBody>
+          <a:bodyPr rtlCol="0" anchor="ctr"/>
+          <a:lstStyle/>
+          <a:p>
+            <a:pPr algn="ctr"/>
+            <a:endParaRPr lang="ko-KR" altLang="en-US">
+              <a:latin typeface="맑은 고딕" panose="020B0503020000020004" pitchFamily="50" charset="-127"/>
+              <a:ea typeface="맑은 고딕" panose="020B0503020000020004" pitchFamily="50" charset="-127"/>
+            </a:endParaRPr>
+          </a:p>
+        </p:txBody>
+      </p:sp>
+      <p:sp>
+        <p:nvSpPr>
+          <p:cNvPr id="13" name="직사각형 12">
+            <a:extLst>
+              <a:ext uri="{FF2B5EF4-FFF2-40B4-BE49-F238E27FC236}">
+                <a16:creationId xmlns:a16="http://schemas.microsoft.com/office/drawing/2014/main" id="{41191E05-CD3E-4A68-9226-C2F8413DEEFE}"/>
+              </a:ext>
+            </a:extLst>
+          </p:cNvPr>
+          <p:cNvSpPr/>
+          <p:nvPr/>
+        </p:nvSpPr>
+        <p:spPr>
+          <a:xfrm flipV="1">
+            <a:off x="-2319808" y="1772816"/>
+            <a:ext cx="1080119" cy="300456"/>
+          </a:xfrm>
+          <a:prstGeom prst="rect">
+            <a:avLst/>
+          </a:prstGeom>
+          <a:noFill/>
+          <a:ln>
+            <a:solidFill>
+              <a:srgbClr val="0070C0"/>
+            </a:solidFill>
+            <a:prstDash val="dash"/>
+          </a:ln>
+        </p:spPr>
+        <p:style>
+          <a:lnRef idx="2">
+            <a:schemeClr val="accent1">
+              <a:shade val="50000"/>
+            </a:schemeClr>
+          </a:lnRef>
+          <a:fillRef idx="1">
+            <a:schemeClr val="accent1"/>
+          </a:fillRef>
+          <a:effectRef idx="0">
+            <a:schemeClr val="accent1"/>
+          </a:effectRef>
+          <a:fontRef idx="minor">
+            <a:schemeClr val="lt1"/>
+          </a:fontRef>
+        </p:style>
+        <p:txBody>
+          <a:bodyPr rtlCol="0" anchor="ctr"/>
+          <a:lstStyle/>
+          <a:p>
+            <a:pPr algn="ctr"/>
+            <a:endParaRPr lang="ko-KR" altLang="en-US">
+              <a:latin typeface="맑은 고딕" panose="020B0503020000020004" pitchFamily="50" charset="-127"/>
+              <a:ea typeface="맑은 고딕" panose="020B0503020000020004" pitchFamily="50" charset="-127"/>
+            </a:endParaRPr>
+          </a:p>
+        </p:txBody>
+      </p:sp>
+      <p:graphicFrame>
+        <p:nvGraphicFramePr>
+          <p:cNvPr id="27" name="표 26">
+            <a:extLst>
+              <a:ext uri="{FF2B5EF4-FFF2-40B4-BE49-F238E27FC236}">
+                <a16:creationId xmlns:a16="http://schemas.microsoft.com/office/drawing/2014/main" id="{C4186309-4BAE-4B2C-9CCD-032D5DBE175E}"/>
+              </a:ext>
+            </a:extLst>
+          </p:cNvPr>
+          <p:cNvGraphicFramePr>
+            <a:graphicFrameLocks noGrp="1"/>
+          </p:cNvGraphicFramePr>
+          <p:nvPr/>
+        </p:nvGraphicFramePr>
+        <p:xfrm>
+          <a:off x="165000" y="404664"/>
+          <a:ext cx="9576000" cy="694931"/>
+        </p:xfrm>
+        <a:graphic>
+          <a:graphicData uri="http://schemas.openxmlformats.org/drawingml/2006/table">
+            <a:tbl>
+              <a:tblPr firstRow="1" firstCol="1" bandRow="1"/>
+              <a:tblGrid>
+                <a:gridCol w="1260000">
+                  <a:extLst>
+                    <a:ext uri="{9D8B030D-6E8A-4147-A177-3AD203B41FA5}">
+                      <a16:colId xmlns:a16="http://schemas.microsoft.com/office/drawing/2014/main" val="20000"/>
+                    </a:ext>
+                  </a:extLst>
+                </a:gridCol>
+                <a:gridCol w="3816000">
+                  <a:extLst>
+                    <a:ext uri="{9D8B030D-6E8A-4147-A177-3AD203B41FA5}">
+                      <a16:colId xmlns:a16="http://schemas.microsoft.com/office/drawing/2014/main" val="20001"/>
+                    </a:ext>
+                  </a:extLst>
+                </a:gridCol>
+                <a:gridCol w="1260000">
+                  <a:extLst>
+                    <a:ext uri="{9D8B030D-6E8A-4147-A177-3AD203B41FA5}">
+                      <a16:colId xmlns:a16="http://schemas.microsoft.com/office/drawing/2014/main" val="20002"/>
+                    </a:ext>
+                  </a:extLst>
+                </a:gridCol>
+                <a:gridCol w="3240000">
+                  <a:extLst>
+                    <a:ext uri="{9D8B030D-6E8A-4147-A177-3AD203B41FA5}">
+                      <a16:colId xmlns:a16="http://schemas.microsoft.com/office/drawing/2014/main" val="20003"/>
+                    </a:ext>
+                  </a:extLst>
+                </a:gridCol>
+              </a:tblGrid>
+              <a:tr h="0">
+                <a:tc>
+                  <a:txBody>
+                    <a:bodyPr/>
+                    <a:lstStyle/>
+                    <a:p>
+                      <a:pPr algn="ctr">
+                        <a:lnSpc>
+                          <a:spcPct val="115000"/>
+                        </a:lnSpc>
+                        <a:spcBef>
+                          <a:spcPts val="300"/>
+                        </a:spcBef>
+                        <a:spcAft>
+                          <a:spcPts val="300"/>
+                        </a:spcAft>
+                      </a:pPr>
+                      <a:r>
+                        <a:rPr lang="ko-KR" altLang="en-US" sz="1000" b="0" kern="100">
+                          <a:effectLst/>
+                          <a:latin typeface="맑은 고딕" pitchFamily="50" charset="-127"/>
+                          <a:ea typeface="맑은 고딕" pitchFamily="50" charset="-127"/>
+                        </a:rPr>
+                        <a:t>화면명</a:t>
+                      </a:r>
+                      <a:endParaRPr lang="ko-KR" sz="1000" b="0" kern="100" dirty="0">
+                        <a:effectLst/>
+                        <a:latin typeface="맑은 고딕" pitchFamily="50" charset="-127"/>
+                        <a:ea typeface="맑은 고딕" pitchFamily="50" charset="-127"/>
+                      </a:endParaRPr>
+                    </a:p>
+                  </a:txBody>
+                  <a:tcPr marL="36000" marR="36000" marT="36000" marB="36195" anchor="ctr">
+                    <a:lnL w="12700" cap="flat" cmpd="sng" algn="ctr">
+                      <a:solidFill>
+                        <a:srgbClr val="000000"/>
+                      </a:solidFill>
+                      <a:prstDash val="solid"/>
+                      <a:round/>
+                      <a:headEnd type="none" w="med" len="med"/>
+                      <a:tailEnd type="none" w="med" len="med"/>
+                    </a:lnL>
+                    <a:lnR w="12700" cap="flat" cmpd="sng" algn="ctr">
+                      <a:solidFill>
+                        <a:srgbClr val="000000"/>
+                      </a:solidFill>
+                      <a:prstDash val="solid"/>
+                      <a:round/>
+                      <a:headEnd type="none" w="med" len="med"/>
+                      <a:tailEnd type="none" w="med" len="med"/>
+                    </a:lnR>
+                    <a:lnT w="12700" cap="flat" cmpd="sng" algn="ctr">
+                      <a:solidFill>
+                        <a:srgbClr val="000000"/>
+                      </a:solidFill>
+                      <a:prstDash val="solid"/>
+                      <a:round/>
+                      <a:headEnd type="none" w="med" len="med"/>
+                      <a:tailEnd type="none" w="med" len="med"/>
+                    </a:lnT>
+                    <a:lnB w="12700" cap="flat" cmpd="sng" algn="ctr">
+                      <a:solidFill>
+                        <a:srgbClr val="000000"/>
+                      </a:solidFill>
+                      <a:prstDash val="solid"/>
+                      <a:round/>
+                      <a:headEnd type="none" w="med" len="med"/>
+                      <a:tailEnd type="none" w="med" len="med"/>
+                    </a:lnB>
+                    <a:solidFill>
+                      <a:srgbClr val="F2F2F2"/>
+                    </a:solidFill>
+                  </a:tcPr>
+                </a:tc>
+                <a:tc>
+                  <a:txBody>
+                    <a:bodyPr/>
+                    <a:lstStyle/>
+                    <a:p>
+                      <a:pPr algn="l">
+                        <a:lnSpc>
+                          <a:spcPct val="115000"/>
+                        </a:lnSpc>
+                        <a:spcBef>
+                          <a:spcPts val="300"/>
+                        </a:spcBef>
+                        <a:spcAft>
+                          <a:spcPts val="300"/>
+                        </a:spcAft>
+                      </a:pPr>
+                      <a:r>
+                        <a:rPr lang="en-US" altLang="ko-KR" sz="1000" b="0" kern="100" dirty="0">
+                          <a:effectLst/>
+                          <a:latin typeface="맑은 고딕" pitchFamily="50" charset="-127"/>
+                          <a:ea typeface="+mn-ea"/>
+                        </a:rPr>
+                        <a:t>GNB</a:t>
+                      </a:r>
+                      <a:endParaRPr lang="ko-KR" altLang="ko-KR" sz="1000" b="0" kern="100" dirty="0">
+                        <a:effectLst/>
+                        <a:latin typeface="맑은 고딕" pitchFamily="50" charset="-127"/>
+                        <a:ea typeface="+mn-ea"/>
+                      </a:endParaRPr>
+                    </a:p>
+                  </a:txBody>
+                  <a:tcPr marL="36000" marR="36000" marT="36000" marB="36195" anchor="ctr">
+                    <a:lnL w="12700" cap="flat" cmpd="sng" algn="ctr">
+                      <a:solidFill>
+                        <a:srgbClr val="000000"/>
+                      </a:solidFill>
+                      <a:prstDash val="solid"/>
+                      <a:round/>
+                      <a:headEnd type="none" w="med" len="med"/>
+                      <a:tailEnd type="none" w="med" len="med"/>
+                    </a:lnL>
+                    <a:lnR w="12700" cap="flat" cmpd="sng" algn="ctr">
+                      <a:solidFill>
+                        <a:srgbClr val="000000"/>
+                      </a:solidFill>
+                      <a:prstDash val="solid"/>
+                      <a:round/>
+                      <a:headEnd type="none" w="med" len="med"/>
+                      <a:tailEnd type="none" w="med" len="med"/>
+                    </a:lnR>
+                    <a:lnT w="12700" cap="flat" cmpd="sng" algn="ctr">
+                      <a:solidFill>
+                        <a:srgbClr val="000000"/>
+                      </a:solidFill>
+                      <a:prstDash val="solid"/>
+                      <a:round/>
+                      <a:headEnd type="none" w="med" len="med"/>
+                      <a:tailEnd type="none" w="med" len="med"/>
+                    </a:lnT>
+                    <a:lnB w="12700" cap="flat" cmpd="sng" algn="ctr">
+                      <a:solidFill>
+                        <a:srgbClr val="000000"/>
+                      </a:solidFill>
+                      <a:prstDash val="solid"/>
+                      <a:round/>
+                      <a:headEnd type="none" w="med" len="med"/>
+                      <a:tailEnd type="none" w="med" len="med"/>
+                    </a:lnB>
+                    <a:noFill/>
+                  </a:tcPr>
+                </a:tc>
+                <a:tc>
+                  <a:txBody>
+                    <a:bodyPr/>
+                    <a:lstStyle/>
+                    <a:p>
+                      <a:pPr algn="ctr">
+                        <a:lnSpc>
+                          <a:spcPct val="115000"/>
+                        </a:lnSpc>
+                        <a:spcBef>
+                          <a:spcPts val="300"/>
+                        </a:spcBef>
+                        <a:spcAft>
+                          <a:spcPts val="300"/>
+                        </a:spcAft>
+                      </a:pPr>
+                      <a:r>
+                        <a:rPr lang="ko-KR" altLang="en-US" sz="1000" b="0" kern="100">
+                          <a:effectLst/>
+                          <a:latin typeface="맑은 고딕" pitchFamily="50" charset="-127"/>
+                          <a:ea typeface="맑은 고딕" pitchFamily="50" charset="-127"/>
+                        </a:rPr>
+                        <a:t>화면</a:t>
+                      </a:r>
+                      <a:r>
+                        <a:rPr lang="en-US" altLang="ko-KR" sz="1000" b="0" kern="100">
+                          <a:effectLst/>
+                          <a:latin typeface="맑은 고딕" pitchFamily="50" charset="-127"/>
+                          <a:ea typeface="맑은 고딕" pitchFamily="50" charset="-127"/>
+                        </a:rPr>
+                        <a:t>ID</a:t>
+                      </a:r>
+                      <a:endParaRPr lang="ko-KR" sz="1000" b="0" kern="100" dirty="0">
+                        <a:effectLst/>
+                        <a:latin typeface="맑은 고딕" pitchFamily="50" charset="-127"/>
+                        <a:ea typeface="맑은 고딕" pitchFamily="50" charset="-127"/>
+                      </a:endParaRPr>
+                    </a:p>
+                  </a:txBody>
+                  <a:tcPr marL="36000" marR="36000" marT="36000" marB="36195" anchor="ctr">
+                    <a:lnL w="12700" cap="flat" cmpd="sng" algn="ctr">
+                      <a:solidFill>
+                        <a:srgbClr val="000000"/>
+                      </a:solidFill>
+                      <a:prstDash val="solid"/>
+                      <a:round/>
+                      <a:headEnd type="none" w="med" len="med"/>
+                      <a:tailEnd type="none" w="med" len="med"/>
+                    </a:lnL>
+                    <a:lnR w="6350" cap="flat" cmpd="sng" algn="ctr">
+                      <a:solidFill>
+                        <a:schemeClr val="tx1"/>
+                      </a:solidFill>
+                      <a:prstDash val="solid"/>
+                      <a:round/>
+                      <a:headEnd type="none" w="med" len="med"/>
+                      <a:tailEnd type="none" w="med" len="med"/>
+                    </a:lnR>
+                    <a:lnT w="12700" cap="flat" cmpd="sng" algn="ctr">
+                      <a:solidFill>
+                        <a:srgbClr val="000000"/>
+                      </a:solidFill>
+                      <a:prstDash val="solid"/>
+                      <a:round/>
+                      <a:headEnd type="none" w="med" len="med"/>
+                      <a:tailEnd type="none" w="med" len="med"/>
+                    </a:lnT>
+                    <a:lnB w="12700" cap="flat" cmpd="sng" algn="ctr">
+                      <a:solidFill>
+                        <a:srgbClr val="000000"/>
+                      </a:solidFill>
+                      <a:prstDash val="solid"/>
+                      <a:round/>
+                      <a:headEnd type="none" w="med" len="med"/>
+                      <a:tailEnd type="none" w="med" len="med"/>
+                    </a:lnB>
+                    <a:solidFill>
+                      <a:schemeClr val="bg1">
+                        <a:lumMod val="95000"/>
+                      </a:schemeClr>
+                    </a:solidFill>
+                  </a:tcPr>
+                </a:tc>
+                <a:tc>
+                  <a:txBody>
+                    <a:bodyPr/>
+                    <a:lstStyle/>
+                    <a:p>
+                      <a:pPr marL="0" marR="0" indent="0" algn="l" defTabSz="661568" rtl="0" eaLnBrk="1" fontAlgn="auto" latinLnBrk="1" hangingPunct="1">
+                        <a:lnSpc>
+                          <a:spcPct val="115000"/>
+                        </a:lnSpc>
+                        <a:spcBef>
+                          <a:spcPts val="300"/>
+                        </a:spcBef>
+                        <a:spcAft>
+                          <a:spcPts val="300"/>
+                        </a:spcAft>
+                        <a:buClrTx/>
+                        <a:buSzTx/>
+                        <a:buFontTx/>
+                        <a:buNone/>
+                        <a:tabLst/>
+                        <a:defRPr/>
+                      </a:pPr>
+                      <a:r>
+                        <a:rPr lang="en-US" altLang="ko-KR" sz="1000" b="0" dirty="0">
+                          <a:solidFill>
+                            <a:schemeClr val="tx1"/>
+                          </a:solidFill>
+                        </a:rPr>
+                        <a:t>SB-COMM-001</a:t>
+                      </a:r>
+                      <a:endParaRPr lang="ko-KR" altLang="ko-KR" sz="1000" b="0" kern="100" dirty="0">
+                        <a:effectLst/>
+                        <a:latin typeface="맑은 고딕" pitchFamily="50" charset="-127"/>
+                        <a:ea typeface="+mn-ea"/>
+                      </a:endParaRPr>
+                    </a:p>
+                  </a:txBody>
+                  <a:tcPr marL="36000" marR="36000" marT="36000" marB="36195" anchor="ctr">
+                    <a:lnL w="6350" cap="flat" cmpd="sng" algn="ctr">
+                      <a:solidFill>
+                        <a:schemeClr val="tx1"/>
+                      </a:solidFill>
+                      <a:prstDash val="solid"/>
+                      <a:round/>
+                      <a:headEnd type="none" w="med" len="med"/>
+                      <a:tailEnd type="none" w="med" len="med"/>
+                    </a:lnL>
+                    <a:lnR w="12700" cap="flat" cmpd="sng" algn="ctr">
+                      <a:solidFill>
+                        <a:srgbClr val="000000"/>
+                      </a:solidFill>
+                      <a:prstDash val="solid"/>
+                      <a:round/>
+                      <a:headEnd type="none" w="med" len="med"/>
+                      <a:tailEnd type="none" w="med" len="med"/>
+                    </a:lnR>
+                    <a:lnT w="12700" cap="flat" cmpd="sng" algn="ctr">
+                      <a:solidFill>
+                        <a:srgbClr val="000000"/>
+                      </a:solidFill>
+                      <a:prstDash val="solid"/>
+                      <a:round/>
+                      <a:headEnd type="none" w="med" len="med"/>
+                      <a:tailEnd type="none" w="med" len="med"/>
+                    </a:lnT>
+                    <a:lnB w="12700" cap="flat" cmpd="sng" algn="ctr">
+                      <a:solidFill>
+                        <a:srgbClr val="000000"/>
+                      </a:solidFill>
+                      <a:prstDash val="solid"/>
+                      <a:round/>
+                      <a:headEnd type="none" w="med" len="med"/>
+                      <a:tailEnd type="none" w="med" len="med"/>
+                    </a:lnB>
+                    <a:noFill/>
+                  </a:tcPr>
+                </a:tc>
+                <a:extLst>
+                  <a:ext uri="{0D108BD9-81ED-4DB2-BD59-A6C34878D82A}">
+                    <a16:rowId xmlns:a16="http://schemas.microsoft.com/office/drawing/2014/main" val="10000"/>
+                  </a:ext>
+                </a:extLst>
+              </a:tr>
+              <a:tr h="0">
+                <a:tc>
+                  <a:txBody>
+                    <a:bodyPr/>
+                    <a:lstStyle/>
+                    <a:p>
+                      <a:pPr algn="ctr">
+                        <a:lnSpc>
+                          <a:spcPct val="115000"/>
+                        </a:lnSpc>
+                        <a:spcBef>
+                          <a:spcPts val="300"/>
+                        </a:spcBef>
+                        <a:spcAft>
+                          <a:spcPts val="300"/>
+                        </a:spcAft>
+                      </a:pPr>
+                      <a:r>
+                        <a:rPr lang="ko-KR" altLang="en-US" sz="1000" b="0" kern="100">
+                          <a:effectLst/>
+                          <a:latin typeface="맑은 고딕" pitchFamily="50" charset="-127"/>
+                          <a:ea typeface="맑은 고딕" pitchFamily="50" charset="-127"/>
+                        </a:rPr>
+                        <a:t>메뉴명</a:t>
+                      </a:r>
+                      <a:endParaRPr lang="ko-KR" sz="1000" b="0" kern="100" dirty="0">
+                        <a:effectLst/>
+                        <a:latin typeface="맑은 고딕" pitchFamily="50" charset="-127"/>
+                        <a:ea typeface="맑은 고딕" pitchFamily="50" charset="-127"/>
+                      </a:endParaRPr>
+                    </a:p>
+                  </a:txBody>
+                  <a:tcPr marL="36000" marR="36000" marT="36000" marB="36195" anchor="ctr">
+                    <a:lnL w="12700" cap="flat" cmpd="sng" algn="ctr">
+                      <a:solidFill>
+                        <a:srgbClr val="000000"/>
+                      </a:solidFill>
+                      <a:prstDash val="solid"/>
+                      <a:round/>
+                      <a:headEnd type="none" w="med" len="med"/>
+                      <a:tailEnd type="none" w="med" len="med"/>
+                    </a:lnL>
+                    <a:lnR w="12700" cap="flat" cmpd="sng" algn="ctr">
+                      <a:solidFill>
+                        <a:srgbClr val="000000"/>
+                      </a:solidFill>
+                      <a:prstDash val="solid"/>
+                      <a:round/>
+                      <a:headEnd type="none" w="med" len="med"/>
+                      <a:tailEnd type="none" w="med" len="med"/>
+                    </a:lnR>
+                    <a:lnT w="12700" cap="flat" cmpd="sng" algn="ctr">
+                      <a:solidFill>
+                        <a:srgbClr val="000000"/>
+                      </a:solidFill>
+                      <a:prstDash val="solid"/>
+                      <a:round/>
+                      <a:headEnd type="none" w="med" len="med"/>
+                      <a:tailEnd type="none" w="med" len="med"/>
+                    </a:lnT>
+                    <a:lnB w="12700" cap="flat" cmpd="sng" algn="ctr">
+                      <a:solidFill>
+                        <a:srgbClr val="000000"/>
+                      </a:solidFill>
+                      <a:prstDash val="solid"/>
+                      <a:round/>
+                      <a:headEnd type="none" w="med" len="med"/>
+                      <a:tailEnd type="none" w="med" len="med"/>
+                    </a:lnB>
+                    <a:solidFill>
+                      <a:schemeClr val="bg1">
+                        <a:lumMod val="95000"/>
+                      </a:schemeClr>
+                    </a:solidFill>
+                  </a:tcPr>
+                </a:tc>
+                <a:tc>
+                  <a:txBody>
+                    <a:bodyPr/>
+                    <a:lstStyle/>
+                    <a:p>
+                      <a:pPr algn="l" fontAlgn="ctr"/>
+                      <a:r>
+                        <a:rPr lang="en-US" altLang="ko-KR" sz="1000" b="0" i="0" u="none" strike="noStrike" dirty="0">
+                          <a:solidFill>
+                            <a:srgbClr val="000000"/>
+                          </a:solidFill>
+                          <a:effectLst/>
+                          <a:latin typeface="맑은 고딕" pitchFamily="50" charset="-127"/>
+                          <a:ea typeface="+mn-ea"/>
+                        </a:rPr>
+                        <a:t>GNB</a:t>
+                      </a:r>
+                      <a:endParaRPr lang="ko-KR" altLang="en-US" sz="1000" b="0" i="0" u="none" strike="noStrike" dirty="0">
+                        <a:solidFill>
+                          <a:srgbClr val="000000"/>
+                        </a:solidFill>
+                        <a:effectLst/>
+                        <a:latin typeface="맑은 고딕" pitchFamily="50" charset="-127"/>
+                        <a:ea typeface="+mn-ea"/>
+                      </a:endParaRPr>
+                    </a:p>
+                  </a:txBody>
+                  <a:tcPr marL="36000" marR="36000" marT="36000" marB="36195" anchor="ctr">
+                    <a:lnL w="12700" cap="flat" cmpd="sng" algn="ctr">
+                      <a:solidFill>
+                        <a:srgbClr val="000000"/>
+                      </a:solidFill>
+                      <a:prstDash val="solid"/>
+                      <a:round/>
+                      <a:headEnd type="none" w="med" len="med"/>
+                      <a:tailEnd type="none" w="med" len="med"/>
+                    </a:lnL>
+                    <a:lnR w="12700" cap="flat" cmpd="sng" algn="ctr">
+                      <a:solidFill>
+                        <a:srgbClr val="000000"/>
+                      </a:solidFill>
+                      <a:prstDash val="solid"/>
+                      <a:round/>
+                      <a:headEnd type="none" w="med" len="med"/>
+                      <a:tailEnd type="none" w="med" len="med"/>
+                    </a:lnR>
+                    <a:lnT w="12700" cap="flat" cmpd="sng" algn="ctr">
+                      <a:solidFill>
+                        <a:srgbClr val="000000"/>
+                      </a:solidFill>
+                      <a:prstDash val="solid"/>
+                      <a:round/>
+                      <a:headEnd type="none" w="med" len="med"/>
+                      <a:tailEnd type="none" w="med" len="med"/>
+                    </a:lnT>
+                    <a:lnB w="12700" cap="flat" cmpd="sng" algn="ctr">
+                      <a:solidFill>
+                        <a:srgbClr val="000000"/>
+                      </a:solidFill>
+                      <a:prstDash val="solid"/>
+                      <a:round/>
+                      <a:headEnd type="none" w="med" len="med"/>
+                      <a:tailEnd type="none" w="med" len="med"/>
+                    </a:lnB>
+                    <a:noFill/>
+                  </a:tcPr>
+                </a:tc>
+                <a:tc>
+                  <a:txBody>
+                    <a:bodyPr/>
+                    <a:lstStyle/>
+                    <a:p>
+                      <a:pPr algn="ctr">
+                        <a:lnSpc>
+                          <a:spcPct val="115000"/>
+                        </a:lnSpc>
+                        <a:spcBef>
+                          <a:spcPts val="300"/>
+                        </a:spcBef>
+                        <a:spcAft>
+                          <a:spcPts val="300"/>
+                        </a:spcAft>
+                      </a:pPr>
+                      <a:r>
+                        <a:rPr lang="ko-KR" altLang="en-US" sz="1000" b="0" kern="100">
+                          <a:effectLst/>
+                          <a:latin typeface="맑은 고딕" pitchFamily="50" charset="-127"/>
+                          <a:ea typeface="맑은 고딕" pitchFamily="50" charset="-127"/>
+                        </a:rPr>
+                        <a:t>디렉토리</a:t>
+                      </a:r>
+                      <a:endParaRPr lang="ko-KR" sz="1000" b="0" kern="100" dirty="0">
+                        <a:effectLst/>
+                        <a:latin typeface="맑은 고딕" pitchFamily="50" charset="-127"/>
+                        <a:ea typeface="맑은 고딕" pitchFamily="50" charset="-127"/>
+                      </a:endParaRPr>
+                    </a:p>
+                  </a:txBody>
+                  <a:tcPr marL="36000" marR="36000" marT="36000" marB="36195" anchor="ctr">
+                    <a:lnL w="12700" cap="flat" cmpd="sng" algn="ctr">
+                      <a:solidFill>
+                        <a:srgbClr val="000000"/>
+                      </a:solidFill>
+                      <a:prstDash val="solid"/>
+                      <a:round/>
+                      <a:headEnd type="none" w="med" len="med"/>
+                      <a:tailEnd type="none" w="med" len="med"/>
+                    </a:lnL>
+                    <a:lnR w="6350" cap="flat" cmpd="sng" algn="ctr">
+                      <a:solidFill>
+                        <a:schemeClr val="tx1"/>
+                      </a:solidFill>
+                      <a:prstDash val="solid"/>
+                      <a:round/>
+                      <a:headEnd type="none" w="med" len="med"/>
+                      <a:tailEnd type="none" w="med" len="med"/>
+                    </a:lnR>
+                    <a:lnT w="12700" cap="flat" cmpd="sng" algn="ctr">
+                      <a:solidFill>
+                        <a:srgbClr val="000000"/>
+                      </a:solidFill>
+                      <a:prstDash val="solid"/>
+                      <a:round/>
+                      <a:headEnd type="none" w="med" len="med"/>
+                      <a:tailEnd type="none" w="med" len="med"/>
+                    </a:lnT>
+                    <a:lnB w="12700" cap="flat" cmpd="sng" algn="ctr">
+                      <a:solidFill>
+                        <a:srgbClr val="000000"/>
+                      </a:solidFill>
+                      <a:prstDash val="solid"/>
+                      <a:round/>
+                      <a:headEnd type="none" w="med" len="med"/>
+                      <a:tailEnd type="none" w="med" len="med"/>
+                    </a:lnB>
+                    <a:solidFill>
+                      <a:schemeClr val="bg1">
+                        <a:lumMod val="95000"/>
+                      </a:schemeClr>
+                    </a:solidFill>
+                  </a:tcPr>
+                </a:tc>
+                <a:tc>
+                  <a:txBody>
+                    <a:bodyPr/>
+                    <a:lstStyle/>
+                    <a:p>
+                      <a:pPr algn="l">
+                        <a:lnSpc>
+                          <a:spcPct val="115000"/>
+                        </a:lnSpc>
+                        <a:spcBef>
+                          <a:spcPts val="300"/>
+                        </a:spcBef>
+                        <a:spcAft>
+                          <a:spcPts val="300"/>
+                        </a:spcAft>
+                      </a:pPr>
+                      <a:r>
+                        <a:rPr lang="en-US" altLang="ko-KR" sz="900" b="0" kern="100" dirty="0" err="1">
+                          <a:effectLst/>
+                          <a:latin typeface="맑은 고딕" pitchFamily="50" charset="-127"/>
+                          <a:ea typeface="맑은 고딕" pitchFamily="50" charset="-127"/>
+                        </a:rPr>
+                        <a:t>src</a:t>
+                      </a:r>
+                      <a:r>
+                        <a:rPr lang="en-US" altLang="ko-KR" sz="900" b="0" kern="100" dirty="0">
+                          <a:effectLst/>
+                          <a:latin typeface="맑은 고딕" pitchFamily="50" charset="-127"/>
+                          <a:ea typeface="맑은 고딕" pitchFamily="50" charset="-127"/>
+                        </a:rPr>
+                        <a:t>/main/</a:t>
+                      </a:r>
+                      <a:r>
+                        <a:rPr lang="en-US" altLang="ko-KR" sz="900" b="0" kern="100" dirty="0" err="1">
+                          <a:effectLst/>
+                          <a:latin typeface="맑은 고딕" pitchFamily="50" charset="-127"/>
+                          <a:ea typeface="맑은 고딕" pitchFamily="50" charset="-127"/>
+                        </a:rPr>
+                        <a:t>webapp</a:t>
+                      </a:r>
+                      <a:r>
+                        <a:rPr lang="en-US" altLang="ko-KR" sz="900" b="0" kern="100" dirty="0">
+                          <a:effectLst/>
+                          <a:latin typeface="맑은 고딕" pitchFamily="50" charset="-127"/>
+                          <a:ea typeface="맑은 고딕" pitchFamily="50" charset="-127"/>
+                        </a:rPr>
+                        <a:t>/WEB-INF/views</a:t>
+                      </a:r>
+                      <a:endParaRPr lang="ko-KR" sz="900" b="0" kern="100" dirty="0">
+                        <a:effectLst/>
+                        <a:latin typeface="맑은 고딕" pitchFamily="50" charset="-127"/>
+                        <a:ea typeface="맑은 고딕" pitchFamily="50" charset="-127"/>
+                      </a:endParaRPr>
+                    </a:p>
+                  </a:txBody>
+                  <a:tcPr marL="36000" marR="36000" marT="36000" marB="36195" anchor="ctr">
+                    <a:lnL w="6350" cap="flat" cmpd="sng" algn="ctr">
+                      <a:solidFill>
+                        <a:schemeClr val="tx1"/>
+                      </a:solidFill>
+                      <a:prstDash val="solid"/>
+                      <a:round/>
+                      <a:headEnd type="none" w="med" len="med"/>
+                      <a:tailEnd type="none" w="med" len="med"/>
+                    </a:lnL>
+                    <a:lnR w="12700" cap="flat" cmpd="sng" algn="ctr">
+                      <a:solidFill>
+                        <a:srgbClr val="000000"/>
+                      </a:solidFill>
+                      <a:prstDash val="solid"/>
+                      <a:round/>
+                      <a:headEnd type="none" w="med" len="med"/>
+                      <a:tailEnd type="none" w="med" len="med"/>
+                    </a:lnR>
+                    <a:lnT w="12700" cap="flat" cmpd="sng" algn="ctr">
+                      <a:solidFill>
+                        <a:srgbClr val="000000"/>
+                      </a:solidFill>
+                      <a:prstDash val="solid"/>
+                      <a:round/>
+                      <a:headEnd type="none" w="med" len="med"/>
+                      <a:tailEnd type="none" w="med" len="med"/>
+                    </a:lnT>
+                    <a:lnB w="12700" cap="flat" cmpd="sng" algn="ctr">
+                      <a:solidFill>
+                        <a:srgbClr val="000000"/>
+                      </a:solidFill>
+                      <a:prstDash val="solid"/>
+                      <a:round/>
+                      <a:headEnd type="none" w="med" len="med"/>
+                      <a:tailEnd type="none" w="med" len="med"/>
+                    </a:lnB>
+                    <a:noFill/>
+                  </a:tcPr>
+                </a:tc>
+                <a:extLst>
+                  <a:ext uri="{0D108BD9-81ED-4DB2-BD59-A6C34878D82A}">
+                    <a16:rowId xmlns:a16="http://schemas.microsoft.com/office/drawing/2014/main" val="10001"/>
+                  </a:ext>
+                </a:extLst>
+              </a:tr>
+              <a:tr h="139195">
+                <a:tc>
+                  <a:txBody>
+                    <a:bodyPr/>
+                    <a:lstStyle/>
+                    <a:p>
+                      <a:pPr algn="ctr">
+                        <a:lnSpc>
+                          <a:spcPts val="1200"/>
+                        </a:lnSpc>
+                        <a:spcAft>
+                          <a:spcPts val="0"/>
+                        </a:spcAft>
+                      </a:pPr>
+                      <a:r>
+                        <a:rPr lang="en-US" sz="1000" b="0" kern="100" dirty="0">
+                          <a:effectLst/>
+                          <a:latin typeface="맑은 고딕" pitchFamily="50" charset="-127"/>
+                          <a:ea typeface="맑은 고딕" pitchFamily="50" charset="-127"/>
+                          <a:cs typeface="Arial"/>
+                        </a:rPr>
+                        <a:t> </a:t>
+                      </a:r>
+                      <a:r>
+                        <a:rPr lang="ko-KR" altLang="en-US" sz="1000" b="0" kern="100" dirty="0" err="1">
+                          <a:effectLst/>
+                          <a:latin typeface="맑은 고딕" pitchFamily="50" charset="-127"/>
+                          <a:ea typeface="맑은 고딕" pitchFamily="50" charset="-127"/>
+                          <a:cs typeface="Arial"/>
+                        </a:rPr>
+                        <a:t>화면설명</a:t>
+                      </a:r>
+                      <a:endParaRPr lang="ko-KR" sz="1000" b="0" kern="100" dirty="0">
+                        <a:effectLst/>
+                        <a:latin typeface="맑은 고딕" pitchFamily="50" charset="-127"/>
+                        <a:ea typeface="맑은 고딕" pitchFamily="50" charset="-127"/>
+                      </a:endParaRPr>
+                    </a:p>
+                  </a:txBody>
+                  <a:tcPr marL="36000" marR="36000" marT="36000" marB="36195" anchor="ctr">
+                    <a:lnL w="12700" cap="flat" cmpd="sng" algn="ctr">
+                      <a:solidFill>
+                        <a:srgbClr val="000000"/>
+                      </a:solidFill>
+                      <a:prstDash val="solid"/>
+                      <a:round/>
+                      <a:headEnd type="none" w="med" len="med"/>
+                      <a:tailEnd type="none" w="med" len="med"/>
+                    </a:lnL>
+                    <a:lnR w="12700" cap="flat" cmpd="sng" algn="ctr">
+                      <a:solidFill>
+                        <a:srgbClr val="000000"/>
+                      </a:solidFill>
+                      <a:prstDash val="solid"/>
+                      <a:round/>
+                      <a:headEnd type="none" w="med" len="med"/>
+                      <a:tailEnd type="none" w="med" len="med"/>
+                    </a:lnR>
+                    <a:lnT w="12700" cap="flat" cmpd="sng" algn="ctr">
+                      <a:solidFill>
+                        <a:srgbClr val="000000"/>
+                      </a:solidFill>
+                      <a:prstDash val="solid"/>
+                      <a:round/>
+                      <a:headEnd type="none" w="med" len="med"/>
+                      <a:tailEnd type="none" w="med" len="med"/>
+                    </a:lnT>
+                    <a:lnB w="12700" cap="flat" cmpd="sng" algn="ctr">
+                      <a:solidFill>
+                        <a:srgbClr val="000000"/>
+                      </a:solidFill>
+                      <a:prstDash val="solid"/>
+                      <a:round/>
+                      <a:headEnd type="none" w="med" len="med"/>
+                      <a:tailEnd type="none" w="med" len="med"/>
+                    </a:lnB>
+                    <a:solidFill>
+                      <a:schemeClr val="bg1">
+                        <a:lumMod val="95000"/>
+                      </a:schemeClr>
+                    </a:solidFill>
+                  </a:tcPr>
+                </a:tc>
+                <a:tc>
+                  <a:txBody>
+                    <a:bodyPr/>
+                    <a:lstStyle/>
+                    <a:p>
+                      <a:pPr algn="l">
+                        <a:lnSpc>
+                          <a:spcPts val="1200"/>
+                        </a:lnSpc>
+                        <a:spcAft>
+                          <a:spcPts val="0"/>
+                        </a:spcAft>
+                      </a:pPr>
+                      <a:r>
+                        <a:rPr lang="en-US" altLang="ko-KR" sz="1000" b="0" kern="100" dirty="0">
+                          <a:effectLst/>
+                          <a:latin typeface="맑은 고딕" pitchFamily="50" charset="-127"/>
+                          <a:ea typeface="맑은 고딕" pitchFamily="50" charset="-127"/>
+                        </a:rPr>
+                        <a:t>Global Navigation Bar</a:t>
+                      </a:r>
+                      <a:endParaRPr lang="ko-KR" altLang="ko-KR" sz="1000" b="0" kern="100" dirty="0">
+                        <a:effectLst/>
+                        <a:latin typeface="맑은 고딕" pitchFamily="50" charset="-127"/>
+                        <a:ea typeface="맑은 고딕" pitchFamily="50" charset="-127"/>
+                      </a:endParaRPr>
+                    </a:p>
+                  </a:txBody>
+                  <a:tcPr marL="36000" marR="36000" marT="36000" marB="36195" anchor="ctr">
+                    <a:lnL w="12700" cap="flat" cmpd="sng" algn="ctr">
+                      <a:solidFill>
+                        <a:srgbClr val="000000"/>
+                      </a:solidFill>
+                      <a:prstDash val="solid"/>
+                      <a:round/>
+                      <a:headEnd type="none" w="med" len="med"/>
+                      <a:tailEnd type="none" w="med" len="med"/>
+                    </a:lnL>
+                    <a:lnR w="12700" cap="flat" cmpd="sng" algn="ctr">
+                      <a:solidFill>
+                        <a:srgbClr val="000000"/>
+                      </a:solidFill>
+                      <a:prstDash val="solid"/>
+                      <a:round/>
+                      <a:headEnd type="none" w="med" len="med"/>
+                      <a:tailEnd type="none" w="med" len="med"/>
+                    </a:lnR>
+                    <a:lnT w="12700" cap="flat" cmpd="sng" algn="ctr">
+                      <a:solidFill>
+                        <a:srgbClr val="000000"/>
+                      </a:solidFill>
+                      <a:prstDash val="solid"/>
+                      <a:round/>
+                      <a:headEnd type="none" w="med" len="med"/>
+                      <a:tailEnd type="none" w="med" len="med"/>
+                    </a:lnT>
+                    <a:lnB w="12700" cap="flat" cmpd="sng" algn="ctr">
+                      <a:solidFill>
+                        <a:srgbClr val="000000"/>
+                      </a:solidFill>
+                      <a:prstDash val="solid"/>
+                      <a:round/>
+                      <a:headEnd type="none" w="med" len="med"/>
+                      <a:tailEnd type="none" w="med" len="med"/>
+                    </a:lnB>
+                  </a:tcPr>
+                </a:tc>
+                <a:tc>
+                  <a:txBody>
+                    <a:bodyPr/>
+                    <a:lstStyle/>
+                    <a:p>
+                      <a:pPr algn="ctr">
+                        <a:lnSpc>
+                          <a:spcPct val="115000"/>
+                        </a:lnSpc>
+                        <a:spcBef>
+                          <a:spcPts val="300"/>
+                        </a:spcBef>
+                        <a:spcAft>
+                          <a:spcPts val="300"/>
+                        </a:spcAft>
+                      </a:pPr>
+                      <a:r>
+                        <a:rPr lang="ko-KR" altLang="en-US" sz="1000" b="0" kern="100" dirty="0" err="1">
+                          <a:effectLst/>
+                          <a:latin typeface="맑은 고딕" pitchFamily="50" charset="-127"/>
+                          <a:ea typeface="맑은 고딕" pitchFamily="50" charset="-127"/>
+                        </a:rPr>
+                        <a:t>액터</a:t>
+                      </a:r>
+                      <a:endParaRPr lang="ko-KR" sz="1000" b="0" kern="100" dirty="0">
+                        <a:effectLst/>
+                        <a:latin typeface="맑은 고딕" pitchFamily="50" charset="-127"/>
+                        <a:ea typeface="맑은 고딕" pitchFamily="50" charset="-127"/>
+                      </a:endParaRPr>
+                    </a:p>
+                  </a:txBody>
+                  <a:tcPr marL="36000" marR="36000" marT="36000" marB="36195" anchor="ctr">
+                    <a:lnL w="12700" cap="flat" cmpd="sng" algn="ctr">
+                      <a:solidFill>
+                        <a:srgbClr val="000000"/>
+                      </a:solidFill>
+                      <a:prstDash val="solid"/>
+                      <a:round/>
+                      <a:headEnd type="none" w="med" len="med"/>
+                      <a:tailEnd type="none" w="med" len="med"/>
+                    </a:lnL>
+                    <a:lnR w="12700" cap="flat" cmpd="sng" algn="ctr">
+                      <a:solidFill>
+                        <a:srgbClr val="000000"/>
+                      </a:solidFill>
+                      <a:prstDash val="solid"/>
+                      <a:round/>
+                      <a:headEnd type="none" w="med" len="med"/>
+                      <a:tailEnd type="none" w="med" len="med"/>
+                    </a:lnR>
+                    <a:lnT w="12700" cap="flat" cmpd="sng" algn="ctr">
+                      <a:solidFill>
+                        <a:srgbClr val="000000"/>
+                      </a:solidFill>
+                      <a:prstDash val="solid"/>
+                      <a:round/>
+                      <a:headEnd type="none" w="med" len="med"/>
+                      <a:tailEnd type="none" w="med" len="med"/>
+                    </a:lnT>
+                    <a:lnB w="12700" cap="flat" cmpd="sng" algn="ctr">
+                      <a:solidFill>
+                        <a:srgbClr val="000000"/>
+                      </a:solidFill>
+                      <a:prstDash val="solid"/>
+                      <a:round/>
+                      <a:headEnd type="none" w="med" len="med"/>
+                      <a:tailEnd type="none" w="med" len="med"/>
+                    </a:lnB>
+                    <a:solidFill>
+                      <a:schemeClr val="bg1">
+                        <a:lumMod val="95000"/>
+                      </a:schemeClr>
+                    </a:solidFill>
+                  </a:tcPr>
+                </a:tc>
+                <a:tc>
+                  <a:txBody>
+                    <a:bodyPr/>
+                    <a:lstStyle/>
+                    <a:p>
+                      <a:pPr algn="l">
+                        <a:lnSpc>
+                          <a:spcPct val="115000"/>
+                        </a:lnSpc>
+                        <a:spcBef>
+                          <a:spcPts val="300"/>
+                        </a:spcBef>
+                        <a:spcAft>
+                          <a:spcPts val="300"/>
+                        </a:spcAft>
+                      </a:pPr>
+                      <a:r>
+                        <a:rPr lang="ko-KR" altLang="en-US" sz="900" b="0" kern="100" dirty="0">
+                          <a:effectLst/>
+                          <a:latin typeface="맑은 고딕" pitchFamily="50" charset="-127"/>
+                          <a:ea typeface="맑은 고딕" pitchFamily="50" charset="-127"/>
+                        </a:rPr>
+                        <a:t>모든 사용자</a:t>
+                      </a:r>
+                      <a:endParaRPr lang="ko-KR" sz="900" b="0" kern="100" dirty="0">
+                        <a:effectLst/>
+                        <a:latin typeface="맑은 고딕" pitchFamily="50" charset="-127"/>
+                        <a:ea typeface="맑은 고딕" pitchFamily="50" charset="-127"/>
+                      </a:endParaRPr>
+                    </a:p>
+                  </a:txBody>
+                  <a:tcPr marL="36000" marR="36000" marT="36000" marB="36195" anchor="ctr">
+                    <a:lnL w="12700" cap="flat" cmpd="sng" algn="ctr">
+                      <a:solidFill>
+                        <a:srgbClr val="000000"/>
+                      </a:solidFill>
+                      <a:prstDash val="solid"/>
+                      <a:round/>
+                      <a:headEnd type="none" w="med" len="med"/>
+                      <a:tailEnd type="none" w="med" len="med"/>
+                    </a:lnL>
+                    <a:lnR w="6350" cap="flat" cmpd="sng" algn="ctr">
+                      <a:solidFill>
+                        <a:schemeClr val="tx1"/>
+                      </a:solidFill>
+                      <a:prstDash val="solid"/>
+                      <a:round/>
+                      <a:headEnd type="none" w="med" len="med"/>
+                      <a:tailEnd type="none" w="med" len="med"/>
+                    </a:lnR>
+                    <a:lnT w="12700" cap="flat" cmpd="sng" algn="ctr">
+                      <a:solidFill>
+                        <a:srgbClr val="000000"/>
+                      </a:solidFill>
+                      <a:prstDash val="solid"/>
+                      <a:round/>
+                      <a:headEnd type="none" w="med" len="med"/>
+                      <a:tailEnd type="none" w="med" len="med"/>
+                    </a:lnT>
+                    <a:lnB w="12700" cap="flat" cmpd="sng" algn="ctr">
+                      <a:solidFill>
+                        <a:srgbClr val="000000"/>
+                      </a:solidFill>
+                      <a:prstDash val="solid"/>
+                      <a:round/>
+                      <a:headEnd type="none" w="med" len="med"/>
+                      <a:tailEnd type="none" w="med" len="med"/>
+                    </a:lnB>
+                  </a:tcPr>
+                </a:tc>
+                <a:extLst>
+                  <a:ext uri="{0D108BD9-81ED-4DB2-BD59-A6C34878D82A}">
+                    <a16:rowId xmlns:a16="http://schemas.microsoft.com/office/drawing/2014/main" val="10002"/>
+                  </a:ext>
+                </a:extLst>
+              </a:tr>
+            </a:tbl>
+          </a:graphicData>
+        </a:graphic>
+      </p:graphicFrame>
+      <p:graphicFrame>
+        <p:nvGraphicFramePr>
+          <p:cNvPr id="28" name="표 27">
+            <a:extLst>
+              <a:ext uri="{FF2B5EF4-FFF2-40B4-BE49-F238E27FC236}">
+                <a16:creationId xmlns:a16="http://schemas.microsoft.com/office/drawing/2014/main" id="{9E83B13C-465F-4C1B-8927-387A13D1D00C}"/>
+              </a:ext>
+            </a:extLst>
+          </p:cNvPr>
+          <p:cNvGraphicFramePr>
+            <a:graphicFrameLocks noGrp="1"/>
+          </p:cNvGraphicFramePr>
+          <p:nvPr/>
+        </p:nvGraphicFramePr>
+        <p:xfrm>
+          <a:off x="7264715" y="1241391"/>
+          <a:ext cx="2476285" cy="5218245"/>
+        </p:xfrm>
+        <a:graphic>
+          <a:graphicData uri="http://schemas.openxmlformats.org/drawingml/2006/table">
+            <a:tbl>
+              <a:tblPr firstRow="1" firstCol="1" bandRow="1"/>
+              <a:tblGrid>
+                <a:gridCol w="2476285">
+                  <a:extLst>
+                    <a:ext uri="{9D8B030D-6E8A-4147-A177-3AD203B41FA5}">
+                      <a16:colId xmlns:a16="http://schemas.microsoft.com/office/drawing/2014/main" val="20000"/>
+                    </a:ext>
+                  </a:extLst>
+                </a:gridCol>
+              </a:tblGrid>
+              <a:tr h="239293">
+                <a:tc>
+                  <a:txBody>
+                    <a:bodyPr/>
+                    <a:lstStyle/>
+                    <a:p>
+                      <a:pPr algn="ctr">
+                        <a:lnSpc>
+                          <a:spcPct val="100000"/>
+                        </a:lnSpc>
+                        <a:spcBef>
+                          <a:spcPts val="300"/>
+                        </a:spcBef>
+                        <a:spcAft>
+                          <a:spcPts val="300"/>
+                        </a:spcAft>
+                      </a:pPr>
+                      <a:r>
+                        <a:rPr lang="ko-KR" altLang="en-US" sz="900" b="1" kern="100" dirty="0">
+                          <a:effectLst/>
+                          <a:latin typeface="맑은 고딕" pitchFamily="50" charset="-127"/>
+                          <a:ea typeface="맑은 고딕" pitchFamily="50" charset="-127"/>
+                        </a:rPr>
+                        <a:t>화면설명</a:t>
+                      </a:r>
+                      <a:endParaRPr lang="en-US" altLang="ko-KR" sz="900" b="1" kern="100" dirty="0">
+                        <a:effectLst/>
+                        <a:latin typeface="맑은 고딕" pitchFamily="50" charset="-127"/>
+                        <a:ea typeface="맑은 고딕" pitchFamily="50" charset="-127"/>
+                      </a:endParaRPr>
+                    </a:p>
+                  </a:txBody>
+                  <a:tcPr marL="66203" marR="66203" marT="66677" marB="33634" anchor="ctr">
+                    <a:lnL w="12700" cap="flat" cmpd="sng" algn="ctr">
+                      <a:solidFill>
+                        <a:schemeClr val="tx1">
+                          <a:lumMod val="50000"/>
+                          <a:lumOff val="50000"/>
+                        </a:schemeClr>
+                      </a:solidFill>
+                      <a:prstDash val="solid"/>
+                      <a:round/>
+                      <a:headEnd type="none" w="med" len="med"/>
+                      <a:tailEnd type="none" w="med" len="med"/>
+                    </a:lnL>
+                    <a:lnR w="12700" cap="flat" cmpd="sng" algn="ctr">
+                      <a:solidFill>
+                        <a:schemeClr val="tx1">
+                          <a:lumMod val="50000"/>
+                          <a:lumOff val="50000"/>
+                        </a:schemeClr>
+                      </a:solidFill>
+                      <a:prstDash val="solid"/>
+                      <a:round/>
+                      <a:headEnd type="none" w="med" len="med"/>
+                      <a:tailEnd type="none" w="med" len="med"/>
+                    </a:lnR>
+                    <a:lnT w="12700" cap="flat" cmpd="sng" algn="ctr">
+                      <a:solidFill>
+                        <a:schemeClr val="tx1">
+                          <a:lumMod val="50000"/>
+                          <a:lumOff val="50000"/>
+                        </a:schemeClr>
+                      </a:solidFill>
+                      <a:prstDash val="solid"/>
+                      <a:round/>
+                      <a:headEnd type="none" w="med" len="med"/>
+                      <a:tailEnd type="none" w="med" len="med"/>
+                    </a:lnT>
+                    <a:lnB w="12700" cap="flat" cmpd="sng" algn="ctr">
+                      <a:solidFill>
+                        <a:schemeClr val="tx1">
+                          <a:lumMod val="50000"/>
+                          <a:lumOff val="50000"/>
+                        </a:schemeClr>
+                      </a:solidFill>
+                      <a:prstDash val="solid"/>
+                      <a:round/>
+                      <a:headEnd type="none" w="med" len="med"/>
+                      <a:tailEnd type="none" w="med" len="med"/>
+                    </a:lnB>
+                    <a:solidFill>
+                      <a:schemeClr val="bg1">
+                        <a:lumMod val="95000"/>
+                      </a:schemeClr>
+                    </a:solidFill>
+                  </a:tcPr>
+                </a:tc>
+                <a:extLst>
+                  <a:ext uri="{0D108BD9-81ED-4DB2-BD59-A6C34878D82A}">
+                    <a16:rowId xmlns:a16="http://schemas.microsoft.com/office/drawing/2014/main" val="10000"/>
+                  </a:ext>
+                </a:extLst>
+              </a:tr>
+              <a:tr h="290050">
+                <a:tc>
+                  <a:txBody>
+                    <a:bodyPr/>
+                    <a:lstStyle/>
+                    <a:p>
+                      <a:pPr marL="171450" indent="-171450" algn="l">
+                        <a:lnSpc>
+                          <a:spcPct val="100000"/>
+                        </a:lnSpc>
+                        <a:spcBef>
+                          <a:spcPts val="300"/>
+                        </a:spcBef>
+                        <a:spcAft>
+                          <a:spcPts val="300"/>
+                        </a:spcAft>
+                        <a:buFont typeface="Arial" pitchFamily="34" charset="0"/>
+                        <a:buChar char="•"/>
+                      </a:pPr>
+                      <a:r>
+                        <a:rPr lang="en-US" altLang="ko-KR" sz="900" b="0" kern="100" dirty="0">
+                          <a:effectLst/>
+                          <a:latin typeface="맑은 고딕" pitchFamily="50" charset="-127"/>
+                          <a:ea typeface="맑은 고딕" pitchFamily="50" charset="-127"/>
+                        </a:rPr>
+                        <a:t>Global Navigation Bar</a:t>
+                      </a:r>
+                    </a:p>
+                  </a:txBody>
+                  <a:tcPr marL="66203" marR="66203" marT="66677" marB="33634" anchor="ctr">
+                    <a:lnL w="12700" cap="flat" cmpd="sng" algn="ctr">
+                      <a:solidFill>
+                        <a:schemeClr val="tx1">
+                          <a:lumMod val="50000"/>
+                          <a:lumOff val="50000"/>
+                        </a:schemeClr>
+                      </a:solidFill>
+                      <a:prstDash val="solid"/>
+                      <a:round/>
+                      <a:headEnd type="none" w="med" len="med"/>
+                      <a:tailEnd type="none" w="med" len="med"/>
+                    </a:lnL>
+                    <a:lnR w="12700" cap="flat" cmpd="sng" algn="ctr">
+                      <a:solidFill>
+                        <a:schemeClr val="tx1">
+                          <a:lumMod val="50000"/>
+                          <a:lumOff val="50000"/>
+                        </a:schemeClr>
+                      </a:solidFill>
+                      <a:prstDash val="solid"/>
+                      <a:round/>
+                      <a:headEnd type="none" w="med" len="med"/>
+                      <a:tailEnd type="none" w="med" len="med"/>
+                    </a:lnR>
+                    <a:lnT w="12700" cap="flat" cmpd="sng" algn="ctr">
+                      <a:solidFill>
+                        <a:schemeClr val="tx1">
+                          <a:lumMod val="50000"/>
+                          <a:lumOff val="50000"/>
+                        </a:schemeClr>
+                      </a:solidFill>
+                      <a:prstDash val="solid"/>
+                      <a:round/>
+                      <a:headEnd type="none" w="med" len="med"/>
+                      <a:tailEnd type="none" w="med" len="med"/>
+                    </a:lnT>
+                    <a:lnB w="12700" cap="flat" cmpd="sng" algn="ctr">
+                      <a:solidFill>
+                        <a:schemeClr val="tx1">
+                          <a:lumMod val="50000"/>
+                          <a:lumOff val="50000"/>
+                        </a:schemeClr>
+                      </a:solidFill>
+                      <a:prstDash val="solid"/>
+                      <a:round/>
+                      <a:headEnd type="none" w="med" len="med"/>
+                      <a:tailEnd type="none" w="med" len="med"/>
+                    </a:lnB>
+                    <a:noFill/>
+                  </a:tcPr>
+                </a:tc>
+                <a:extLst>
+                  <a:ext uri="{0D108BD9-81ED-4DB2-BD59-A6C34878D82A}">
+                    <a16:rowId xmlns:a16="http://schemas.microsoft.com/office/drawing/2014/main" val="10001"/>
+                  </a:ext>
+                </a:extLst>
+              </a:tr>
+              <a:tr h="239293">
+                <a:tc>
+                  <a:txBody>
+                    <a:bodyPr/>
+                    <a:lstStyle/>
+                    <a:p>
+                      <a:pPr algn="ctr">
+                        <a:lnSpc>
+                          <a:spcPct val="100000"/>
+                        </a:lnSpc>
+                        <a:spcBef>
+                          <a:spcPts val="300"/>
+                        </a:spcBef>
+                        <a:spcAft>
+                          <a:spcPts val="300"/>
+                        </a:spcAft>
+                      </a:pPr>
+                      <a:r>
+                        <a:rPr lang="ko-KR" altLang="en-US" sz="900" b="1" kern="100" dirty="0">
+                          <a:effectLst/>
+                          <a:latin typeface="맑은 고딕" pitchFamily="50" charset="-127"/>
+                          <a:ea typeface="맑은 고딕" pitchFamily="50" charset="-127"/>
+                        </a:rPr>
+                        <a:t>기능요건</a:t>
+                      </a:r>
+                      <a:endParaRPr lang="en-US" altLang="ko-KR" sz="900" b="1" kern="100" dirty="0">
+                        <a:effectLst/>
+                        <a:latin typeface="맑은 고딕" pitchFamily="50" charset="-127"/>
+                        <a:ea typeface="맑은 고딕" pitchFamily="50" charset="-127"/>
+                      </a:endParaRPr>
+                    </a:p>
+                  </a:txBody>
+                  <a:tcPr marL="66203" marR="66203" marT="66677" marB="33634" anchor="ctr">
+                    <a:lnL w="12700" cap="flat" cmpd="sng" algn="ctr">
+                      <a:solidFill>
+                        <a:schemeClr val="tx1">
+                          <a:lumMod val="50000"/>
+                          <a:lumOff val="50000"/>
+                        </a:schemeClr>
+                      </a:solidFill>
+                      <a:prstDash val="solid"/>
+                      <a:round/>
+                      <a:headEnd type="none" w="med" len="med"/>
+                      <a:tailEnd type="none" w="med" len="med"/>
+                    </a:lnL>
+                    <a:lnR w="12700" cap="flat" cmpd="sng" algn="ctr">
+                      <a:solidFill>
+                        <a:schemeClr val="tx1">
+                          <a:lumMod val="50000"/>
+                          <a:lumOff val="50000"/>
+                        </a:schemeClr>
+                      </a:solidFill>
+                      <a:prstDash val="solid"/>
+                      <a:round/>
+                      <a:headEnd type="none" w="med" len="med"/>
+                      <a:tailEnd type="none" w="med" len="med"/>
+                    </a:lnR>
+                    <a:lnT w="12700" cap="flat" cmpd="sng" algn="ctr">
+                      <a:solidFill>
+                        <a:schemeClr val="tx1">
+                          <a:lumMod val="50000"/>
+                          <a:lumOff val="50000"/>
+                        </a:schemeClr>
+                      </a:solidFill>
+                      <a:prstDash val="solid"/>
+                      <a:round/>
+                      <a:headEnd type="none" w="med" len="med"/>
+                      <a:tailEnd type="none" w="med" len="med"/>
+                    </a:lnT>
+                    <a:lnB w="12700" cap="flat" cmpd="sng" algn="ctr">
+                      <a:solidFill>
+                        <a:schemeClr val="tx1">
+                          <a:lumMod val="50000"/>
+                          <a:lumOff val="50000"/>
+                        </a:schemeClr>
+                      </a:solidFill>
+                      <a:prstDash val="solid"/>
+                      <a:round/>
+                      <a:headEnd type="none" w="med" len="med"/>
+                      <a:tailEnd type="none" w="med" len="med"/>
+                    </a:lnB>
+                    <a:solidFill>
+                      <a:schemeClr val="bg1">
+                        <a:lumMod val="95000"/>
+                      </a:schemeClr>
+                    </a:solidFill>
+                  </a:tcPr>
+                </a:tc>
+                <a:extLst>
+                  <a:ext uri="{0D108BD9-81ED-4DB2-BD59-A6C34878D82A}">
+                    <a16:rowId xmlns:a16="http://schemas.microsoft.com/office/drawing/2014/main" val="10002"/>
+                  </a:ext>
+                </a:extLst>
+              </a:tr>
+              <a:tr h="2036052">
+                <a:tc>
+                  <a:txBody>
+                    <a:bodyPr/>
+                    <a:lstStyle/>
+                    <a:p>
+                      <a:pPr marL="0" indent="0" algn="ctr" eaLnBrk="1" hangingPunct="1">
+                        <a:buFont typeface="+mj-lt"/>
+                        <a:buNone/>
+                      </a:pPr>
+                      <a:r>
+                        <a:rPr lang="en-US" altLang="ko-KR" sz="900" b="0" kern="100" dirty="0">
+                          <a:solidFill>
+                            <a:srgbClr val="FF0000"/>
+                          </a:solidFill>
+                          <a:effectLst/>
+                          <a:latin typeface="맑은 고딕" pitchFamily="50" charset="-127"/>
+                          <a:ea typeface="+mn-ea"/>
+                        </a:rPr>
+                        <a:t>-</a:t>
+                      </a:r>
+                    </a:p>
+                  </a:txBody>
+                  <a:tcPr marL="66203" marR="66203" marT="66677" marB="33634" anchor="ctr">
+                    <a:lnL w="12700" cap="flat" cmpd="sng" algn="ctr">
+                      <a:solidFill>
+                        <a:schemeClr val="tx1">
+                          <a:lumMod val="50000"/>
+                          <a:lumOff val="50000"/>
+                        </a:schemeClr>
+                      </a:solidFill>
+                      <a:prstDash val="solid"/>
+                      <a:round/>
+                      <a:headEnd type="none" w="med" len="med"/>
+                      <a:tailEnd type="none" w="med" len="med"/>
+                    </a:lnL>
+                    <a:lnR w="12700" cap="flat" cmpd="sng" algn="ctr">
+                      <a:solidFill>
+                        <a:schemeClr val="tx1">
+                          <a:lumMod val="50000"/>
+                          <a:lumOff val="50000"/>
+                        </a:schemeClr>
+                      </a:solidFill>
+                      <a:prstDash val="solid"/>
+                      <a:round/>
+                      <a:headEnd type="none" w="med" len="med"/>
+                      <a:tailEnd type="none" w="med" len="med"/>
+                    </a:lnR>
+                    <a:lnT w="12700" cap="flat" cmpd="sng" algn="ctr">
+                      <a:solidFill>
+                        <a:schemeClr val="tx1">
+                          <a:lumMod val="50000"/>
+                          <a:lumOff val="50000"/>
+                        </a:schemeClr>
+                      </a:solidFill>
+                      <a:prstDash val="solid"/>
+                      <a:round/>
+                      <a:headEnd type="none" w="med" len="med"/>
+                      <a:tailEnd type="none" w="med" len="med"/>
+                    </a:lnT>
+                    <a:lnB w="12700" cap="flat" cmpd="sng" algn="ctr">
+                      <a:solidFill>
+                        <a:schemeClr val="tx1">
+                          <a:lumMod val="50000"/>
+                          <a:lumOff val="50000"/>
+                        </a:schemeClr>
+                      </a:solidFill>
+                      <a:prstDash val="solid"/>
+                      <a:round/>
+                      <a:headEnd type="none" w="med" len="med"/>
+                      <a:tailEnd type="none" w="med" len="med"/>
+                    </a:lnB>
+                    <a:noFill/>
+                  </a:tcPr>
+                </a:tc>
+                <a:extLst>
+                  <a:ext uri="{0D108BD9-81ED-4DB2-BD59-A6C34878D82A}">
+                    <a16:rowId xmlns:a16="http://schemas.microsoft.com/office/drawing/2014/main" val="10003"/>
+                  </a:ext>
+                </a:extLst>
+              </a:tr>
+              <a:tr h="239293">
+                <a:tc>
+                  <a:txBody>
+                    <a:bodyPr/>
+                    <a:lstStyle/>
+                    <a:p>
+                      <a:pPr algn="ctr">
+                        <a:lnSpc>
+                          <a:spcPct val="100000"/>
+                        </a:lnSpc>
+                        <a:spcBef>
+                          <a:spcPts val="300"/>
+                        </a:spcBef>
+                        <a:spcAft>
+                          <a:spcPts val="300"/>
+                        </a:spcAft>
+                      </a:pPr>
+                      <a:r>
+                        <a:rPr lang="ko-KR" altLang="en-US" sz="900" b="1" kern="100" dirty="0">
+                          <a:effectLst/>
+                          <a:latin typeface="맑은 고딕" pitchFamily="50" charset="-127"/>
+                          <a:ea typeface="맑은 고딕" pitchFamily="50" charset="-127"/>
+                        </a:rPr>
+                        <a:t>주요흐름</a:t>
+                      </a:r>
+                      <a:endParaRPr lang="en-US" altLang="ko-KR" sz="900" b="1" kern="100" dirty="0">
+                        <a:effectLst/>
+                        <a:latin typeface="맑은 고딕" pitchFamily="50" charset="-127"/>
+                        <a:ea typeface="맑은 고딕" pitchFamily="50" charset="-127"/>
+                      </a:endParaRPr>
+                    </a:p>
+                  </a:txBody>
+                  <a:tcPr marL="66203" marR="66203" marT="66677" marB="33634" anchor="ctr">
+                    <a:lnL w="12700" cap="flat" cmpd="sng" algn="ctr">
+                      <a:solidFill>
+                        <a:schemeClr val="tx1">
+                          <a:lumMod val="50000"/>
+                          <a:lumOff val="50000"/>
+                        </a:schemeClr>
+                      </a:solidFill>
+                      <a:prstDash val="solid"/>
+                      <a:round/>
+                      <a:headEnd type="none" w="med" len="med"/>
+                      <a:tailEnd type="none" w="med" len="med"/>
+                    </a:lnL>
+                    <a:lnR w="12700" cap="flat" cmpd="sng" algn="ctr">
+                      <a:solidFill>
+                        <a:schemeClr val="tx1">
+                          <a:lumMod val="50000"/>
+                          <a:lumOff val="50000"/>
+                        </a:schemeClr>
+                      </a:solidFill>
+                      <a:prstDash val="solid"/>
+                      <a:round/>
+                      <a:headEnd type="none" w="med" len="med"/>
+                      <a:tailEnd type="none" w="med" len="med"/>
+                    </a:lnR>
+                    <a:lnT w="12700" cap="flat" cmpd="sng" algn="ctr">
+                      <a:solidFill>
+                        <a:schemeClr val="tx1">
+                          <a:lumMod val="50000"/>
+                          <a:lumOff val="50000"/>
+                        </a:schemeClr>
+                      </a:solidFill>
+                      <a:prstDash val="solid"/>
+                      <a:round/>
+                      <a:headEnd type="none" w="med" len="med"/>
+                      <a:tailEnd type="none" w="med" len="med"/>
+                    </a:lnT>
+                    <a:lnB w="12700" cap="flat" cmpd="sng" algn="ctr">
+                      <a:solidFill>
+                        <a:schemeClr val="tx1">
+                          <a:lumMod val="50000"/>
+                          <a:lumOff val="50000"/>
+                        </a:schemeClr>
+                      </a:solidFill>
+                      <a:prstDash val="solid"/>
+                      <a:round/>
+                      <a:headEnd type="none" w="med" len="med"/>
+                      <a:tailEnd type="none" w="med" len="med"/>
+                    </a:lnB>
+                    <a:solidFill>
+                      <a:schemeClr val="bg1">
+                        <a:lumMod val="95000"/>
+                      </a:schemeClr>
+                    </a:solidFill>
+                  </a:tcPr>
+                </a:tc>
+                <a:extLst>
+                  <a:ext uri="{0D108BD9-81ED-4DB2-BD59-A6C34878D82A}">
+                    <a16:rowId xmlns:a16="http://schemas.microsoft.com/office/drawing/2014/main" val="10004"/>
+                  </a:ext>
+                </a:extLst>
+              </a:tr>
+              <a:tr h="2174264">
+                <a:tc>
+                  <a:txBody>
+                    <a:bodyPr/>
+                    <a:lstStyle/>
+                    <a:p>
+                      <a:pPr marL="0" indent="0" algn="ctr">
+                        <a:buFont typeface="+mj-lt"/>
+                        <a:buNone/>
+                      </a:pPr>
+                      <a:r>
+                        <a:rPr lang="en-US" altLang="ko-KR" sz="900" b="0" kern="100" dirty="0">
+                          <a:solidFill>
+                            <a:srgbClr val="0070C0"/>
+                          </a:solidFill>
+                          <a:effectLst/>
+                          <a:latin typeface="맑은 고딕" pitchFamily="50" charset="-127"/>
+                          <a:ea typeface="맑은 고딕" pitchFamily="50" charset="-127"/>
+                        </a:rPr>
+                        <a:t>-</a:t>
+                      </a:r>
+                    </a:p>
+                  </a:txBody>
+                  <a:tcPr marL="66203" marR="66203" marT="66677" marB="33634" anchor="ctr">
+                    <a:lnL w="12700" cap="flat" cmpd="sng" algn="ctr">
+                      <a:solidFill>
+                        <a:schemeClr val="tx1">
+                          <a:lumMod val="50000"/>
+                          <a:lumOff val="50000"/>
+                        </a:schemeClr>
+                      </a:solidFill>
+                      <a:prstDash val="solid"/>
+                      <a:round/>
+                      <a:headEnd type="none" w="med" len="med"/>
+                      <a:tailEnd type="none" w="med" len="med"/>
+                    </a:lnL>
+                    <a:lnR w="12700" cap="flat" cmpd="sng" algn="ctr">
+                      <a:solidFill>
+                        <a:schemeClr val="tx1">
+                          <a:lumMod val="50000"/>
+                          <a:lumOff val="50000"/>
+                        </a:schemeClr>
+                      </a:solidFill>
+                      <a:prstDash val="solid"/>
+                      <a:round/>
+                      <a:headEnd type="none" w="med" len="med"/>
+                      <a:tailEnd type="none" w="med" len="med"/>
+                    </a:lnR>
+                    <a:lnT w="12700" cap="flat" cmpd="sng" algn="ctr">
+                      <a:solidFill>
+                        <a:schemeClr val="tx1">
+                          <a:lumMod val="50000"/>
+                          <a:lumOff val="50000"/>
+                        </a:schemeClr>
+                      </a:solidFill>
+                      <a:prstDash val="solid"/>
+                      <a:round/>
+                      <a:headEnd type="none" w="med" len="med"/>
+                      <a:tailEnd type="none" w="med" len="med"/>
+                    </a:lnT>
+                    <a:lnB w="12700" cap="flat" cmpd="sng" algn="ctr">
+                      <a:solidFill>
+                        <a:schemeClr val="tx1">
+                          <a:lumMod val="50000"/>
+                          <a:lumOff val="50000"/>
+                        </a:schemeClr>
+                      </a:solidFill>
+                      <a:prstDash val="solid"/>
+                      <a:round/>
+                      <a:headEnd type="none" w="med" len="med"/>
+                      <a:tailEnd type="none" w="med" len="med"/>
+                    </a:lnB>
+                    <a:solidFill>
+                      <a:schemeClr val="bg1"/>
+                    </a:solidFill>
+                  </a:tcPr>
+                </a:tc>
+                <a:extLst>
+                  <a:ext uri="{0D108BD9-81ED-4DB2-BD59-A6C34878D82A}">
+                    <a16:rowId xmlns:a16="http://schemas.microsoft.com/office/drawing/2014/main" val="10005"/>
+                  </a:ext>
+                </a:extLst>
+              </a:tr>
+            </a:tbl>
+          </a:graphicData>
+        </a:graphic>
+      </p:graphicFrame>
+      <p:graphicFrame>
+        <p:nvGraphicFramePr>
+          <p:cNvPr id="24" name="표 23">
+            <a:extLst>
+              <a:ext uri="{FF2B5EF4-FFF2-40B4-BE49-F238E27FC236}">
+                <a16:creationId xmlns:a16="http://schemas.microsoft.com/office/drawing/2014/main" id="{9E83B13C-465F-4C1B-8927-387A13D1D00C}"/>
+              </a:ext>
+            </a:extLst>
+          </p:cNvPr>
+          <p:cNvGraphicFramePr>
+            <a:graphicFrameLocks noGrp="1"/>
+          </p:cNvGraphicFramePr>
+          <p:nvPr/>
+        </p:nvGraphicFramePr>
+        <p:xfrm>
+          <a:off x="7264715" y="6379889"/>
+          <a:ext cx="2476285" cy="478111"/>
+        </p:xfrm>
+        <a:graphic>
+          <a:graphicData uri="http://schemas.openxmlformats.org/drawingml/2006/table">
+            <a:tbl>
+              <a:tblPr firstRow="1" firstCol="1" bandRow="1"/>
+              <a:tblGrid>
+                <a:gridCol w="2476285">
+                  <a:extLst>
+                    <a:ext uri="{9D8B030D-6E8A-4147-A177-3AD203B41FA5}">
+                      <a16:colId xmlns:a16="http://schemas.microsoft.com/office/drawing/2014/main" val="20000"/>
+                    </a:ext>
+                  </a:extLst>
+                </a:gridCol>
+              </a:tblGrid>
+              <a:tr h="208095">
+                <a:tc>
+                  <a:txBody>
+                    <a:bodyPr/>
+                    <a:lstStyle/>
+                    <a:p>
+                      <a:pPr algn="ctr">
+                        <a:lnSpc>
+                          <a:spcPct val="100000"/>
+                        </a:lnSpc>
+                        <a:spcBef>
+                          <a:spcPts val="300"/>
+                        </a:spcBef>
+                        <a:spcAft>
+                          <a:spcPts val="300"/>
+                        </a:spcAft>
+                      </a:pPr>
+                      <a:r>
+                        <a:rPr lang="ko-KR" altLang="en-US" sz="900" b="1" kern="100" dirty="0">
+                          <a:effectLst/>
+                          <a:latin typeface="맑은 고딕" pitchFamily="50" charset="-127"/>
+                          <a:ea typeface="맑은 고딕" pitchFamily="50" charset="-127"/>
+                        </a:rPr>
+                        <a:t>테이블 명</a:t>
+                      </a:r>
+                      <a:endParaRPr lang="en-US" altLang="ko-KR" sz="900" b="1" kern="100" dirty="0">
+                        <a:effectLst/>
+                        <a:latin typeface="맑은 고딕" pitchFamily="50" charset="-127"/>
+                        <a:ea typeface="맑은 고딕" pitchFamily="50" charset="-127"/>
+                      </a:endParaRPr>
+                    </a:p>
+                  </a:txBody>
+                  <a:tcPr marL="66203" marR="66203" marT="66677" marB="33634" anchor="ctr">
+                    <a:lnL w="12700" cap="flat" cmpd="sng" algn="ctr">
+                      <a:solidFill>
+                        <a:schemeClr val="tx1">
+                          <a:lumMod val="50000"/>
+                          <a:lumOff val="50000"/>
+                        </a:schemeClr>
+                      </a:solidFill>
+                      <a:prstDash val="solid"/>
+                      <a:round/>
+                      <a:headEnd type="none" w="med" len="med"/>
+                      <a:tailEnd type="none" w="med" len="med"/>
+                    </a:lnL>
+                    <a:lnR w="12700" cap="flat" cmpd="sng" algn="ctr">
+                      <a:solidFill>
+                        <a:schemeClr val="tx1">
+                          <a:lumMod val="50000"/>
+                          <a:lumOff val="50000"/>
+                        </a:schemeClr>
+                      </a:solidFill>
+                      <a:prstDash val="solid"/>
+                      <a:round/>
+                      <a:headEnd type="none" w="med" len="med"/>
+                      <a:tailEnd type="none" w="med" len="med"/>
+                    </a:lnR>
+                    <a:lnT w="12700" cap="flat" cmpd="sng" algn="ctr">
+                      <a:solidFill>
+                        <a:schemeClr val="tx1">
+                          <a:lumMod val="50000"/>
+                          <a:lumOff val="50000"/>
+                        </a:schemeClr>
+                      </a:solidFill>
+                      <a:prstDash val="solid"/>
+                      <a:round/>
+                      <a:headEnd type="none" w="med" len="med"/>
+                      <a:tailEnd type="none" w="med" len="med"/>
+                    </a:lnT>
+                    <a:lnB w="12700" cap="flat" cmpd="sng" algn="ctr">
+                      <a:solidFill>
+                        <a:schemeClr val="tx1">
+                          <a:lumMod val="50000"/>
+                          <a:lumOff val="50000"/>
+                        </a:schemeClr>
+                      </a:solidFill>
+                      <a:prstDash val="solid"/>
+                      <a:round/>
+                      <a:headEnd type="none" w="med" len="med"/>
+                      <a:tailEnd type="none" w="med" len="med"/>
+                    </a:lnB>
+                    <a:solidFill>
+                      <a:schemeClr val="bg1">
+                        <a:lumMod val="95000"/>
+                      </a:schemeClr>
+                    </a:solidFill>
+                  </a:tcPr>
+                </a:tc>
+                <a:extLst>
+                  <a:ext uri="{0D108BD9-81ED-4DB2-BD59-A6C34878D82A}">
+                    <a16:rowId xmlns:a16="http://schemas.microsoft.com/office/drawing/2014/main" val="10000"/>
+                  </a:ext>
+                </a:extLst>
+              </a:tr>
+              <a:tr h="240640">
+                <a:tc>
+                  <a:txBody>
+                    <a:bodyPr/>
+                    <a:lstStyle/>
+                    <a:p>
+                      <a:pPr marL="0" indent="0" algn="ctr">
+                        <a:lnSpc>
+                          <a:spcPct val="100000"/>
+                        </a:lnSpc>
+                        <a:spcBef>
+                          <a:spcPts val="300"/>
+                        </a:spcBef>
+                        <a:spcAft>
+                          <a:spcPts val="300"/>
+                        </a:spcAft>
+                        <a:buFont typeface="Arial" pitchFamily="34" charset="0"/>
+                        <a:buNone/>
+                      </a:pPr>
+                      <a:r>
+                        <a:rPr lang="en-US" altLang="ko-KR" sz="900" b="0" kern="100" dirty="0">
+                          <a:effectLst/>
+                          <a:latin typeface="맑은 고딕" pitchFamily="50" charset="-127"/>
+                          <a:ea typeface="맑은 고딕" pitchFamily="50" charset="-127"/>
+                        </a:rPr>
+                        <a:t>-</a:t>
+                      </a:r>
+                    </a:p>
+                  </a:txBody>
+                  <a:tcPr marL="66203" marR="66203" marT="66677" marB="33634" anchor="ctr">
+                    <a:lnL w="12700" cap="flat" cmpd="sng" algn="ctr">
+                      <a:solidFill>
+                        <a:schemeClr val="tx1">
+                          <a:lumMod val="50000"/>
+                          <a:lumOff val="50000"/>
+                        </a:schemeClr>
+                      </a:solidFill>
+                      <a:prstDash val="solid"/>
+                      <a:round/>
+                      <a:headEnd type="none" w="med" len="med"/>
+                      <a:tailEnd type="none" w="med" len="med"/>
+                    </a:lnL>
+                    <a:lnR w="12700" cap="flat" cmpd="sng" algn="ctr">
+                      <a:solidFill>
+                        <a:schemeClr val="tx1">
+                          <a:lumMod val="50000"/>
+                          <a:lumOff val="50000"/>
+                        </a:schemeClr>
+                      </a:solidFill>
+                      <a:prstDash val="solid"/>
+                      <a:round/>
+                      <a:headEnd type="none" w="med" len="med"/>
+                      <a:tailEnd type="none" w="med" len="med"/>
+                    </a:lnR>
+                    <a:lnT w="12700" cap="flat" cmpd="sng" algn="ctr">
+                      <a:solidFill>
+                        <a:schemeClr val="tx1">
+                          <a:lumMod val="50000"/>
+                          <a:lumOff val="50000"/>
+                        </a:schemeClr>
+                      </a:solidFill>
+                      <a:prstDash val="solid"/>
+                      <a:round/>
+                      <a:headEnd type="none" w="med" len="med"/>
+                      <a:tailEnd type="none" w="med" len="med"/>
+                    </a:lnT>
+                    <a:lnB w="12700" cap="flat" cmpd="sng" algn="ctr">
+                      <a:solidFill>
+                        <a:schemeClr val="tx1">
+                          <a:lumMod val="50000"/>
+                          <a:lumOff val="50000"/>
+                        </a:schemeClr>
+                      </a:solidFill>
+                      <a:prstDash val="solid"/>
+                      <a:round/>
+                      <a:headEnd type="none" w="med" len="med"/>
+                      <a:tailEnd type="none" w="med" len="med"/>
+                    </a:lnB>
+                    <a:noFill/>
+                  </a:tcPr>
+                </a:tc>
+                <a:extLst>
+                  <a:ext uri="{0D108BD9-81ED-4DB2-BD59-A6C34878D82A}">
+                    <a16:rowId xmlns:a16="http://schemas.microsoft.com/office/drawing/2014/main" val="10001"/>
+                  </a:ext>
+                </a:extLst>
+              </a:tr>
+            </a:tbl>
+          </a:graphicData>
+        </a:graphic>
+      </p:graphicFrame>
+      <p:sp>
+        <p:nvSpPr>
+          <p:cNvPr id="22" name="Oval 39">
+            <a:extLst>
+              <a:ext uri="{FF2B5EF4-FFF2-40B4-BE49-F238E27FC236}">
+                <a16:creationId xmlns:a16="http://schemas.microsoft.com/office/drawing/2014/main" id="{732E41CF-4BEB-457F-B01A-39DCA92194D0}"/>
+              </a:ext>
+            </a:extLst>
+          </p:cNvPr>
+          <p:cNvSpPr>
+            <a:spLocks noChangeArrowheads="1"/>
+          </p:cNvSpPr>
+          <p:nvPr/>
+        </p:nvSpPr>
+        <p:spPr bwMode="auto">
+          <a:xfrm>
+            <a:off x="-2247268" y="1252068"/>
+            <a:ext cx="161925" cy="161925"/>
+          </a:xfrm>
+          <a:prstGeom prst="ellipse">
+            <a:avLst/>
+          </a:prstGeom>
+          <a:solidFill>
+            <a:srgbClr val="FF0000"/>
+          </a:solidFill>
+          <a:ln>
+            <a:noFill/>
+          </a:ln>
+          <a:effectLst/>
+          <a:extLst>
+            <a:ext uri="{91240B29-F687-4F45-9708-019B960494DF}">
+              <a14:hiddenLine xmlns:a14="http://schemas.microsoft.com/office/drawing/2010/main" w="9525">
+                <a:solidFill>
+                  <a:srgbClr val="FF0000"/>
+                </a:solidFill>
+                <a:round/>
+                <a:headEnd/>
+                <a:tailEnd/>
+              </a14:hiddenLine>
+            </a:ext>
+            <a:ext uri="{AF507438-7753-43E0-B8FC-AC1667EBCBE1}">
+              <a14:hiddenEffects xmlns:a14="http://schemas.microsoft.com/office/drawing/2010/main">
+                <a:effectLst>
+                  <a:outerShdw dist="35921" dir="2700000" algn="ctr" rotWithShape="0">
+                    <a:schemeClr val="bg2"/>
+                  </a:outerShdw>
+                </a:effectLst>
+              </a14:hiddenEffects>
+            </a:ext>
+          </a:extLst>
+        </p:spPr>
+        <p:txBody>
+          <a:bodyPr wrap="none" lIns="0" tIns="0" rIns="0" bIns="0" anchor="ctr"/>
+          <a:lstStyle/>
+          <a:p>
+            <a:r>
+              <a:rPr lang="en-US" altLang="ko-KR" sz="800" b="1" dirty="0">
+                <a:solidFill>
+                  <a:schemeClr val="bg1"/>
+                </a:solidFill>
+                <a:latin typeface="맑은 고딕" panose="020B0503020000020004" pitchFamily="50" charset="-127"/>
+                <a:ea typeface="맑은 고딕" panose="020B0503020000020004" pitchFamily="50" charset="-127"/>
+              </a:rPr>
+              <a:t>1</a:t>
+            </a:r>
+          </a:p>
+        </p:txBody>
+      </p:sp>
+      <p:sp>
+        <p:nvSpPr>
+          <p:cNvPr id="23" name="Oval 39">
+            <a:extLst>
+              <a:ext uri="{FF2B5EF4-FFF2-40B4-BE49-F238E27FC236}">
+                <a16:creationId xmlns:a16="http://schemas.microsoft.com/office/drawing/2014/main" id="{9F9E4FDD-E822-4BCC-B966-70F2F1F462DE}"/>
+              </a:ext>
+            </a:extLst>
+          </p:cNvPr>
+          <p:cNvSpPr>
+            <a:spLocks noChangeArrowheads="1"/>
+          </p:cNvSpPr>
+          <p:nvPr/>
+        </p:nvSpPr>
+        <p:spPr bwMode="auto">
+          <a:xfrm>
+            <a:off x="-1563724" y="1252067"/>
+            <a:ext cx="161925" cy="161925"/>
+          </a:xfrm>
+          <a:prstGeom prst="ellipse">
+            <a:avLst/>
+          </a:prstGeom>
+          <a:solidFill>
+            <a:srgbClr val="0070C0"/>
+          </a:solidFill>
+          <a:ln>
+            <a:noFill/>
+          </a:ln>
+          <a:effectLst/>
+        </p:spPr>
+        <p:txBody>
+          <a:bodyPr wrap="none" lIns="0" tIns="0" rIns="0" bIns="0" anchor="ctr"/>
+          <a:lstStyle/>
+          <a:p>
+            <a:r>
+              <a:rPr lang="en-US" altLang="ko-KR" sz="800" b="1" dirty="0">
+                <a:solidFill>
+                  <a:schemeClr val="bg1"/>
+                </a:solidFill>
+                <a:latin typeface="맑은 고딕" panose="020B0503020000020004" pitchFamily="50" charset="-127"/>
+                <a:ea typeface="맑은 고딕" panose="020B0503020000020004" pitchFamily="50" charset="-127"/>
+              </a:rPr>
+              <a:t>1</a:t>
+            </a:r>
+          </a:p>
+        </p:txBody>
+      </p:sp>
+      <p:sp>
+        <p:nvSpPr>
+          <p:cNvPr id="20" name="직사각형 19">
+            <a:extLst>
+              <a:ext uri="{FF2B5EF4-FFF2-40B4-BE49-F238E27FC236}">
+                <a16:creationId xmlns:a16="http://schemas.microsoft.com/office/drawing/2014/main" id="{97B4AA4E-922A-46D6-A784-4E9BA565EE01}"/>
+              </a:ext>
+            </a:extLst>
+          </p:cNvPr>
+          <p:cNvSpPr/>
+          <p:nvPr/>
+        </p:nvSpPr>
+        <p:spPr>
+          <a:xfrm>
+            <a:off x="165000" y="2073272"/>
+            <a:ext cx="6937605" cy="821205"/>
+          </a:xfrm>
+          <a:prstGeom prst="rect">
+            <a:avLst/>
+          </a:prstGeom>
+          <a:solidFill>
+            <a:srgbClr val="0F4C81"/>
+          </a:solidFill>
+          <a:ln>
+            <a:noFill/>
+          </a:ln>
+        </p:spPr>
+        <p:style>
+          <a:lnRef idx="2">
+            <a:schemeClr val="accent1">
+              <a:shade val="50000"/>
+            </a:schemeClr>
+          </a:lnRef>
+          <a:fillRef idx="1">
+            <a:schemeClr val="accent1"/>
+          </a:fillRef>
+          <a:effectRef idx="0">
+            <a:schemeClr val="accent1"/>
+          </a:effectRef>
+          <a:fontRef idx="minor">
+            <a:schemeClr val="lt1"/>
+          </a:fontRef>
+        </p:style>
+        <p:txBody>
+          <a:bodyPr rtlCol="0" anchor="ctr"/>
+          <a:lstStyle/>
+          <a:p>
+            <a:pPr algn="ctr"/>
+            <a:endParaRPr lang="ko-KR" altLang="en-US"/>
+          </a:p>
+        </p:txBody>
+      </p:sp>
+      <p:sp>
+        <p:nvSpPr>
+          <p:cNvPr id="26" name="직사각형 25">
+            <a:extLst>
+              <a:ext uri="{FF2B5EF4-FFF2-40B4-BE49-F238E27FC236}">
+                <a16:creationId xmlns:a16="http://schemas.microsoft.com/office/drawing/2014/main" id="{DE94F827-C5C2-498F-86A9-46F4788D8AAC}"/>
+              </a:ext>
+            </a:extLst>
+          </p:cNvPr>
+          <p:cNvSpPr/>
+          <p:nvPr/>
+        </p:nvSpPr>
+        <p:spPr>
+          <a:xfrm>
+            <a:off x="165000" y="1842440"/>
+            <a:ext cx="6937605" cy="230832"/>
+          </a:xfrm>
+          <a:prstGeom prst="rect">
+            <a:avLst/>
+          </a:prstGeom>
+          <a:solidFill>
+            <a:schemeClr val="bg1">
+              <a:lumMod val="85000"/>
+            </a:schemeClr>
+          </a:solidFill>
+          <a:ln>
+            <a:noFill/>
+          </a:ln>
+        </p:spPr>
+        <p:style>
+          <a:lnRef idx="2">
+            <a:schemeClr val="accent1">
+              <a:shade val="50000"/>
+            </a:schemeClr>
+          </a:lnRef>
+          <a:fillRef idx="1">
+            <a:schemeClr val="accent1"/>
+          </a:fillRef>
+          <a:effectRef idx="0">
+            <a:schemeClr val="accent1"/>
+          </a:effectRef>
+          <a:fontRef idx="minor">
+            <a:schemeClr val="lt1"/>
+          </a:fontRef>
+        </p:style>
+        <p:txBody>
+          <a:bodyPr rtlCol="0" anchor="ctr"/>
+          <a:lstStyle/>
+          <a:p>
+            <a:pPr algn="ctr"/>
+            <a:endParaRPr lang="ko-KR" altLang="en-US"/>
+          </a:p>
+        </p:txBody>
+      </p:sp>
+      <p:sp>
+        <p:nvSpPr>
+          <p:cNvPr id="9" name="TextBox 8">
+            <a:extLst>
+              <a:ext uri="{FF2B5EF4-FFF2-40B4-BE49-F238E27FC236}">
+                <a16:creationId xmlns:a16="http://schemas.microsoft.com/office/drawing/2014/main" id="{235F4C22-A00F-4222-98FA-6F40AE3D05B2}"/>
+              </a:ext>
+            </a:extLst>
+          </p:cNvPr>
+          <p:cNvSpPr txBox="1"/>
+          <p:nvPr/>
+        </p:nvSpPr>
+        <p:spPr>
+          <a:xfrm>
+            <a:off x="5729538" y="1842440"/>
+            <a:ext cx="723809" cy="230832"/>
+          </a:xfrm>
+          <a:prstGeom prst="rect">
+            <a:avLst/>
+          </a:prstGeom>
+          <a:noFill/>
+        </p:spPr>
+        <p:txBody>
+          <a:bodyPr wrap="square" rtlCol="0">
+            <a:spAutoFit/>
+          </a:bodyPr>
+          <a:lstStyle/>
+          <a:p>
+            <a:r>
+              <a:rPr lang="ko-KR" altLang="en-US" u="sng" dirty="0">
+                <a:solidFill>
+                  <a:schemeClr val="tx1"/>
+                </a:solidFill>
+                <a:latin typeface="맑은 고딕" panose="020B0503020000020004" pitchFamily="50" charset="-127"/>
+                <a:ea typeface="맑은 고딕" panose="020B0503020000020004" pitchFamily="50" charset="-127"/>
+              </a:rPr>
+              <a:t>로그인</a:t>
+            </a:r>
+          </a:p>
+        </p:txBody>
+      </p:sp>
+      <p:sp>
+        <p:nvSpPr>
+          <p:cNvPr id="29" name="TextBox 28">
+            <a:extLst>
+              <a:ext uri="{FF2B5EF4-FFF2-40B4-BE49-F238E27FC236}">
+                <a16:creationId xmlns:a16="http://schemas.microsoft.com/office/drawing/2014/main" id="{088B6517-4A4B-4279-B6A0-0DC4D07BAA15}"/>
+              </a:ext>
+            </a:extLst>
+          </p:cNvPr>
+          <p:cNvSpPr txBox="1"/>
+          <p:nvPr/>
+        </p:nvSpPr>
+        <p:spPr>
+          <a:xfrm>
+            <a:off x="6370427" y="1842440"/>
+            <a:ext cx="723809" cy="230832"/>
+          </a:xfrm>
+          <a:prstGeom prst="rect">
+            <a:avLst/>
+          </a:prstGeom>
+          <a:noFill/>
+        </p:spPr>
+        <p:txBody>
+          <a:bodyPr wrap="square" rtlCol="0">
+            <a:spAutoFit/>
+          </a:bodyPr>
+          <a:lstStyle/>
+          <a:p>
+            <a:r>
+              <a:rPr lang="ko-KR" altLang="en-US" u="sng" dirty="0">
+                <a:solidFill>
+                  <a:schemeClr val="tx1"/>
+                </a:solidFill>
+                <a:latin typeface="맑은 고딕" panose="020B0503020000020004" pitchFamily="50" charset="-127"/>
+                <a:ea typeface="맑은 고딕" panose="020B0503020000020004" pitchFamily="50" charset="-127"/>
+              </a:rPr>
+              <a:t>회원가입</a:t>
+            </a:r>
+          </a:p>
+        </p:txBody>
+      </p:sp>
+      <p:sp>
+        <p:nvSpPr>
+          <p:cNvPr id="21" name="사각형: 둥근 모서리 20">
+            <a:extLst>
+              <a:ext uri="{FF2B5EF4-FFF2-40B4-BE49-F238E27FC236}">
+                <a16:creationId xmlns:a16="http://schemas.microsoft.com/office/drawing/2014/main" id="{544B1A50-EBFB-4B8F-A290-1F5DE777D5E5}"/>
+              </a:ext>
+            </a:extLst>
+          </p:cNvPr>
+          <p:cNvSpPr/>
+          <p:nvPr/>
+        </p:nvSpPr>
+        <p:spPr>
+          <a:xfrm>
+            <a:off x="272480" y="2204864"/>
+            <a:ext cx="1440160" cy="611253"/>
+          </a:xfrm>
+          <a:prstGeom prst="roundRect">
+            <a:avLst/>
+          </a:prstGeom>
+        </p:spPr>
+        <p:style>
+          <a:lnRef idx="2">
+            <a:schemeClr val="accent1">
+              <a:shade val="50000"/>
+            </a:schemeClr>
+          </a:lnRef>
+          <a:fillRef idx="1">
+            <a:schemeClr val="accent1"/>
+          </a:fillRef>
+          <a:effectRef idx="0">
+            <a:schemeClr val="accent1"/>
+          </a:effectRef>
+          <a:fontRef idx="minor">
+            <a:schemeClr val="lt1"/>
+          </a:fontRef>
+        </p:style>
+        <p:txBody>
+          <a:bodyPr rtlCol="0" anchor="ctr"/>
+          <a:lstStyle/>
+          <a:p>
+            <a:pPr algn="ctr"/>
+            <a:r>
+              <a:rPr lang="ko-KR" altLang="en-US" sz="1600">
+                <a:solidFill>
+                  <a:schemeClr val="tx1"/>
+                </a:solidFill>
+                <a:latin typeface="맑은 고딕" panose="020B0503020000020004" pitchFamily="50" charset="-127"/>
+                <a:ea typeface="맑은 고딕" panose="020B0503020000020004" pitchFamily="50" charset="-127"/>
+              </a:rPr>
+              <a:t>로고</a:t>
+            </a:r>
+          </a:p>
+        </p:txBody>
+      </p:sp>
+      <p:sp>
+        <p:nvSpPr>
+          <p:cNvPr id="25" name="직사각형 24">
+            <a:extLst>
+              <a:ext uri="{FF2B5EF4-FFF2-40B4-BE49-F238E27FC236}">
+                <a16:creationId xmlns:a16="http://schemas.microsoft.com/office/drawing/2014/main" id="{E743AF86-066F-4D67-8294-3B49E369D575}"/>
+              </a:ext>
+            </a:extLst>
+          </p:cNvPr>
+          <p:cNvSpPr/>
+          <p:nvPr/>
+        </p:nvSpPr>
+        <p:spPr>
+          <a:xfrm>
+            <a:off x="2253233" y="2267850"/>
+            <a:ext cx="864096" cy="432048"/>
+          </a:xfrm>
+          <a:prstGeom prst="rect">
+            <a:avLst/>
+          </a:prstGeom>
+          <a:solidFill>
+            <a:srgbClr val="0F4C81"/>
+          </a:solidFill>
+          <a:ln>
+            <a:noFill/>
+          </a:ln>
+        </p:spPr>
+        <p:style>
+          <a:lnRef idx="2">
+            <a:schemeClr val="accent1">
+              <a:shade val="50000"/>
+            </a:schemeClr>
+          </a:lnRef>
+          <a:fillRef idx="1">
+            <a:schemeClr val="accent1"/>
+          </a:fillRef>
+          <a:effectRef idx="0">
+            <a:schemeClr val="accent1"/>
+          </a:effectRef>
+          <a:fontRef idx="minor">
+            <a:schemeClr val="lt1"/>
+          </a:fontRef>
+        </p:style>
+        <p:txBody>
+          <a:bodyPr rtlCol="0" anchor="ctr"/>
+          <a:lstStyle/>
+          <a:p>
+            <a:pPr algn="ctr"/>
+            <a:r>
+              <a:rPr lang="ko-KR" altLang="en-US" sz="1300" dirty="0">
+                <a:solidFill>
+                  <a:schemeClr val="bg1"/>
+                </a:solidFill>
+                <a:latin typeface="맑은 고딕" panose="020B0503020000020004" pitchFamily="50" charset="-127"/>
+                <a:ea typeface="맑은 고딕" panose="020B0503020000020004" pitchFamily="50" charset="-127"/>
+              </a:rPr>
+              <a:t>주문하기</a:t>
+            </a:r>
+          </a:p>
+        </p:txBody>
+      </p:sp>
+      <p:sp>
+        <p:nvSpPr>
+          <p:cNvPr id="30" name="직사각형 29">
+            <a:extLst>
+              <a:ext uri="{FF2B5EF4-FFF2-40B4-BE49-F238E27FC236}">
+                <a16:creationId xmlns:a16="http://schemas.microsoft.com/office/drawing/2014/main" id="{991F8AA4-4D9B-425C-A17F-3B200D01C86A}"/>
+              </a:ext>
+            </a:extLst>
+          </p:cNvPr>
+          <p:cNvSpPr/>
+          <p:nvPr/>
+        </p:nvSpPr>
+        <p:spPr>
+          <a:xfrm>
+            <a:off x="3279439" y="2267850"/>
+            <a:ext cx="864096" cy="432048"/>
+          </a:xfrm>
+          <a:prstGeom prst="rect">
+            <a:avLst/>
+          </a:prstGeom>
+          <a:solidFill>
+            <a:srgbClr val="0F4C81"/>
+          </a:solidFill>
+          <a:ln>
+            <a:noFill/>
+          </a:ln>
+        </p:spPr>
+        <p:style>
+          <a:lnRef idx="2">
+            <a:schemeClr val="accent1">
+              <a:shade val="50000"/>
+            </a:schemeClr>
+          </a:lnRef>
+          <a:fillRef idx="1">
+            <a:schemeClr val="accent1"/>
+          </a:fillRef>
+          <a:effectRef idx="0">
+            <a:schemeClr val="accent1"/>
+          </a:effectRef>
+          <a:fontRef idx="minor">
+            <a:schemeClr val="lt1"/>
+          </a:fontRef>
+        </p:style>
+        <p:txBody>
+          <a:bodyPr rtlCol="0" anchor="ctr"/>
+          <a:lstStyle/>
+          <a:p>
+            <a:pPr algn="ctr"/>
+            <a:r>
+              <a:rPr lang="ko-KR" altLang="en-US" sz="1300" dirty="0">
+                <a:solidFill>
+                  <a:schemeClr val="bg1"/>
+                </a:solidFill>
+                <a:latin typeface="맑은 고딕" panose="020B0503020000020004" pitchFamily="50" charset="-127"/>
+                <a:ea typeface="맑은 고딕" panose="020B0503020000020004" pitchFamily="50" charset="-127"/>
+              </a:rPr>
+              <a:t>예약하기</a:t>
+            </a:r>
+          </a:p>
+        </p:txBody>
+      </p:sp>
+      <p:sp>
+        <p:nvSpPr>
+          <p:cNvPr id="31" name="직사각형 30">
+            <a:extLst>
+              <a:ext uri="{FF2B5EF4-FFF2-40B4-BE49-F238E27FC236}">
+                <a16:creationId xmlns:a16="http://schemas.microsoft.com/office/drawing/2014/main" id="{91C3C7DD-3E0B-40B6-89E3-60CD6973DE54}"/>
+              </a:ext>
+            </a:extLst>
+          </p:cNvPr>
+          <p:cNvSpPr/>
+          <p:nvPr/>
+        </p:nvSpPr>
+        <p:spPr>
+          <a:xfrm>
+            <a:off x="4289447" y="2267850"/>
+            <a:ext cx="864096" cy="432048"/>
+          </a:xfrm>
+          <a:prstGeom prst="rect">
+            <a:avLst/>
+          </a:prstGeom>
+          <a:solidFill>
+            <a:srgbClr val="0F4C81"/>
+          </a:solidFill>
+          <a:ln>
+            <a:noFill/>
+          </a:ln>
+        </p:spPr>
+        <p:style>
+          <a:lnRef idx="2">
+            <a:schemeClr val="accent1">
+              <a:shade val="50000"/>
+            </a:schemeClr>
+          </a:lnRef>
+          <a:fillRef idx="1">
+            <a:schemeClr val="accent1"/>
+          </a:fillRef>
+          <a:effectRef idx="0">
+            <a:schemeClr val="accent1"/>
+          </a:effectRef>
+          <a:fontRef idx="minor">
+            <a:schemeClr val="lt1"/>
+          </a:fontRef>
+        </p:style>
+        <p:txBody>
+          <a:bodyPr rtlCol="0" anchor="ctr"/>
+          <a:lstStyle/>
+          <a:p>
+            <a:pPr algn="ctr"/>
+            <a:r>
+              <a:rPr lang="ko-KR" altLang="en-US" sz="1300" dirty="0">
+                <a:solidFill>
+                  <a:schemeClr val="bg1"/>
+                </a:solidFill>
+                <a:latin typeface="맑은 고딕" panose="020B0503020000020004" pitchFamily="50" charset="-127"/>
+                <a:ea typeface="맑은 고딕" panose="020B0503020000020004" pitchFamily="50" charset="-127"/>
+              </a:rPr>
+              <a:t>호텔소개</a:t>
+            </a:r>
+          </a:p>
+        </p:txBody>
+      </p:sp>
+      <p:sp>
+        <p:nvSpPr>
+          <p:cNvPr id="32" name="직사각형 31">
+            <a:extLst>
+              <a:ext uri="{FF2B5EF4-FFF2-40B4-BE49-F238E27FC236}">
+                <a16:creationId xmlns:a16="http://schemas.microsoft.com/office/drawing/2014/main" id="{E6C2A60F-1BB4-4D71-B333-598EB21C2853}"/>
+              </a:ext>
+            </a:extLst>
+          </p:cNvPr>
+          <p:cNvSpPr/>
+          <p:nvPr/>
+        </p:nvSpPr>
+        <p:spPr>
+          <a:xfrm>
+            <a:off x="5263978" y="2267850"/>
+            <a:ext cx="864096" cy="432048"/>
+          </a:xfrm>
+          <a:prstGeom prst="rect">
+            <a:avLst/>
+          </a:prstGeom>
+          <a:solidFill>
+            <a:srgbClr val="0F4C81"/>
+          </a:solidFill>
+          <a:ln>
+            <a:noFill/>
+          </a:ln>
+        </p:spPr>
+        <p:style>
+          <a:lnRef idx="2">
+            <a:schemeClr val="accent1">
+              <a:shade val="50000"/>
+            </a:schemeClr>
+          </a:lnRef>
+          <a:fillRef idx="1">
+            <a:schemeClr val="accent1"/>
+          </a:fillRef>
+          <a:effectRef idx="0">
+            <a:schemeClr val="accent1"/>
+          </a:effectRef>
+          <a:fontRef idx="minor">
+            <a:schemeClr val="lt1"/>
+          </a:fontRef>
+        </p:style>
+        <p:txBody>
+          <a:bodyPr rtlCol="0" anchor="ctr"/>
+          <a:lstStyle/>
+          <a:p>
+            <a:pPr algn="ctr"/>
+            <a:r>
+              <a:rPr lang="ko-KR" altLang="en-US" sz="1300" dirty="0">
+                <a:solidFill>
+                  <a:schemeClr val="bg1"/>
+                </a:solidFill>
+                <a:latin typeface="맑은 고딕" panose="020B0503020000020004" pitchFamily="50" charset="-127"/>
+                <a:ea typeface="맑은 고딕" panose="020B0503020000020004" pitchFamily="50" charset="-127"/>
+              </a:rPr>
+              <a:t>이벤트</a:t>
+            </a:r>
+          </a:p>
+        </p:txBody>
+      </p:sp>
+      <p:sp>
+        <p:nvSpPr>
+          <p:cNvPr id="33" name="직사각형 32">
+            <a:extLst>
+              <a:ext uri="{FF2B5EF4-FFF2-40B4-BE49-F238E27FC236}">
+                <a16:creationId xmlns:a16="http://schemas.microsoft.com/office/drawing/2014/main" id="{AF92B8D7-65F5-4EC4-A9FA-B2AA1C128C95}"/>
+              </a:ext>
+            </a:extLst>
+          </p:cNvPr>
+          <p:cNvSpPr/>
+          <p:nvPr/>
+        </p:nvSpPr>
+        <p:spPr>
+          <a:xfrm>
+            <a:off x="6183291" y="2267850"/>
+            <a:ext cx="864096" cy="432048"/>
+          </a:xfrm>
+          <a:prstGeom prst="rect">
+            <a:avLst/>
+          </a:prstGeom>
+          <a:solidFill>
+            <a:srgbClr val="0F4C81"/>
+          </a:solidFill>
+          <a:ln>
+            <a:noFill/>
+          </a:ln>
+        </p:spPr>
+        <p:style>
+          <a:lnRef idx="2">
+            <a:schemeClr val="accent1">
+              <a:shade val="50000"/>
+            </a:schemeClr>
+          </a:lnRef>
+          <a:fillRef idx="1">
+            <a:schemeClr val="accent1"/>
+          </a:fillRef>
+          <a:effectRef idx="0">
+            <a:schemeClr val="accent1"/>
+          </a:effectRef>
+          <a:fontRef idx="minor">
+            <a:schemeClr val="lt1"/>
+          </a:fontRef>
+        </p:style>
+        <p:txBody>
+          <a:bodyPr rtlCol="0" anchor="ctr"/>
+          <a:lstStyle/>
+          <a:p>
+            <a:pPr algn="ctr"/>
+            <a:r>
+              <a:rPr lang="ko-KR" altLang="en-US" sz="1300" dirty="0">
+                <a:solidFill>
+                  <a:schemeClr val="bg1"/>
+                </a:solidFill>
+                <a:latin typeface="맑은 고딕" panose="020B0503020000020004" pitchFamily="50" charset="-127"/>
+                <a:ea typeface="맑은 고딕" panose="020B0503020000020004" pitchFamily="50" charset="-127"/>
+              </a:rPr>
+              <a:t>공지사항</a:t>
+            </a:r>
+          </a:p>
+        </p:txBody>
+      </p:sp>
+      <p:sp>
+        <p:nvSpPr>
+          <p:cNvPr id="34" name="사각형: 둥근 모서리 33">
+            <a:extLst>
+              <a:ext uri="{FF2B5EF4-FFF2-40B4-BE49-F238E27FC236}">
+                <a16:creationId xmlns:a16="http://schemas.microsoft.com/office/drawing/2014/main" id="{363A0EBC-55A7-4260-8992-BE8DBD420A58}"/>
+              </a:ext>
+            </a:extLst>
+          </p:cNvPr>
+          <p:cNvSpPr/>
+          <p:nvPr/>
+        </p:nvSpPr>
+        <p:spPr>
+          <a:xfrm>
+            <a:off x="165000" y="1333029"/>
+            <a:ext cx="1331616" cy="314833"/>
+          </a:xfrm>
+          <a:prstGeom prst="roundRect">
+            <a:avLst/>
+          </a:prstGeom>
+          <a:solidFill>
+            <a:schemeClr val="tx1"/>
+          </a:solidFill>
+          <a:ln>
+            <a:noFill/>
+          </a:ln>
+        </p:spPr>
+        <p:style>
+          <a:lnRef idx="2">
+            <a:schemeClr val="accent1">
+              <a:shade val="50000"/>
+            </a:schemeClr>
+          </a:lnRef>
+          <a:fillRef idx="1">
+            <a:schemeClr val="accent1"/>
+          </a:fillRef>
+          <a:effectRef idx="0">
+            <a:schemeClr val="accent1"/>
+          </a:effectRef>
+          <a:fontRef idx="minor">
+            <a:schemeClr val="lt1"/>
+          </a:fontRef>
+        </p:style>
+        <p:txBody>
+          <a:bodyPr rtlCol="0" anchor="ctr"/>
+          <a:lstStyle/>
+          <a:p>
+            <a:pPr algn="ctr"/>
+            <a:r>
+              <a:rPr lang="ko-KR" altLang="en-US" sz="1050">
+                <a:solidFill>
+                  <a:schemeClr val="bg1"/>
+                </a:solidFill>
+                <a:latin typeface="맑은 고딕" panose="020B0503020000020004" pitchFamily="50" charset="-127"/>
+                <a:ea typeface="맑은 고딕" panose="020B0503020000020004" pitchFamily="50" charset="-127"/>
+              </a:rPr>
+              <a:t>로그인 전</a:t>
+            </a:r>
+          </a:p>
+        </p:txBody>
+      </p:sp>
+      <p:sp>
+        <p:nvSpPr>
+          <p:cNvPr id="35" name="직사각형 34">
+            <a:extLst>
+              <a:ext uri="{FF2B5EF4-FFF2-40B4-BE49-F238E27FC236}">
+                <a16:creationId xmlns:a16="http://schemas.microsoft.com/office/drawing/2014/main" id="{0AEB278F-7818-4C2E-852F-00D0B3268A59}"/>
+              </a:ext>
+            </a:extLst>
+          </p:cNvPr>
+          <p:cNvSpPr/>
+          <p:nvPr/>
+        </p:nvSpPr>
+        <p:spPr>
+          <a:xfrm>
+            <a:off x="165000" y="3827276"/>
+            <a:ext cx="6937605" cy="821205"/>
+          </a:xfrm>
+          <a:prstGeom prst="rect">
+            <a:avLst/>
+          </a:prstGeom>
+          <a:solidFill>
+            <a:srgbClr val="0F4C81"/>
+          </a:solidFill>
+          <a:ln>
+            <a:noFill/>
+          </a:ln>
+        </p:spPr>
+        <p:style>
+          <a:lnRef idx="2">
+            <a:schemeClr val="accent1">
+              <a:shade val="50000"/>
+            </a:schemeClr>
+          </a:lnRef>
+          <a:fillRef idx="1">
+            <a:schemeClr val="accent1"/>
+          </a:fillRef>
+          <a:effectRef idx="0">
+            <a:schemeClr val="accent1"/>
+          </a:effectRef>
+          <a:fontRef idx="minor">
+            <a:schemeClr val="lt1"/>
+          </a:fontRef>
+        </p:style>
+        <p:txBody>
+          <a:bodyPr rtlCol="0" anchor="ctr"/>
+          <a:lstStyle/>
+          <a:p>
+            <a:pPr algn="ctr"/>
+            <a:endParaRPr lang="ko-KR" altLang="en-US"/>
+          </a:p>
+        </p:txBody>
+      </p:sp>
+      <p:sp>
+        <p:nvSpPr>
+          <p:cNvPr id="36" name="직사각형 35">
+            <a:extLst>
+              <a:ext uri="{FF2B5EF4-FFF2-40B4-BE49-F238E27FC236}">
+                <a16:creationId xmlns:a16="http://schemas.microsoft.com/office/drawing/2014/main" id="{31BC9708-8BC4-46EE-AB6A-E586DB5543BA}"/>
+              </a:ext>
+            </a:extLst>
+          </p:cNvPr>
+          <p:cNvSpPr/>
+          <p:nvPr/>
+        </p:nvSpPr>
+        <p:spPr>
+          <a:xfrm>
+            <a:off x="165000" y="3596444"/>
+            <a:ext cx="6937605" cy="230832"/>
+          </a:xfrm>
+          <a:prstGeom prst="rect">
+            <a:avLst/>
+          </a:prstGeom>
+          <a:solidFill>
+            <a:schemeClr val="bg1">
+              <a:lumMod val="85000"/>
+            </a:schemeClr>
+          </a:solidFill>
+          <a:ln>
+            <a:noFill/>
+          </a:ln>
+        </p:spPr>
+        <p:style>
+          <a:lnRef idx="2">
+            <a:schemeClr val="accent1">
+              <a:shade val="50000"/>
+            </a:schemeClr>
+          </a:lnRef>
+          <a:fillRef idx="1">
+            <a:schemeClr val="accent1"/>
+          </a:fillRef>
+          <a:effectRef idx="0">
+            <a:schemeClr val="accent1"/>
+          </a:effectRef>
+          <a:fontRef idx="minor">
+            <a:schemeClr val="lt1"/>
+          </a:fontRef>
+        </p:style>
+        <p:txBody>
+          <a:bodyPr rtlCol="0" anchor="ctr"/>
+          <a:lstStyle/>
+          <a:p>
+            <a:pPr algn="ctr"/>
+            <a:endParaRPr lang="ko-KR" altLang="en-US"/>
+          </a:p>
+        </p:txBody>
+      </p:sp>
+      <p:sp>
+        <p:nvSpPr>
+          <p:cNvPr id="37" name="TextBox 36">
+            <a:extLst>
+              <a:ext uri="{FF2B5EF4-FFF2-40B4-BE49-F238E27FC236}">
+                <a16:creationId xmlns:a16="http://schemas.microsoft.com/office/drawing/2014/main" id="{2E420C75-71A9-42E0-94F3-80F73510F4AE}"/>
+              </a:ext>
+            </a:extLst>
+          </p:cNvPr>
+          <p:cNvSpPr txBox="1"/>
+          <p:nvPr/>
+        </p:nvSpPr>
+        <p:spPr>
+          <a:xfrm>
+            <a:off x="4873844" y="3596444"/>
+            <a:ext cx="780267" cy="230832"/>
+          </a:xfrm>
+          <a:prstGeom prst="rect">
+            <a:avLst/>
+          </a:prstGeom>
+          <a:noFill/>
+        </p:spPr>
+        <p:txBody>
+          <a:bodyPr wrap="square" rtlCol="0">
+            <a:spAutoFit/>
+          </a:bodyPr>
+          <a:lstStyle/>
+          <a:p>
+            <a:r>
+              <a:rPr lang="ko-KR" altLang="en-US" u="sng" dirty="0">
+                <a:solidFill>
+                  <a:schemeClr val="tx1"/>
+                </a:solidFill>
+                <a:latin typeface="맑은 고딕" panose="020B0503020000020004" pitchFamily="50" charset="-127"/>
+                <a:ea typeface="맑은 고딕" panose="020B0503020000020004" pitchFamily="50" charset="-127"/>
+              </a:rPr>
+              <a:t>마이페이지</a:t>
+            </a:r>
+          </a:p>
+        </p:txBody>
+      </p:sp>
+      <p:sp>
+        <p:nvSpPr>
+          <p:cNvPr id="38" name="TextBox 37">
+            <a:extLst>
+              <a:ext uri="{FF2B5EF4-FFF2-40B4-BE49-F238E27FC236}">
+                <a16:creationId xmlns:a16="http://schemas.microsoft.com/office/drawing/2014/main" id="{35472157-B45A-4463-B7FD-5BB9369EA7FA}"/>
+              </a:ext>
+            </a:extLst>
+          </p:cNvPr>
+          <p:cNvSpPr txBox="1"/>
+          <p:nvPr/>
+        </p:nvSpPr>
+        <p:spPr>
+          <a:xfrm>
+            <a:off x="6370426" y="3596444"/>
+            <a:ext cx="723809" cy="230832"/>
+          </a:xfrm>
+          <a:prstGeom prst="rect">
+            <a:avLst/>
+          </a:prstGeom>
+          <a:noFill/>
+        </p:spPr>
+        <p:txBody>
+          <a:bodyPr wrap="square" rtlCol="0">
+            <a:spAutoFit/>
+          </a:bodyPr>
+          <a:lstStyle/>
+          <a:p>
+            <a:r>
+              <a:rPr lang="ko-KR" altLang="en-US" u="sng">
+                <a:solidFill>
+                  <a:schemeClr val="tx1"/>
+                </a:solidFill>
+                <a:latin typeface="맑은 고딕" panose="020B0503020000020004" pitchFamily="50" charset="-127"/>
+                <a:ea typeface="맑은 고딕" panose="020B0503020000020004" pitchFamily="50" charset="-127"/>
+              </a:rPr>
+              <a:t>로그아웃</a:t>
+            </a:r>
+            <a:endParaRPr lang="ko-KR" altLang="en-US" u="sng" dirty="0">
+              <a:solidFill>
+                <a:schemeClr val="tx1"/>
+              </a:solidFill>
+              <a:latin typeface="맑은 고딕" panose="020B0503020000020004" pitchFamily="50" charset="-127"/>
+              <a:ea typeface="맑은 고딕" panose="020B0503020000020004" pitchFamily="50" charset="-127"/>
+            </a:endParaRPr>
+          </a:p>
+        </p:txBody>
+      </p:sp>
+      <p:sp>
+        <p:nvSpPr>
+          <p:cNvPr id="39" name="사각형: 둥근 모서리 38">
+            <a:extLst>
+              <a:ext uri="{FF2B5EF4-FFF2-40B4-BE49-F238E27FC236}">
+                <a16:creationId xmlns:a16="http://schemas.microsoft.com/office/drawing/2014/main" id="{753EB8A8-F87A-47CD-A495-2ED27636D032}"/>
+              </a:ext>
+            </a:extLst>
+          </p:cNvPr>
+          <p:cNvSpPr/>
+          <p:nvPr/>
+        </p:nvSpPr>
+        <p:spPr>
+          <a:xfrm>
+            <a:off x="272480" y="3958868"/>
+            <a:ext cx="1440160" cy="611253"/>
+          </a:xfrm>
+          <a:prstGeom prst="roundRect">
+            <a:avLst/>
+          </a:prstGeom>
+        </p:spPr>
+        <p:style>
+          <a:lnRef idx="2">
+            <a:schemeClr val="accent1">
+              <a:shade val="50000"/>
+            </a:schemeClr>
+          </a:lnRef>
+          <a:fillRef idx="1">
+            <a:schemeClr val="accent1"/>
+          </a:fillRef>
+          <a:effectRef idx="0">
+            <a:schemeClr val="accent1"/>
+          </a:effectRef>
+          <a:fontRef idx="minor">
+            <a:schemeClr val="lt1"/>
+          </a:fontRef>
+        </p:style>
+        <p:txBody>
+          <a:bodyPr rtlCol="0" anchor="ctr"/>
+          <a:lstStyle/>
+          <a:p>
+            <a:pPr algn="ctr"/>
+            <a:r>
+              <a:rPr lang="ko-KR" altLang="en-US" sz="1600">
+                <a:solidFill>
+                  <a:schemeClr val="tx1"/>
+                </a:solidFill>
+                <a:latin typeface="맑은 고딕" panose="020B0503020000020004" pitchFamily="50" charset="-127"/>
+                <a:ea typeface="맑은 고딕" panose="020B0503020000020004" pitchFamily="50" charset="-127"/>
+              </a:rPr>
+              <a:t>로고</a:t>
+            </a:r>
+          </a:p>
+        </p:txBody>
+      </p:sp>
+      <p:sp>
+        <p:nvSpPr>
+          <p:cNvPr id="40" name="직사각형 39">
+            <a:extLst>
+              <a:ext uri="{FF2B5EF4-FFF2-40B4-BE49-F238E27FC236}">
+                <a16:creationId xmlns:a16="http://schemas.microsoft.com/office/drawing/2014/main" id="{FB958871-2EA5-43E8-AEA2-A10F079A27FB}"/>
+              </a:ext>
+            </a:extLst>
+          </p:cNvPr>
+          <p:cNvSpPr/>
+          <p:nvPr/>
+        </p:nvSpPr>
+        <p:spPr>
+          <a:xfrm>
+            <a:off x="2253233" y="4021854"/>
+            <a:ext cx="864096" cy="432048"/>
+          </a:xfrm>
+          <a:prstGeom prst="rect">
+            <a:avLst/>
+          </a:prstGeom>
+          <a:solidFill>
+            <a:srgbClr val="0F4C81"/>
+          </a:solidFill>
+          <a:ln>
+            <a:noFill/>
+          </a:ln>
+        </p:spPr>
+        <p:style>
+          <a:lnRef idx="2">
+            <a:schemeClr val="accent1">
+              <a:shade val="50000"/>
+            </a:schemeClr>
+          </a:lnRef>
+          <a:fillRef idx="1">
+            <a:schemeClr val="accent1"/>
+          </a:fillRef>
+          <a:effectRef idx="0">
+            <a:schemeClr val="accent1"/>
+          </a:effectRef>
+          <a:fontRef idx="minor">
+            <a:schemeClr val="lt1"/>
+          </a:fontRef>
+        </p:style>
+        <p:txBody>
+          <a:bodyPr rtlCol="0" anchor="ctr"/>
+          <a:lstStyle/>
+          <a:p>
+            <a:pPr algn="ctr"/>
+            <a:r>
+              <a:rPr lang="ko-KR" altLang="en-US" sz="1300" dirty="0">
+                <a:solidFill>
+                  <a:schemeClr val="bg1"/>
+                </a:solidFill>
+                <a:latin typeface="맑은 고딕" panose="020B0503020000020004" pitchFamily="50" charset="-127"/>
+                <a:ea typeface="맑은 고딕" panose="020B0503020000020004" pitchFamily="50" charset="-127"/>
+              </a:rPr>
+              <a:t>주문하기</a:t>
+            </a:r>
+          </a:p>
+        </p:txBody>
+      </p:sp>
+      <p:sp>
+        <p:nvSpPr>
+          <p:cNvPr id="41" name="직사각형 40">
+            <a:extLst>
+              <a:ext uri="{FF2B5EF4-FFF2-40B4-BE49-F238E27FC236}">
+                <a16:creationId xmlns:a16="http://schemas.microsoft.com/office/drawing/2014/main" id="{DB83C707-A350-4962-AC56-3E1B40AD0910}"/>
+              </a:ext>
+            </a:extLst>
+          </p:cNvPr>
+          <p:cNvSpPr/>
+          <p:nvPr/>
+        </p:nvSpPr>
+        <p:spPr>
+          <a:xfrm>
+            <a:off x="3279439" y="4021854"/>
+            <a:ext cx="864096" cy="432048"/>
+          </a:xfrm>
+          <a:prstGeom prst="rect">
+            <a:avLst/>
+          </a:prstGeom>
+          <a:solidFill>
+            <a:srgbClr val="0F4C81"/>
+          </a:solidFill>
+          <a:ln>
+            <a:noFill/>
+          </a:ln>
+        </p:spPr>
+        <p:style>
+          <a:lnRef idx="2">
+            <a:schemeClr val="accent1">
+              <a:shade val="50000"/>
+            </a:schemeClr>
+          </a:lnRef>
+          <a:fillRef idx="1">
+            <a:schemeClr val="accent1"/>
+          </a:fillRef>
+          <a:effectRef idx="0">
+            <a:schemeClr val="accent1"/>
+          </a:effectRef>
+          <a:fontRef idx="minor">
+            <a:schemeClr val="lt1"/>
+          </a:fontRef>
+        </p:style>
+        <p:txBody>
+          <a:bodyPr rtlCol="0" anchor="ctr"/>
+          <a:lstStyle/>
+          <a:p>
+            <a:pPr algn="ctr"/>
+            <a:r>
+              <a:rPr lang="ko-KR" altLang="en-US" sz="1300" dirty="0">
+                <a:solidFill>
+                  <a:schemeClr val="bg1"/>
+                </a:solidFill>
+                <a:latin typeface="맑은 고딕" panose="020B0503020000020004" pitchFamily="50" charset="-127"/>
+                <a:ea typeface="맑은 고딕" panose="020B0503020000020004" pitchFamily="50" charset="-127"/>
+              </a:rPr>
+              <a:t>예약하기</a:t>
+            </a:r>
+          </a:p>
+        </p:txBody>
+      </p:sp>
+      <p:sp>
+        <p:nvSpPr>
+          <p:cNvPr id="42" name="직사각형 41">
+            <a:extLst>
+              <a:ext uri="{FF2B5EF4-FFF2-40B4-BE49-F238E27FC236}">
+                <a16:creationId xmlns:a16="http://schemas.microsoft.com/office/drawing/2014/main" id="{9A818B93-1E02-4E0A-B970-ECE10246516F}"/>
+              </a:ext>
+            </a:extLst>
+          </p:cNvPr>
+          <p:cNvSpPr/>
+          <p:nvPr/>
+        </p:nvSpPr>
+        <p:spPr>
+          <a:xfrm>
+            <a:off x="4289447" y="4021854"/>
+            <a:ext cx="864096" cy="432048"/>
+          </a:xfrm>
+          <a:prstGeom prst="rect">
+            <a:avLst/>
+          </a:prstGeom>
+          <a:solidFill>
+            <a:srgbClr val="0F4C81"/>
+          </a:solidFill>
+          <a:ln>
+            <a:noFill/>
+          </a:ln>
+        </p:spPr>
+        <p:style>
+          <a:lnRef idx="2">
+            <a:schemeClr val="accent1">
+              <a:shade val="50000"/>
+            </a:schemeClr>
+          </a:lnRef>
+          <a:fillRef idx="1">
+            <a:schemeClr val="accent1"/>
+          </a:fillRef>
+          <a:effectRef idx="0">
+            <a:schemeClr val="accent1"/>
+          </a:effectRef>
+          <a:fontRef idx="minor">
+            <a:schemeClr val="lt1"/>
+          </a:fontRef>
+        </p:style>
+        <p:txBody>
+          <a:bodyPr rtlCol="0" anchor="ctr"/>
+          <a:lstStyle/>
+          <a:p>
+            <a:pPr algn="ctr"/>
+            <a:r>
+              <a:rPr lang="ko-KR" altLang="en-US" sz="1300" dirty="0">
+                <a:solidFill>
+                  <a:schemeClr val="bg1"/>
+                </a:solidFill>
+                <a:latin typeface="맑은 고딕" panose="020B0503020000020004" pitchFamily="50" charset="-127"/>
+                <a:ea typeface="맑은 고딕" panose="020B0503020000020004" pitchFamily="50" charset="-127"/>
+              </a:rPr>
+              <a:t>호텔소개</a:t>
+            </a:r>
+          </a:p>
+        </p:txBody>
+      </p:sp>
+      <p:sp>
+        <p:nvSpPr>
+          <p:cNvPr id="43" name="직사각형 42">
+            <a:extLst>
+              <a:ext uri="{FF2B5EF4-FFF2-40B4-BE49-F238E27FC236}">
+                <a16:creationId xmlns:a16="http://schemas.microsoft.com/office/drawing/2014/main" id="{0409C13B-8FA3-4E37-AEC7-E169E6422302}"/>
+              </a:ext>
+            </a:extLst>
+          </p:cNvPr>
+          <p:cNvSpPr/>
+          <p:nvPr/>
+        </p:nvSpPr>
+        <p:spPr>
+          <a:xfrm>
+            <a:off x="5263978" y="4021854"/>
+            <a:ext cx="864096" cy="432048"/>
+          </a:xfrm>
+          <a:prstGeom prst="rect">
+            <a:avLst/>
+          </a:prstGeom>
+          <a:solidFill>
+            <a:srgbClr val="0F4C81"/>
+          </a:solidFill>
+          <a:ln>
+            <a:noFill/>
+          </a:ln>
+        </p:spPr>
+        <p:style>
+          <a:lnRef idx="2">
+            <a:schemeClr val="accent1">
+              <a:shade val="50000"/>
+            </a:schemeClr>
+          </a:lnRef>
+          <a:fillRef idx="1">
+            <a:schemeClr val="accent1"/>
+          </a:fillRef>
+          <a:effectRef idx="0">
+            <a:schemeClr val="accent1"/>
+          </a:effectRef>
+          <a:fontRef idx="minor">
+            <a:schemeClr val="lt1"/>
+          </a:fontRef>
+        </p:style>
+        <p:txBody>
+          <a:bodyPr rtlCol="0" anchor="ctr"/>
+          <a:lstStyle/>
+          <a:p>
+            <a:pPr algn="ctr"/>
+            <a:r>
+              <a:rPr lang="ko-KR" altLang="en-US" sz="1300" dirty="0">
+                <a:solidFill>
+                  <a:schemeClr val="bg1"/>
+                </a:solidFill>
+                <a:latin typeface="맑은 고딕" panose="020B0503020000020004" pitchFamily="50" charset="-127"/>
+                <a:ea typeface="맑은 고딕" panose="020B0503020000020004" pitchFamily="50" charset="-127"/>
+              </a:rPr>
+              <a:t>이벤트</a:t>
+            </a:r>
+          </a:p>
+        </p:txBody>
+      </p:sp>
+      <p:sp>
+        <p:nvSpPr>
+          <p:cNvPr id="44" name="직사각형 43">
+            <a:extLst>
+              <a:ext uri="{FF2B5EF4-FFF2-40B4-BE49-F238E27FC236}">
+                <a16:creationId xmlns:a16="http://schemas.microsoft.com/office/drawing/2014/main" id="{03F70B53-96D8-4419-B068-9CF6870D93D3}"/>
+              </a:ext>
+            </a:extLst>
+          </p:cNvPr>
+          <p:cNvSpPr/>
+          <p:nvPr/>
+        </p:nvSpPr>
+        <p:spPr>
+          <a:xfrm>
+            <a:off x="6183291" y="4021854"/>
+            <a:ext cx="864096" cy="432048"/>
+          </a:xfrm>
+          <a:prstGeom prst="rect">
+            <a:avLst/>
+          </a:prstGeom>
+          <a:solidFill>
+            <a:srgbClr val="0F4C81"/>
+          </a:solidFill>
+          <a:ln>
+            <a:noFill/>
+          </a:ln>
+        </p:spPr>
+        <p:style>
+          <a:lnRef idx="2">
+            <a:schemeClr val="accent1">
+              <a:shade val="50000"/>
+            </a:schemeClr>
+          </a:lnRef>
+          <a:fillRef idx="1">
+            <a:schemeClr val="accent1"/>
+          </a:fillRef>
+          <a:effectRef idx="0">
+            <a:schemeClr val="accent1"/>
+          </a:effectRef>
+          <a:fontRef idx="minor">
+            <a:schemeClr val="lt1"/>
+          </a:fontRef>
+        </p:style>
+        <p:txBody>
+          <a:bodyPr rtlCol="0" anchor="ctr"/>
+          <a:lstStyle/>
+          <a:p>
+            <a:pPr algn="ctr"/>
+            <a:r>
+              <a:rPr lang="ko-KR" altLang="en-US" sz="1300" dirty="0">
+                <a:solidFill>
+                  <a:schemeClr val="bg1"/>
+                </a:solidFill>
+                <a:latin typeface="맑은 고딕" panose="020B0503020000020004" pitchFamily="50" charset="-127"/>
+                <a:ea typeface="맑은 고딕" panose="020B0503020000020004" pitchFamily="50" charset="-127"/>
+              </a:rPr>
+              <a:t>공지사항</a:t>
+            </a:r>
+          </a:p>
+        </p:txBody>
+      </p:sp>
+      <p:sp>
+        <p:nvSpPr>
+          <p:cNvPr id="45" name="사각형: 둥근 모서리 44">
+            <a:extLst>
+              <a:ext uri="{FF2B5EF4-FFF2-40B4-BE49-F238E27FC236}">
+                <a16:creationId xmlns:a16="http://schemas.microsoft.com/office/drawing/2014/main" id="{6C060929-AF28-4EE3-8FC7-C1811B71763D}"/>
+              </a:ext>
+            </a:extLst>
+          </p:cNvPr>
+          <p:cNvSpPr/>
+          <p:nvPr/>
+        </p:nvSpPr>
+        <p:spPr>
+          <a:xfrm>
+            <a:off x="165000" y="3087033"/>
+            <a:ext cx="1691656" cy="314833"/>
+          </a:xfrm>
+          <a:prstGeom prst="roundRect">
+            <a:avLst/>
+          </a:prstGeom>
+          <a:solidFill>
+            <a:schemeClr val="tx1"/>
+          </a:solidFill>
+          <a:ln>
+            <a:noFill/>
+          </a:ln>
+        </p:spPr>
+        <p:style>
+          <a:lnRef idx="2">
+            <a:schemeClr val="accent1">
+              <a:shade val="50000"/>
+            </a:schemeClr>
+          </a:lnRef>
+          <a:fillRef idx="1">
+            <a:schemeClr val="accent1"/>
+          </a:fillRef>
+          <a:effectRef idx="0">
+            <a:schemeClr val="accent1"/>
+          </a:effectRef>
+          <a:fontRef idx="minor">
+            <a:schemeClr val="lt1"/>
+          </a:fontRef>
+        </p:style>
+        <p:txBody>
+          <a:bodyPr rtlCol="0" anchor="ctr"/>
+          <a:lstStyle/>
+          <a:p>
+            <a:pPr algn="ctr"/>
+            <a:r>
+              <a:rPr lang="ko-KR" altLang="en-US" sz="1050" dirty="0">
+                <a:solidFill>
+                  <a:schemeClr val="bg1"/>
+                </a:solidFill>
+                <a:latin typeface="맑은 고딕" panose="020B0503020000020004" pitchFamily="50" charset="-127"/>
+                <a:ea typeface="맑은 고딕" panose="020B0503020000020004" pitchFamily="50" charset="-127"/>
+              </a:rPr>
+              <a:t>로그인 후 </a:t>
+            </a:r>
+            <a:r>
+              <a:rPr lang="en-US" altLang="ko-KR" sz="1050" dirty="0">
+                <a:solidFill>
+                  <a:schemeClr val="bg1"/>
+                </a:solidFill>
+                <a:latin typeface="맑은 고딕" panose="020B0503020000020004" pitchFamily="50" charset="-127"/>
+                <a:ea typeface="맑은 고딕" panose="020B0503020000020004" pitchFamily="50" charset="-127"/>
+              </a:rPr>
+              <a:t>– </a:t>
+            </a:r>
+            <a:r>
+              <a:rPr lang="ko-KR" altLang="en-US" sz="1050" dirty="0">
+                <a:solidFill>
+                  <a:schemeClr val="bg1"/>
+                </a:solidFill>
+                <a:latin typeface="맑은 고딕" panose="020B0503020000020004" pitchFamily="50" charset="-127"/>
+                <a:ea typeface="맑은 고딕" panose="020B0503020000020004" pitchFamily="50" charset="-127"/>
+              </a:rPr>
+              <a:t>일반 사용자</a:t>
+            </a:r>
+          </a:p>
+        </p:txBody>
+      </p:sp>
+      <p:sp>
+        <p:nvSpPr>
+          <p:cNvPr id="46" name="TextBox 45">
+            <a:extLst>
+              <a:ext uri="{FF2B5EF4-FFF2-40B4-BE49-F238E27FC236}">
+                <a16:creationId xmlns:a16="http://schemas.microsoft.com/office/drawing/2014/main" id="{754987C7-58F3-4924-9943-D7A6B6BA5FE0}"/>
+              </a:ext>
+            </a:extLst>
+          </p:cNvPr>
+          <p:cNvSpPr txBox="1"/>
+          <p:nvPr/>
+        </p:nvSpPr>
+        <p:spPr>
+          <a:xfrm>
+            <a:off x="5650364" y="3596444"/>
+            <a:ext cx="723809" cy="230832"/>
+          </a:xfrm>
+          <a:prstGeom prst="rect">
+            <a:avLst/>
+          </a:prstGeom>
+          <a:noFill/>
+        </p:spPr>
+        <p:txBody>
+          <a:bodyPr wrap="square" rtlCol="0">
+            <a:spAutoFit/>
+          </a:bodyPr>
+          <a:lstStyle/>
+          <a:p>
+            <a:r>
+              <a:rPr lang="ko-KR" altLang="en-US" u="sng" dirty="0">
+                <a:solidFill>
+                  <a:schemeClr val="tx1"/>
+                </a:solidFill>
+                <a:latin typeface="맑은 고딕" panose="020B0503020000020004" pitchFamily="50" charset="-127"/>
+                <a:ea typeface="맑은 고딕" panose="020B0503020000020004" pitchFamily="50" charset="-127"/>
+              </a:rPr>
+              <a:t>장바구니</a:t>
+            </a:r>
+          </a:p>
+        </p:txBody>
+      </p:sp>
+      <p:sp>
+        <p:nvSpPr>
+          <p:cNvPr id="47" name="직사각형 46">
+            <a:extLst>
+              <a:ext uri="{FF2B5EF4-FFF2-40B4-BE49-F238E27FC236}">
+                <a16:creationId xmlns:a16="http://schemas.microsoft.com/office/drawing/2014/main" id="{36710F1B-AAD4-4691-829A-2367E340AAB7}"/>
+              </a:ext>
+            </a:extLst>
+          </p:cNvPr>
+          <p:cNvSpPr/>
+          <p:nvPr/>
+        </p:nvSpPr>
+        <p:spPr>
+          <a:xfrm>
+            <a:off x="165000" y="5617061"/>
+            <a:ext cx="6937605" cy="821205"/>
+          </a:xfrm>
+          <a:prstGeom prst="rect">
+            <a:avLst/>
+          </a:prstGeom>
+          <a:solidFill>
+            <a:srgbClr val="0F4C81"/>
+          </a:solidFill>
+          <a:ln>
+            <a:noFill/>
+          </a:ln>
+        </p:spPr>
+        <p:style>
+          <a:lnRef idx="2">
+            <a:schemeClr val="accent1">
+              <a:shade val="50000"/>
+            </a:schemeClr>
+          </a:lnRef>
+          <a:fillRef idx="1">
+            <a:schemeClr val="accent1"/>
+          </a:fillRef>
+          <a:effectRef idx="0">
+            <a:schemeClr val="accent1"/>
+          </a:effectRef>
+          <a:fontRef idx="minor">
+            <a:schemeClr val="lt1"/>
+          </a:fontRef>
+        </p:style>
+        <p:txBody>
+          <a:bodyPr rtlCol="0" anchor="ctr"/>
+          <a:lstStyle/>
+          <a:p>
+            <a:pPr algn="ctr"/>
+            <a:endParaRPr lang="ko-KR" altLang="en-US"/>
+          </a:p>
+        </p:txBody>
+      </p:sp>
+      <p:sp>
+        <p:nvSpPr>
+          <p:cNvPr id="48" name="직사각형 47">
+            <a:extLst>
+              <a:ext uri="{FF2B5EF4-FFF2-40B4-BE49-F238E27FC236}">
+                <a16:creationId xmlns:a16="http://schemas.microsoft.com/office/drawing/2014/main" id="{41956A39-1E65-4582-9880-FDE18CB8630C}"/>
+              </a:ext>
+            </a:extLst>
+          </p:cNvPr>
+          <p:cNvSpPr/>
+          <p:nvPr/>
+        </p:nvSpPr>
+        <p:spPr>
+          <a:xfrm>
+            <a:off x="165000" y="5386229"/>
+            <a:ext cx="6937605" cy="230832"/>
+          </a:xfrm>
+          <a:prstGeom prst="rect">
+            <a:avLst/>
+          </a:prstGeom>
+          <a:solidFill>
+            <a:schemeClr val="bg1">
+              <a:lumMod val="85000"/>
+            </a:schemeClr>
+          </a:solidFill>
+          <a:ln>
+            <a:noFill/>
+          </a:ln>
+        </p:spPr>
+        <p:style>
+          <a:lnRef idx="2">
+            <a:schemeClr val="accent1">
+              <a:shade val="50000"/>
+            </a:schemeClr>
+          </a:lnRef>
+          <a:fillRef idx="1">
+            <a:schemeClr val="accent1"/>
+          </a:fillRef>
+          <a:effectRef idx="0">
+            <a:schemeClr val="accent1"/>
+          </a:effectRef>
+          <a:fontRef idx="minor">
+            <a:schemeClr val="lt1"/>
+          </a:fontRef>
+        </p:style>
+        <p:txBody>
+          <a:bodyPr rtlCol="0" anchor="ctr"/>
+          <a:lstStyle/>
+          <a:p>
+            <a:pPr algn="ctr"/>
+            <a:endParaRPr lang="ko-KR" altLang="en-US"/>
+          </a:p>
+        </p:txBody>
+      </p:sp>
+      <p:sp>
+        <p:nvSpPr>
+          <p:cNvPr id="49" name="TextBox 48">
+            <a:extLst>
+              <a:ext uri="{FF2B5EF4-FFF2-40B4-BE49-F238E27FC236}">
+                <a16:creationId xmlns:a16="http://schemas.microsoft.com/office/drawing/2014/main" id="{CF1E864B-D241-4011-9446-9588738B048D}"/>
+              </a:ext>
+            </a:extLst>
+          </p:cNvPr>
+          <p:cNvSpPr txBox="1"/>
+          <p:nvPr/>
+        </p:nvSpPr>
+        <p:spPr>
+          <a:xfrm>
+            <a:off x="5612893" y="5386229"/>
+            <a:ext cx="780267" cy="230832"/>
+          </a:xfrm>
+          <a:prstGeom prst="rect">
+            <a:avLst/>
+          </a:prstGeom>
+          <a:noFill/>
+        </p:spPr>
+        <p:txBody>
+          <a:bodyPr wrap="square" rtlCol="0">
+            <a:spAutoFit/>
+          </a:bodyPr>
+          <a:lstStyle/>
+          <a:p>
+            <a:r>
+              <a:rPr lang="ko-KR" altLang="en-US" u="sng" dirty="0">
+                <a:solidFill>
+                  <a:schemeClr val="tx1"/>
+                </a:solidFill>
+                <a:latin typeface="맑은 고딕" panose="020B0503020000020004" pitchFamily="50" charset="-127"/>
+                <a:ea typeface="맑은 고딕" panose="020B0503020000020004" pitchFamily="50" charset="-127"/>
+              </a:rPr>
+              <a:t>마이페이지</a:t>
+            </a:r>
+          </a:p>
+        </p:txBody>
+      </p:sp>
+      <p:sp>
+        <p:nvSpPr>
+          <p:cNvPr id="50" name="TextBox 49">
+            <a:extLst>
+              <a:ext uri="{FF2B5EF4-FFF2-40B4-BE49-F238E27FC236}">
+                <a16:creationId xmlns:a16="http://schemas.microsoft.com/office/drawing/2014/main" id="{E9F1D399-B329-4F86-96A9-BE63B09E0ADE}"/>
+              </a:ext>
+            </a:extLst>
+          </p:cNvPr>
+          <p:cNvSpPr txBox="1"/>
+          <p:nvPr/>
+        </p:nvSpPr>
+        <p:spPr>
+          <a:xfrm>
+            <a:off x="6370426" y="5386229"/>
+            <a:ext cx="723809" cy="230832"/>
+          </a:xfrm>
+          <a:prstGeom prst="rect">
+            <a:avLst/>
+          </a:prstGeom>
+          <a:noFill/>
+        </p:spPr>
+        <p:txBody>
+          <a:bodyPr wrap="square" rtlCol="0">
+            <a:spAutoFit/>
+          </a:bodyPr>
+          <a:lstStyle/>
+          <a:p>
+            <a:r>
+              <a:rPr lang="ko-KR" altLang="en-US" u="sng">
+                <a:solidFill>
+                  <a:schemeClr val="tx1"/>
+                </a:solidFill>
+                <a:latin typeface="맑은 고딕" panose="020B0503020000020004" pitchFamily="50" charset="-127"/>
+                <a:ea typeface="맑은 고딕" panose="020B0503020000020004" pitchFamily="50" charset="-127"/>
+              </a:rPr>
+              <a:t>로그아웃</a:t>
+            </a:r>
+            <a:endParaRPr lang="ko-KR" altLang="en-US" u="sng" dirty="0">
+              <a:solidFill>
+                <a:schemeClr val="tx1"/>
+              </a:solidFill>
+              <a:latin typeface="맑은 고딕" panose="020B0503020000020004" pitchFamily="50" charset="-127"/>
+              <a:ea typeface="맑은 고딕" panose="020B0503020000020004" pitchFamily="50" charset="-127"/>
+            </a:endParaRPr>
+          </a:p>
+        </p:txBody>
+      </p:sp>
+      <p:sp>
+        <p:nvSpPr>
+          <p:cNvPr id="51" name="사각형: 둥근 모서리 50">
+            <a:extLst>
+              <a:ext uri="{FF2B5EF4-FFF2-40B4-BE49-F238E27FC236}">
+                <a16:creationId xmlns:a16="http://schemas.microsoft.com/office/drawing/2014/main" id="{05E7E6A2-903D-4FA9-ADE2-E6F47C4197A5}"/>
+              </a:ext>
+            </a:extLst>
+          </p:cNvPr>
+          <p:cNvSpPr/>
+          <p:nvPr/>
+        </p:nvSpPr>
+        <p:spPr>
+          <a:xfrm>
+            <a:off x="272480" y="5748653"/>
+            <a:ext cx="1440160" cy="611253"/>
+          </a:xfrm>
+          <a:prstGeom prst="roundRect">
+            <a:avLst/>
+          </a:prstGeom>
+        </p:spPr>
+        <p:style>
+          <a:lnRef idx="2">
+            <a:schemeClr val="accent1">
+              <a:shade val="50000"/>
+            </a:schemeClr>
+          </a:lnRef>
+          <a:fillRef idx="1">
+            <a:schemeClr val="accent1"/>
+          </a:fillRef>
+          <a:effectRef idx="0">
+            <a:schemeClr val="accent1"/>
+          </a:effectRef>
+          <a:fontRef idx="minor">
+            <a:schemeClr val="lt1"/>
+          </a:fontRef>
+        </p:style>
+        <p:txBody>
+          <a:bodyPr rtlCol="0" anchor="ctr"/>
+          <a:lstStyle/>
+          <a:p>
+            <a:pPr algn="ctr"/>
+            <a:r>
+              <a:rPr lang="ko-KR" altLang="en-US" sz="1600">
+                <a:solidFill>
+                  <a:schemeClr val="tx1"/>
+                </a:solidFill>
+                <a:latin typeface="맑은 고딕" panose="020B0503020000020004" pitchFamily="50" charset="-127"/>
+                <a:ea typeface="맑은 고딕" panose="020B0503020000020004" pitchFamily="50" charset="-127"/>
+              </a:rPr>
+              <a:t>로고</a:t>
+            </a:r>
+          </a:p>
+        </p:txBody>
+      </p:sp>
+      <p:sp>
+        <p:nvSpPr>
+          <p:cNvPr id="52" name="직사각형 51">
+            <a:extLst>
+              <a:ext uri="{FF2B5EF4-FFF2-40B4-BE49-F238E27FC236}">
+                <a16:creationId xmlns:a16="http://schemas.microsoft.com/office/drawing/2014/main" id="{7EAD5FAE-7C83-4BFF-8294-0EDA5CB6E86E}"/>
+              </a:ext>
+            </a:extLst>
+          </p:cNvPr>
+          <p:cNvSpPr/>
+          <p:nvPr/>
+        </p:nvSpPr>
+        <p:spPr>
+          <a:xfrm>
+            <a:off x="1874750" y="5829766"/>
+            <a:ext cx="846002" cy="425673"/>
+          </a:xfrm>
+          <a:prstGeom prst="rect">
+            <a:avLst/>
+          </a:prstGeom>
+          <a:solidFill>
+            <a:srgbClr val="0F4C81"/>
+          </a:solidFill>
+          <a:ln>
+            <a:noFill/>
+          </a:ln>
+        </p:spPr>
+        <p:style>
+          <a:lnRef idx="2">
+            <a:schemeClr val="accent1">
+              <a:shade val="50000"/>
+            </a:schemeClr>
+          </a:lnRef>
+          <a:fillRef idx="1">
+            <a:schemeClr val="accent1"/>
+          </a:fillRef>
+          <a:effectRef idx="0">
+            <a:schemeClr val="accent1"/>
+          </a:effectRef>
+          <a:fontRef idx="minor">
+            <a:schemeClr val="lt1"/>
+          </a:fontRef>
+        </p:style>
+        <p:txBody>
+          <a:bodyPr rtlCol="0" anchor="ctr"/>
+          <a:lstStyle/>
+          <a:p>
+            <a:pPr algn="ctr"/>
+            <a:r>
+              <a:rPr lang="ko-KR" altLang="en-US" sz="1100" dirty="0">
+                <a:solidFill>
+                  <a:schemeClr val="bg1"/>
+                </a:solidFill>
+                <a:latin typeface="맑은 고딕" panose="020B0503020000020004" pitchFamily="50" charset="-127"/>
+                <a:ea typeface="맑은 고딕" panose="020B0503020000020004" pitchFamily="50" charset="-127"/>
+              </a:rPr>
+              <a:t>쇼핑 관리</a:t>
+            </a:r>
+          </a:p>
+        </p:txBody>
+      </p:sp>
+      <p:sp>
+        <p:nvSpPr>
+          <p:cNvPr id="57" name="사각형: 둥근 모서리 56">
+            <a:extLst>
+              <a:ext uri="{FF2B5EF4-FFF2-40B4-BE49-F238E27FC236}">
+                <a16:creationId xmlns:a16="http://schemas.microsoft.com/office/drawing/2014/main" id="{E74EB2C5-5CF4-4714-A565-283B04F843F4}"/>
+              </a:ext>
+            </a:extLst>
+          </p:cNvPr>
+          <p:cNvSpPr/>
+          <p:nvPr/>
+        </p:nvSpPr>
+        <p:spPr>
+          <a:xfrm>
+            <a:off x="165000" y="4876818"/>
+            <a:ext cx="1691656" cy="314833"/>
+          </a:xfrm>
+          <a:prstGeom prst="roundRect">
+            <a:avLst/>
+          </a:prstGeom>
+          <a:solidFill>
+            <a:schemeClr val="tx1"/>
+          </a:solidFill>
+          <a:ln>
+            <a:noFill/>
+          </a:ln>
+        </p:spPr>
+        <p:style>
+          <a:lnRef idx="2">
+            <a:schemeClr val="accent1">
+              <a:shade val="50000"/>
+            </a:schemeClr>
+          </a:lnRef>
+          <a:fillRef idx="1">
+            <a:schemeClr val="accent1"/>
+          </a:fillRef>
+          <a:effectRef idx="0">
+            <a:schemeClr val="accent1"/>
+          </a:effectRef>
+          <a:fontRef idx="minor">
+            <a:schemeClr val="lt1"/>
+          </a:fontRef>
+        </p:style>
+        <p:txBody>
+          <a:bodyPr rtlCol="0" anchor="ctr"/>
+          <a:lstStyle/>
+          <a:p>
+            <a:pPr algn="ctr"/>
+            <a:r>
+              <a:rPr lang="ko-KR" altLang="en-US" sz="1050" dirty="0">
+                <a:solidFill>
+                  <a:schemeClr val="bg1"/>
+                </a:solidFill>
+                <a:latin typeface="맑은 고딕" panose="020B0503020000020004" pitchFamily="50" charset="-127"/>
+                <a:ea typeface="맑은 고딕" panose="020B0503020000020004" pitchFamily="50" charset="-127"/>
+              </a:rPr>
+              <a:t>로그인 후 </a:t>
+            </a:r>
+            <a:r>
+              <a:rPr lang="en-US" altLang="ko-KR" sz="1050" dirty="0">
+                <a:solidFill>
+                  <a:schemeClr val="bg1"/>
+                </a:solidFill>
+                <a:latin typeface="맑은 고딕" panose="020B0503020000020004" pitchFamily="50" charset="-127"/>
+                <a:ea typeface="맑은 고딕" panose="020B0503020000020004" pitchFamily="50" charset="-127"/>
+              </a:rPr>
+              <a:t>– </a:t>
+            </a:r>
+            <a:r>
+              <a:rPr lang="ko-KR" altLang="en-US" sz="1050" dirty="0">
+                <a:solidFill>
+                  <a:schemeClr val="bg1"/>
+                </a:solidFill>
+                <a:latin typeface="맑은 고딕" panose="020B0503020000020004" pitchFamily="50" charset="-127"/>
+                <a:ea typeface="맑은 고딕" panose="020B0503020000020004" pitchFamily="50" charset="-127"/>
+              </a:rPr>
+              <a:t>관리자</a:t>
+            </a:r>
+          </a:p>
+        </p:txBody>
+      </p:sp>
+      <p:sp>
+        <p:nvSpPr>
+          <p:cNvPr id="59" name="직사각형 58">
+            <a:extLst>
+              <a:ext uri="{FF2B5EF4-FFF2-40B4-BE49-F238E27FC236}">
+                <a16:creationId xmlns:a16="http://schemas.microsoft.com/office/drawing/2014/main" id="{32167DC3-D7D6-48BC-9F23-847D4D7FDFCF}"/>
+              </a:ext>
+            </a:extLst>
+          </p:cNvPr>
+          <p:cNvSpPr/>
+          <p:nvPr/>
+        </p:nvSpPr>
+        <p:spPr>
+          <a:xfrm>
+            <a:off x="2718088" y="5829766"/>
+            <a:ext cx="846002" cy="425673"/>
+          </a:xfrm>
+          <a:prstGeom prst="rect">
+            <a:avLst/>
+          </a:prstGeom>
+          <a:solidFill>
+            <a:srgbClr val="0F4C81"/>
+          </a:solidFill>
+          <a:ln>
+            <a:noFill/>
+          </a:ln>
+        </p:spPr>
+        <p:style>
+          <a:lnRef idx="2">
+            <a:schemeClr val="accent1">
+              <a:shade val="50000"/>
+            </a:schemeClr>
+          </a:lnRef>
+          <a:fillRef idx="1">
+            <a:schemeClr val="accent1"/>
+          </a:fillRef>
+          <a:effectRef idx="0">
+            <a:schemeClr val="accent1"/>
+          </a:effectRef>
+          <a:fontRef idx="minor">
+            <a:schemeClr val="lt1"/>
+          </a:fontRef>
+        </p:style>
+        <p:txBody>
+          <a:bodyPr rtlCol="0" anchor="ctr"/>
+          <a:lstStyle/>
+          <a:p>
+            <a:pPr algn="ctr"/>
+            <a:r>
+              <a:rPr lang="ko-KR" altLang="en-US" sz="1100">
+                <a:solidFill>
+                  <a:schemeClr val="bg1"/>
+                </a:solidFill>
+                <a:latin typeface="맑은 고딕" panose="020B0503020000020004" pitchFamily="50" charset="-127"/>
+                <a:ea typeface="맑은 고딕" panose="020B0503020000020004" pitchFamily="50" charset="-127"/>
+              </a:rPr>
+              <a:t>호텔 관리</a:t>
+            </a:r>
+            <a:endParaRPr lang="ko-KR" altLang="en-US" sz="1100" dirty="0">
+              <a:solidFill>
+                <a:schemeClr val="bg1"/>
+              </a:solidFill>
+              <a:latin typeface="맑은 고딕" panose="020B0503020000020004" pitchFamily="50" charset="-127"/>
+              <a:ea typeface="맑은 고딕" panose="020B0503020000020004" pitchFamily="50" charset="-127"/>
+            </a:endParaRPr>
+          </a:p>
+        </p:txBody>
+      </p:sp>
+      <p:sp>
+        <p:nvSpPr>
+          <p:cNvPr id="60" name="직사각형 59">
+            <a:extLst>
+              <a:ext uri="{FF2B5EF4-FFF2-40B4-BE49-F238E27FC236}">
+                <a16:creationId xmlns:a16="http://schemas.microsoft.com/office/drawing/2014/main" id="{B1E1EC40-627E-47CD-8BF4-2CD49DCFCF1F}"/>
+              </a:ext>
+            </a:extLst>
+          </p:cNvPr>
+          <p:cNvSpPr/>
+          <p:nvPr/>
+        </p:nvSpPr>
+        <p:spPr>
+          <a:xfrm>
+            <a:off x="5248102" y="5829766"/>
+            <a:ext cx="846002" cy="425673"/>
+          </a:xfrm>
+          <a:prstGeom prst="rect">
+            <a:avLst/>
+          </a:prstGeom>
+          <a:solidFill>
+            <a:srgbClr val="0F4C81"/>
+          </a:solidFill>
+          <a:ln>
+            <a:noFill/>
+          </a:ln>
+        </p:spPr>
+        <p:style>
+          <a:lnRef idx="2">
+            <a:schemeClr val="accent1">
+              <a:shade val="50000"/>
+            </a:schemeClr>
+          </a:lnRef>
+          <a:fillRef idx="1">
+            <a:schemeClr val="accent1"/>
+          </a:fillRef>
+          <a:effectRef idx="0">
+            <a:schemeClr val="accent1"/>
+          </a:effectRef>
+          <a:fontRef idx="minor">
+            <a:schemeClr val="lt1"/>
+          </a:fontRef>
+        </p:style>
+        <p:txBody>
+          <a:bodyPr rtlCol="0" anchor="ctr"/>
+          <a:lstStyle/>
+          <a:p>
+            <a:pPr algn="ctr"/>
+            <a:r>
+              <a:rPr lang="ko-KR" altLang="en-US" sz="1100" dirty="0">
+                <a:solidFill>
+                  <a:schemeClr val="bg1"/>
+                </a:solidFill>
+                <a:latin typeface="맑은 고딕" panose="020B0503020000020004" pitchFamily="50" charset="-127"/>
+                <a:ea typeface="맑은 고딕" panose="020B0503020000020004" pitchFamily="50" charset="-127"/>
+              </a:rPr>
+              <a:t>공지사항</a:t>
+            </a:r>
+            <a:endParaRPr lang="en-US" altLang="ko-KR" sz="1100" dirty="0">
+              <a:solidFill>
+                <a:schemeClr val="bg1"/>
+              </a:solidFill>
+              <a:latin typeface="맑은 고딕" panose="020B0503020000020004" pitchFamily="50" charset="-127"/>
+              <a:ea typeface="맑은 고딕" panose="020B0503020000020004" pitchFamily="50" charset="-127"/>
+            </a:endParaRPr>
+          </a:p>
+          <a:p>
+            <a:pPr algn="ctr"/>
+            <a:r>
+              <a:rPr lang="ko-KR" altLang="en-US" sz="1100" dirty="0">
+                <a:solidFill>
+                  <a:schemeClr val="bg1"/>
+                </a:solidFill>
+                <a:latin typeface="맑은 고딕" panose="020B0503020000020004" pitchFamily="50" charset="-127"/>
+                <a:ea typeface="맑은 고딕" panose="020B0503020000020004" pitchFamily="50" charset="-127"/>
+              </a:rPr>
+              <a:t>관리</a:t>
+            </a:r>
+          </a:p>
+        </p:txBody>
+      </p:sp>
+      <p:sp>
+        <p:nvSpPr>
+          <p:cNvPr id="61" name="직사각형 60">
+            <a:extLst>
+              <a:ext uri="{FF2B5EF4-FFF2-40B4-BE49-F238E27FC236}">
+                <a16:creationId xmlns:a16="http://schemas.microsoft.com/office/drawing/2014/main" id="{46D66456-7966-4E16-9584-0D89185892D3}"/>
+              </a:ext>
+            </a:extLst>
+          </p:cNvPr>
+          <p:cNvSpPr/>
+          <p:nvPr/>
+        </p:nvSpPr>
+        <p:spPr>
+          <a:xfrm>
+            <a:off x="3561426" y="5829766"/>
+            <a:ext cx="846002" cy="425673"/>
+          </a:xfrm>
+          <a:prstGeom prst="rect">
+            <a:avLst/>
+          </a:prstGeom>
+          <a:solidFill>
+            <a:srgbClr val="0F4C81"/>
+          </a:solidFill>
+          <a:ln>
+            <a:noFill/>
+          </a:ln>
+        </p:spPr>
+        <p:style>
+          <a:lnRef idx="2">
+            <a:schemeClr val="accent1">
+              <a:shade val="50000"/>
+            </a:schemeClr>
+          </a:lnRef>
+          <a:fillRef idx="1">
+            <a:schemeClr val="accent1"/>
+          </a:fillRef>
+          <a:effectRef idx="0">
+            <a:schemeClr val="accent1"/>
+          </a:effectRef>
+          <a:fontRef idx="minor">
+            <a:schemeClr val="lt1"/>
+          </a:fontRef>
+        </p:style>
+        <p:txBody>
+          <a:bodyPr rtlCol="0" anchor="ctr"/>
+          <a:lstStyle/>
+          <a:p>
+            <a:pPr algn="ctr"/>
+            <a:r>
+              <a:rPr lang="ko-KR" altLang="en-US" sz="1100">
+                <a:solidFill>
+                  <a:schemeClr val="bg1"/>
+                </a:solidFill>
+                <a:latin typeface="맑은 고딕" panose="020B0503020000020004" pitchFamily="50" charset="-127"/>
+                <a:ea typeface="맑은 고딕" panose="020B0503020000020004" pitchFamily="50" charset="-127"/>
+              </a:rPr>
+              <a:t>주문 관리</a:t>
+            </a:r>
+            <a:endParaRPr lang="ko-KR" altLang="en-US" sz="1100" dirty="0">
+              <a:solidFill>
+                <a:schemeClr val="bg1"/>
+              </a:solidFill>
+              <a:latin typeface="맑은 고딕" panose="020B0503020000020004" pitchFamily="50" charset="-127"/>
+              <a:ea typeface="맑은 고딕" panose="020B0503020000020004" pitchFamily="50" charset="-127"/>
+            </a:endParaRPr>
+          </a:p>
+        </p:txBody>
+      </p:sp>
+      <p:sp>
+        <p:nvSpPr>
+          <p:cNvPr id="63" name="직사각형 62">
+            <a:extLst>
+              <a:ext uri="{FF2B5EF4-FFF2-40B4-BE49-F238E27FC236}">
+                <a16:creationId xmlns:a16="http://schemas.microsoft.com/office/drawing/2014/main" id="{BA550417-0BAA-4611-8098-F1E69720E679}"/>
+              </a:ext>
+            </a:extLst>
+          </p:cNvPr>
+          <p:cNvSpPr/>
+          <p:nvPr/>
+        </p:nvSpPr>
+        <p:spPr>
+          <a:xfrm>
+            <a:off x="4404764" y="5829766"/>
+            <a:ext cx="846002" cy="425673"/>
+          </a:xfrm>
+          <a:prstGeom prst="rect">
+            <a:avLst/>
+          </a:prstGeom>
+          <a:solidFill>
+            <a:srgbClr val="0F4C81"/>
+          </a:solidFill>
+          <a:ln>
+            <a:noFill/>
+          </a:ln>
+        </p:spPr>
+        <p:style>
+          <a:lnRef idx="2">
+            <a:schemeClr val="accent1">
+              <a:shade val="50000"/>
+            </a:schemeClr>
+          </a:lnRef>
+          <a:fillRef idx="1">
+            <a:schemeClr val="accent1"/>
+          </a:fillRef>
+          <a:effectRef idx="0">
+            <a:schemeClr val="accent1"/>
+          </a:effectRef>
+          <a:fontRef idx="minor">
+            <a:schemeClr val="lt1"/>
+          </a:fontRef>
+        </p:style>
+        <p:txBody>
+          <a:bodyPr rtlCol="0" anchor="ctr"/>
+          <a:lstStyle/>
+          <a:p>
+            <a:pPr algn="ctr"/>
+            <a:r>
+              <a:rPr lang="ko-KR" altLang="en-US" sz="1100">
+                <a:solidFill>
+                  <a:schemeClr val="bg1"/>
+                </a:solidFill>
+                <a:latin typeface="맑은 고딕" panose="020B0503020000020004" pitchFamily="50" charset="-127"/>
+                <a:ea typeface="맑은 고딕" panose="020B0503020000020004" pitchFamily="50" charset="-127"/>
+              </a:rPr>
+              <a:t>회원 관리</a:t>
+            </a:r>
+            <a:endParaRPr lang="ko-KR" altLang="en-US" sz="1100" dirty="0">
+              <a:solidFill>
+                <a:schemeClr val="bg1"/>
+              </a:solidFill>
+              <a:latin typeface="맑은 고딕" panose="020B0503020000020004" pitchFamily="50" charset="-127"/>
+              <a:ea typeface="맑은 고딕" panose="020B0503020000020004" pitchFamily="50" charset="-127"/>
+            </a:endParaRPr>
+          </a:p>
+        </p:txBody>
+      </p:sp>
+      <p:sp>
+        <p:nvSpPr>
+          <p:cNvPr id="64" name="직사각형 63">
+            <a:extLst>
+              <a:ext uri="{FF2B5EF4-FFF2-40B4-BE49-F238E27FC236}">
+                <a16:creationId xmlns:a16="http://schemas.microsoft.com/office/drawing/2014/main" id="{25DD99BE-98F3-4F39-BEEE-A35D9F2BED23}"/>
+              </a:ext>
+            </a:extLst>
+          </p:cNvPr>
+          <p:cNvSpPr/>
+          <p:nvPr/>
+        </p:nvSpPr>
+        <p:spPr>
+          <a:xfrm>
+            <a:off x="6091442" y="5829766"/>
+            <a:ext cx="846002" cy="425673"/>
+          </a:xfrm>
+          <a:prstGeom prst="rect">
+            <a:avLst/>
+          </a:prstGeom>
+          <a:solidFill>
+            <a:srgbClr val="0F4C81"/>
+          </a:solidFill>
+          <a:ln>
+            <a:noFill/>
+          </a:ln>
+        </p:spPr>
+        <p:style>
+          <a:lnRef idx="2">
+            <a:schemeClr val="accent1">
+              <a:shade val="50000"/>
+            </a:schemeClr>
+          </a:lnRef>
+          <a:fillRef idx="1">
+            <a:schemeClr val="accent1"/>
+          </a:fillRef>
+          <a:effectRef idx="0">
+            <a:schemeClr val="accent1"/>
+          </a:effectRef>
+          <a:fontRef idx="minor">
+            <a:schemeClr val="lt1"/>
+          </a:fontRef>
+        </p:style>
+        <p:txBody>
+          <a:bodyPr rtlCol="0" anchor="ctr"/>
+          <a:lstStyle/>
+          <a:p>
+            <a:pPr algn="ctr"/>
+            <a:r>
+              <a:rPr lang="ko-KR" altLang="en-US" sz="1100" dirty="0">
+                <a:solidFill>
+                  <a:schemeClr val="bg1"/>
+                </a:solidFill>
+                <a:latin typeface="맑은 고딕" panose="020B0503020000020004" pitchFamily="50" charset="-127"/>
+                <a:ea typeface="맑은 고딕" panose="020B0503020000020004" pitchFamily="50" charset="-127"/>
+              </a:rPr>
+              <a:t>이벤트</a:t>
+            </a:r>
+            <a:br>
+              <a:rPr lang="en-US" altLang="ko-KR" sz="1100" dirty="0">
+                <a:solidFill>
+                  <a:schemeClr val="bg1"/>
+                </a:solidFill>
+                <a:latin typeface="맑은 고딕" panose="020B0503020000020004" pitchFamily="50" charset="-127"/>
+                <a:ea typeface="맑은 고딕" panose="020B0503020000020004" pitchFamily="50" charset="-127"/>
+              </a:rPr>
+            </a:br>
+            <a:r>
+              <a:rPr lang="ko-KR" altLang="en-US" sz="1100" dirty="0">
+                <a:solidFill>
+                  <a:schemeClr val="bg1"/>
+                </a:solidFill>
+                <a:latin typeface="맑은 고딕" panose="020B0503020000020004" pitchFamily="50" charset="-127"/>
+                <a:ea typeface="맑은 고딕" panose="020B0503020000020004" pitchFamily="50" charset="-127"/>
+              </a:rPr>
+              <a:t>관리</a:t>
+            </a:r>
+          </a:p>
+        </p:txBody>
+      </p:sp>
+    </p:spTree>
+    <p:extLst>
+      <p:ext uri="{BB962C8B-B14F-4D97-AF65-F5344CB8AC3E}">
+        <p14:creationId xmlns:p14="http://schemas.microsoft.com/office/powerpoint/2010/main" val="1656387037"/>
+      </p:ext>
+    </p:extLst>
+  </p:cSld>
+  <p:clrMapOvr>
+    <a:masterClrMapping/>
+  </p:clrMapOvr>
+</p:sld>
+</file>
+
+<file path=ppt/slides/slide4.xml><?xml version="1.0" encoding="utf-8"?>
 <p:sld xmlns:a="http://schemas.openxmlformats.org/drawingml/2006/main" xmlns:r="http://schemas.openxmlformats.org/officeDocument/2006/relationships" xmlns:p="http://schemas.openxmlformats.org/presentationml/2006/main">
   <p:cSld>
     <p:spTree>
@@ -8243,7 +13262,7 @@
 </p:sld>
 </file>
 
-<file path=ppt/slides/slide3.xml><?xml version="1.0" encoding="utf-8"?>
+<file path=ppt/slides/slide5.xml><?xml version="1.0" encoding="utf-8"?>
 <p:sld xmlns:a="http://schemas.openxmlformats.org/drawingml/2006/main" xmlns:r="http://schemas.openxmlformats.org/officeDocument/2006/relationships" xmlns:p="http://schemas.openxmlformats.org/presentationml/2006/main">
   <p:cSld>
     <p:spTree>
@@ -9211,13 +14230,7 @@
           <p:cNvGraphicFramePr>
             <a:graphicFrameLocks noGrp="1"/>
           </p:cNvGraphicFramePr>
-          <p:nvPr>
-            <p:extLst>
-              <p:ext uri="{D42A27DB-BD31-4B8C-83A1-F6EECF244321}">
-                <p14:modId xmlns:p14="http://schemas.microsoft.com/office/powerpoint/2010/main" val="1203755645"/>
-              </p:ext>
-            </p:extLst>
-          </p:nvPr>
+          <p:nvPr/>
         </p:nvGraphicFramePr>
         <p:xfrm>
           <a:off x="165000" y="404664"/>
@@ -10188,13 +15201,7 @@
           <p:cNvGraphicFramePr>
             <a:graphicFrameLocks noGrp="1"/>
           </p:cNvGraphicFramePr>
-          <p:nvPr>
-            <p:extLst>
-              <p:ext uri="{D42A27DB-BD31-4B8C-83A1-F6EECF244321}">
-                <p14:modId xmlns:p14="http://schemas.microsoft.com/office/powerpoint/2010/main" val="2541886506"/>
-              </p:ext>
-            </p:extLst>
-          </p:nvPr>
+          <p:nvPr/>
         </p:nvGraphicFramePr>
         <p:xfrm>
           <a:off x="7264715" y="1241391"/>
@@ -11285,13 +16292,7 @@
           <p:cNvGraphicFramePr>
             <a:graphicFrameLocks noGrp="1"/>
           </p:cNvGraphicFramePr>
-          <p:nvPr>
-            <p:extLst>
-              <p:ext uri="{D42A27DB-BD31-4B8C-83A1-F6EECF244321}">
-                <p14:modId xmlns:p14="http://schemas.microsoft.com/office/powerpoint/2010/main" val="3120480806"/>
-              </p:ext>
-            </p:extLst>
-          </p:nvPr>
+          <p:nvPr/>
         </p:nvGraphicFramePr>
         <p:xfrm>
           <a:off x="7264715" y="6379889"/>
@@ -11508,7 +16509,7 @@
 </p:sld>
 </file>
 
-<file path=ppt/slides/slide4.xml><?xml version="1.0" encoding="utf-8"?>
+<file path=ppt/slides/slide6.xml><?xml version="1.0" encoding="utf-8"?>
 <p:sld xmlns:a="http://schemas.openxmlformats.org/drawingml/2006/main" xmlns:r="http://schemas.openxmlformats.org/officeDocument/2006/relationships" xmlns:p="http://schemas.openxmlformats.org/presentationml/2006/main">
   <p:cSld>
     <p:spTree>
@@ -11537,13 +16538,7 @@
           <p:cNvGraphicFramePr>
             <a:graphicFrameLocks noGrp="1"/>
           </p:cNvGraphicFramePr>
-          <p:nvPr>
-            <p:extLst>
-              <p:ext uri="{D42A27DB-BD31-4B8C-83A1-F6EECF244321}">
-                <p14:modId xmlns:p14="http://schemas.microsoft.com/office/powerpoint/2010/main" val="892345295"/>
-              </p:ext>
-            </p:extLst>
-          </p:nvPr>
+          <p:nvPr/>
         </p:nvGraphicFramePr>
         <p:xfrm>
           <a:off x="165000" y="1412776"/>
@@ -12857,13 +17852,7 @@
           <p:cNvGraphicFramePr>
             <a:graphicFrameLocks noGrp="1"/>
           </p:cNvGraphicFramePr>
-          <p:nvPr>
-            <p:extLst>
-              <p:ext uri="{D42A27DB-BD31-4B8C-83A1-F6EECF244321}">
-                <p14:modId xmlns:p14="http://schemas.microsoft.com/office/powerpoint/2010/main" val="4288341460"/>
-              </p:ext>
-            </p:extLst>
-          </p:nvPr>
+          <p:nvPr/>
         </p:nvGraphicFramePr>
         <p:xfrm>
           <a:off x="165000" y="3933056"/>
@@ -13728,13 +18717,7 @@
           <p:cNvGraphicFramePr>
             <a:graphicFrameLocks noGrp="1"/>
           </p:cNvGraphicFramePr>
-          <p:nvPr>
-            <p:extLst>
-              <p:ext uri="{D42A27DB-BD31-4B8C-83A1-F6EECF244321}">
-                <p14:modId xmlns:p14="http://schemas.microsoft.com/office/powerpoint/2010/main" val="1113719823"/>
-              </p:ext>
-            </p:extLst>
-          </p:nvPr>
+          <p:nvPr/>
         </p:nvGraphicFramePr>
         <p:xfrm>
           <a:off x="165000" y="404664"/>
